--- a/docs/Figures.pptx
+++ b/docs/Figures.pptx
@@ -5,12 +5,13 @@
     <p:sldMasterId id="2147483660" r:id="rId1"/>
   </p:sldMasterIdLst>
   <p:handoutMasterIdLst>
-    <p:handoutMasterId r:id="rId5"/>
+    <p:handoutMasterId r:id="rId6"/>
   </p:handoutMasterIdLst>
   <p:sldIdLst>
     <p:sldId id="347" r:id="rId2"/>
     <p:sldId id="348" r:id="rId3"/>
-    <p:sldId id="349" r:id="rId4"/>
+    <p:sldId id="350" r:id="rId4"/>
+    <p:sldId id="349" r:id="rId5"/>
   </p:sldIdLst>
   <p:sldSz cx="12192000" cy="6858000"/>
   <p:notesSz cx="6858000" cy="9144000"/>
@@ -8359,1664 +8360,465 @@
           </a:p>
         </p:txBody>
       </p:sp>
-      <p:sp>
-        <p:nvSpPr>
-          <p:cNvPr id="67" name="Rectangle 66">
+      <p:grpSp>
+        <p:nvGrpSpPr>
+          <p:cNvPr id="41" name="Group 40">
             <a:extLst>
               <a:ext uri="{FF2B5EF4-FFF2-40B4-BE49-F238E27FC236}">
-                <a16:creationId xmlns:a16="http://schemas.microsoft.com/office/drawing/2014/main" id="{AE78100A-8AEE-504C-9357-667E05E4756C}"/>
+                <a16:creationId xmlns:a16="http://schemas.microsoft.com/office/drawing/2014/main" id="{2E268ECE-D5A5-2C4B-8797-3688DC6168AE}"/>
               </a:ext>
             </a:extLst>
           </p:cNvPr>
-          <p:cNvSpPr/>
+          <p:cNvGrpSpPr/>
           <p:nvPr/>
-        </p:nvSpPr>
-        <p:spPr>
-          <a:xfrm>
-            <a:off x="4598166" y="1478182"/>
-            <a:ext cx="1028294" cy="240683"/>
-          </a:xfrm>
-          <a:prstGeom prst="rect">
-            <a:avLst/>
-          </a:prstGeom>
-          <a:noFill/>
-          <a:ln w="3175">
-            <a:solidFill>
-              <a:schemeClr val="tx1"/>
-            </a:solidFill>
-          </a:ln>
-          <a:effectLst/>
-        </p:spPr>
-        <p:style>
-          <a:lnRef idx="1">
-            <a:schemeClr val="accent2"/>
-          </a:lnRef>
-          <a:fillRef idx="2">
-            <a:schemeClr val="accent2"/>
-          </a:fillRef>
-          <a:effectRef idx="1">
-            <a:schemeClr val="accent2"/>
-          </a:effectRef>
-          <a:fontRef idx="minor">
-            <a:schemeClr val="dk1"/>
-          </a:fontRef>
-        </p:style>
-        <p:txBody>
-          <a:bodyPr rtlCol="0" anchor="ctr"/>
-          <a:lstStyle/>
-          <a:p>
-            <a:r>
-              <a:rPr lang="en-US" sz="1400">
-                <a:solidFill>
-                  <a:schemeClr val="tx1">
-                    <a:lumMod val="85000"/>
-                    <a:lumOff val="15000"/>
-                  </a:schemeClr>
-                </a:solidFill>
-              </a:rPr>
-              <a:t>/&lt;</a:t>
-            </a:r>
-            <a:r>
-              <a:rPr lang="en-US" sz="1400" i="1">
-                <a:solidFill>
-                  <a:schemeClr val="tx1">
-                    <a:lumMod val="85000"/>
-                    <a:lumOff val="15000"/>
-                  </a:schemeClr>
-                </a:solidFill>
-              </a:rPr>
-              <a:t>dataset</a:t>
-            </a:r>
-            <a:r>
-              <a:rPr lang="en-US" sz="1400">
-                <a:solidFill>
-                  <a:schemeClr val="tx1">
-                    <a:lumMod val="85000"/>
-                    <a:lumOff val="15000"/>
-                  </a:schemeClr>
-                </a:solidFill>
-              </a:rPr>
-              <a:t>&gt;</a:t>
-            </a:r>
-            <a:endParaRPr lang="en-US" sz="1400" dirty="0">
+        </p:nvGrpSpPr>
+        <p:grpSpPr>
+          <a:xfrm>
+            <a:off x="2145848" y="1575706"/>
+            <a:ext cx="4095925" cy="1617625"/>
+            <a:chOff x="2145849" y="1575706"/>
+            <a:chExt cx="3890768" cy="1617625"/>
+          </a:xfrm>
+        </p:grpSpPr>
+        <p:sp>
+          <p:nvSpPr>
+            <p:cNvPr id="116" name="Rectangle 115">
+              <a:extLst>
+                <a:ext uri="{FF2B5EF4-FFF2-40B4-BE49-F238E27FC236}">
+                  <a16:creationId xmlns:a16="http://schemas.microsoft.com/office/drawing/2014/main" id="{57F53A77-6F2A-3F42-AB7A-0E4CA6CA68B1}"/>
+                </a:ext>
+              </a:extLst>
+            </p:cNvPr>
+            <p:cNvSpPr/>
+            <p:nvPr/>
+          </p:nvSpPr>
+          <p:spPr>
+            <a:xfrm>
+              <a:off x="4613478" y="1581560"/>
+              <a:ext cx="1423139" cy="361021"/>
+            </a:xfrm>
+            <a:prstGeom prst="rect">
+              <a:avLst/>
+            </a:prstGeom>
+            <a:noFill/>
+            <a:ln w="3175">
+              <a:solidFill>
+                <a:schemeClr val="tx1"/>
+              </a:solidFill>
+            </a:ln>
+            <a:effectLst/>
+          </p:spPr>
+          <p:style>
+            <a:lnRef idx="1">
+              <a:schemeClr val="accent2"/>
+            </a:lnRef>
+            <a:fillRef idx="2">
+              <a:schemeClr val="accent2"/>
+            </a:fillRef>
+            <a:effectRef idx="1">
+              <a:schemeClr val="accent2"/>
+            </a:effectRef>
+            <a:fontRef idx="minor">
+              <a:schemeClr val="dk1"/>
+            </a:fontRef>
+          </p:style>
+          <p:txBody>
+            <a:bodyPr rtlCol="0" anchor="ctr"/>
+            <a:lstStyle/>
+            <a:p>
+              <a:r>
+                <a:rPr lang="en-US" sz="1600" dirty="0">
+                  <a:solidFill>
+                    <a:schemeClr val="tx1">
+                      <a:lumMod val="85000"/>
+                      <a:lumOff val="15000"/>
+                    </a:schemeClr>
+                  </a:solidFill>
+                </a:rPr>
+                <a:t>/&lt;</a:t>
+              </a:r>
+              <a:r>
+                <a:rPr lang="en-US" sz="1600" i="1" dirty="0" err="1">
+                  <a:solidFill>
+                    <a:schemeClr val="tx1">
+                      <a:lumMod val="85000"/>
+                      <a:lumOff val="15000"/>
+                    </a:schemeClr>
+                  </a:solidFill>
+                </a:rPr>
+                <a:t>version_a</a:t>
+              </a:r>
+              <a:r>
+                <a:rPr lang="en-US" sz="1600" dirty="0">
+                  <a:solidFill>
+                    <a:schemeClr val="tx1">
+                      <a:lumMod val="85000"/>
+                      <a:lumOff val="15000"/>
+                    </a:schemeClr>
+                  </a:solidFill>
+                </a:rPr>
+                <a:t>&gt;</a:t>
+              </a:r>
+            </a:p>
+          </p:txBody>
+        </p:sp>
+        <p:sp>
+          <p:nvSpPr>
+            <p:cNvPr id="125" name="Rectangle 124">
+              <a:extLst>
+                <a:ext uri="{FF2B5EF4-FFF2-40B4-BE49-F238E27FC236}">
+                  <a16:creationId xmlns:a16="http://schemas.microsoft.com/office/drawing/2014/main" id="{2D810A91-FFDF-5440-A1CD-F910440DB450}"/>
+                </a:ext>
+              </a:extLst>
+            </p:cNvPr>
+            <p:cNvSpPr/>
+            <p:nvPr/>
+          </p:nvSpPr>
+          <p:spPr>
+            <a:xfrm>
+              <a:off x="2145849" y="1575706"/>
+              <a:ext cx="2015333" cy="370052"/>
+            </a:xfrm>
+            <a:prstGeom prst="rect">
+              <a:avLst/>
+            </a:prstGeom>
+            <a:noFill/>
+            <a:ln w="3175">
+              <a:solidFill>
+                <a:schemeClr val="tx1"/>
+              </a:solidFill>
+            </a:ln>
+            <a:effectLst/>
+          </p:spPr>
+          <p:style>
+            <a:lnRef idx="1">
+              <a:schemeClr val="accent2"/>
+            </a:lnRef>
+            <a:fillRef idx="2">
+              <a:schemeClr val="accent2"/>
+            </a:fillRef>
+            <a:effectRef idx="1">
+              <a:schemeClr val="accent2"/>
+            </a:effectRef>
+            <a:fontRef idx="minor">
+              <a:schemeClr val="dk1"/>
+            </a:fontRef>
+          </p:style>
+          <p:txBody>
+            <a:bodyPr rtlCol="0" anchor="ctr"/>
+            <a:lstStyle/>
+            <a:p>
+              <a:r>
+                <a:rPr lang="en-US" sz="1600" b="1" dirty="0">
+                  <a:solidFill>
+                    <a:schemeClr val="tx1">
+                      <a:lumMod val="85000"/>
+                      <a:lumOff val="15000"/>
+                    </a:schemeClr>
+                  </a:solidFill>
+                </a:rPr>
+                <a:t>/marine-user-guide</a:t>
+              </a:r>
+            </a:p>
+          </p:txBody>
+        </p:sp>
+        <p:cxnSp>
+          <p:nvCxnSpPr>
+            <p:cNvPr id="128" name="Straight Arrow Connector 16">
+              <a:extLst>
+                <a:ext uri="{FF2B5EF4-FFF2-40B4-BE49-F238E27FC236}">
+                  <a16:creationId xmlns:a16="http://schemas.microsoft.com/office/drawing/2014/main" id="{6B2B6436-4E17-4A44-9050-365E131FF3A2}"/>
+                </a:ext>
+              </a:extLst>
+            </p:cNvPr>
+            <p:cNvCxnSpPr>
+              <a:cxnSpLocks/>
+              <a:stCxn id="125" idx="3"/>
+              <a:endCxn id="116" idx="1"/>
+            </p:cNvCxnSpPr>
+            <p:nvPr/>
+          </p:nvCxnSpPr>
+          <p:spPr>
+            <a:xfrm>
+              <a:off x="4161182" y="1760732"/>
+              <a:ext cx="452296" cy="1339"/>
+            </a:xfrm>
+            <a:prstGeom prst="straightConnector1">
+              <a:avLst/>
+            </a:prstGeom>
+            <a:ln>
               <a:solidFill>
                 <a:schemeClr val="tx1">
                   <a:lumMod val="85000"/>
                   <a:lumOff val="15000"/>
                 </a:schemeClr>
               </a:solidFill>
-            </a:endParaRPr>
-          </a:p>
-        </p:txBody>
-      </p:sp>
-      <p:sp>
-        <p:nvSpPr>
-          <p:cNvPr id="144" name="Rectangle 143">
-            <a:extLst>
-              <a:ext uri="{FF2B5EF4-FFF2-40B4-BE49-F238E27FC236}">
-                <a16:creationId xmlns:a16="http://schemas.microsoft.com/office/drawing/2014/main" id="{12A06E6A-8DEF-6540-9B38-BB07CC0E244D}"/>
-              </a:ext>
-            </a:extLst>
-          </p:cNvPr>
-          <p:cNvSpPr/>
-          <p:nvPr/>
-        </p:nvSpPr>
-        <p:spPr>
-          <a:xfrm>
-            <a:off x="2952169" y="1472328"/>
-            <a:ext cx="1143816" cy="247774"/>
-          </a:xfrm>
-          <a:prstGeom prst="rect">
-            <a:avLst/>
-          </a:prstGeom>
-          <a:noFill/>
-          <a:ln w="3175">
-            <a:solidFill>
+              <a:tailEnd type="triangle"/>
+            </a:ln>
+            <a:effectLst/>
+          </p:spPr>
+          <p:style>
+            <a:lnRef idx="1">
+              <a:schemeClr val="accent1"/>
+            </a:lnRef>
+            <a:fillRef idx="0">
+              <a:schemeClr val="accent1"/>
+            </a:fillRef>
+            <a:effectRef idx="0">
+              <a:schemeClr val="accent1"/>
+            </a:effectRef>
+            <a:fontRef idx="minor">
               <a:schemeClr val="tx1"/>
-            </a:solidFill>
-          </a:ln>
-          <a:effectLst/>
-        </p:spPr>
-        <p:style>
-          <a:lnRef idx="1">
-            <a:schemeClr val="accent2"/>
-          </a:lnRef>
-          <a:fillRef idx="2">
-            <a:schemeClr val="accent2"/>
-          </a:fillRef>
-          <a:effectRef idx="1">
-            <a:schemeClr val="accent2"/>
-          </a:effectRef>
-          <a:fontRef idx="minor">
-            <a:schemeClr val="dk1"/>
-          </a:fontRef>
-        </p:style>
-        <p:txBody>
-          <a:bodyPr rtlCol="0" anchor="ctr"/>
-          <a:lstStyle/>
-          <a:p>
-            <a:r>
-              <a:rPr lang="en-US" sz="1400">
-                <a:solidFill>
-                  <a:schemeClr val="tx1">
-                    <a:lumMod val="85000"/>
-                    <a:lumOff val="15000"/>
-                  </a:schemeClr>
-                </a:solidFill>
-              </a:rPr>
-              <a:t>/&lt;</a:t>
-            </a:r>
-            <a:r>
-              <a:rPr lang="en-US" sz="1400" i="1">
-                <a:solidFill>
-                  <a:schemeClr val="tx1">
-                    <a:lumMod val="85000"/>
-                    <a:lumOff val="15000"/>
-                  </a:schemeClr>
-                </a:solidFill>
-              </a:rPr>
-              <a:t>release-a</a:t>
-            </a:r>
-            <a:r>
-              <a:rPr lang="en-US" sz="1400">
-                <a:solidFill>
-                  <a:schemeClr val="tx1">
-                    <a:lumMod val="85000"/>
-                    <a:lumOff val="15000"/>
-                  </a:schemeClr>
-                </a:solidFill>
-              </a:rPr>
-              <a:t>&gt;</a:t>
-            </a:r>
-            <a:endParaRPr lang="en-US" sz="1400" dirty="0">
+            </a:fontRef>
+          </p:style>
+        </p:cxnSp>
+        <p:sp>
+          <p:nvSpPr>
+            <p:cNvPr id="193" name="Rectangle 192">
+              <a:extLst>
+                <a:ext uri="{FF2B5EF4-FFF2-40B4-BE49-F238E27FC236}">
+                  <a16:creationId xmlns:a16="http://schemas.microsoft.com/office/drawing/2014/main" id="{056BBF40-F279-0645-AFC8-6754FAA65AD5}"/>
+                </a:ext>
+              </a:extLst>
+            </p:cNvPr>
+            <p:cNvSpPr/>
+            <p:nvPr/>
+          </p:nvSpPr>
+          <p:spPr>
+            <a:xfrm>
+              <a:off x="4613479" y="2832310"/>
+              <a:ext cx="1409887" cy="361021"/>
+            </a:xfrm>
+            <a:prstGeom prst="rect">
+              <a:avLst/>
+            </a:prstGeom>
+            <a:noFill/>
+            <a:ln w="3175">
+              <a:solidFill>
+                <a:schemeClr val="tx1"/>
+              </a:solidFill>
+            </a:ln>
+            <a:effectLst/>
+          </p:spPr>
+          <p:style>
+            <a:lnRef idx="1">
+              <a:schemeClr val="accent2"/>
+            </a:lnRef>
+            <a:fillRef idx="2">
+              <a:schemeClr val="accent2"/>
+            </a:fillRef>
+            <a:effectRef idx="1">
+              <a:schemeClr val="accent2"/>
+            </a:effectRef>
+            <a:fontRef idx="minor">
+              <a:schemeClr val="dk1"/>
+            </a:fontRef>
+          </p:style>
+          <p:txBody>
+            <a:bodyPr rtlCol="0" anchor="ctr"/>
+            <a:lstStyle/>
+            <a:p>
+              <a:r>
+                <a:rPr lang="en-US" sz="1600" dirty="0">
+                  <a:solidFill>
+                    <a:schemeClr val="tx1">
+                      <a:lumMod val="85000"/>
+                      <a:lumOff val="15000"/>
+                    </a:schemeClr>
+                  </a:solidFill>
+                </a:rPr>
+                <a:t>/&lt;</a:t>
+              </a:r>
+              <a:r>
+                <a:rPr lang="en-US" sz="1600" i="1" dirty="0" err="1">
+                  <a:solidFill>
+                    <a:schemeClr val="tx1">
+                      <a:lumMod val="85000"/>
+                      <a:lumOff val="15000"/>
+                    </a:schemeClr>
+                  </a:solidFill>
+                </a:rPr>
+                <a:t>version_z</a:t>
+              </a:r>
+              <a:r>
+                <a:rPr lang="en-US" sz="1600" dirty="0">
+                  <a:solidFill>
+                    <a:schemeClr val="tx1">
+                      <a:lumMod val="85000"/>
+                      <a:lumOff val="15000"/>
+                    </a:schemeClr>
+                  </a:solidFill>
+                </a:rPr>
+                <a:t>&gt;</a:t>
+              </a:r>
+            </a:p>
+          </p:txBody>
+        </p:sp>
+        <p:cxnSp>
+          <p:nvCxnSpPr>
+            <p:cNvPr id="206" name="Straight Arrow Connector 16">
+              <a:extLst>
+                <a:ext uri="{FF2B5EF4-FFF2-40B4-BE49-F238E27FC236}">
+                  <a16:creationId xmlns:a16="http://schemas.microsoft.com/office/drawing/2014/main" id="{626ECCAE-DBC4-2A42-A6A3-2540CBE92DDA}"/>
+                </a:ext>
+              </a:extLst>
+            </p:cNvPr>
+            <p:cNvCxnSpPr>
+              <a:cxnSpLocks/>
+              <a:stCxn id="125" idx="3"/>
+              <a:endCxn id="193" idx="1"/>
+            </p:cNvCxnSpPr>
+            <p:nvPr/>
+          </p:nvCxnSpPr>
+          <p:spPr>
+            <a:xfrm>
+              <a:off x="4161182" y="1760732"/>
+              <a:ext cx="452297" cy="1252089"/>
+            </a:xfrm>
+            <a:prstGeom prst="bentConnector3">
+              <a:avLst>
+                <a:gd name="adj1" fmla="val 50000"/>
+              </a:avLst>
+            </a:prstGeom>
+            <a:ln>
               <a:solidFill>
                 <a:schemeClr val="tx1">
                   <a:lumMod val="85000"/>
                   <a:lumOff val="15000"/>
                 </a:schemeClr>
               </a:solidFill>
-            </a:endParaRPr>
-          </a:p>
-        </p:txBody>
-      </p:sp>
-      <p:sp>
-        <p:nvSpPr>
-          <p:cNvPr id="145" name="Rectangle 144">
-            <a:extLst>
-              <a:ext uri="{FF2B5EF4-FFF2-40B4-BE49-F238E27FC236}">
-                <a16:creationId xmlns:a16="http://schemas.microsoft.com/office/drawing/2014/main" id="{035FD379-7156-D641-ABDA-BBE151425064}"/>
-              </a:ext>
-            </a:extLst>
-          </p:cNvPr>
-          <p:cNvSpPr/>
-          <p:nvPr/>
-        </p:nvSpPr>
-        <p:spPr>
-          <a:xfrm>
-            <a:off x="5281069" y="1894183"/>
-            <a:ext cx="862035" cy="227944"/>
-          </a:xfrm>
-          <a:prstGeom prst="rect">
-            <a:avLst/>
-          </a:prstGeom>
-          <a:noFill/>
-          <a:ln w="3175">
-            <a:solidFill>
+              <a:tailEnd type="triangle"/>
+            </a:ln>
+            <a:effectLst/>
+          </p:spPr>
+          <p:style>
+            <a:lnRef idx="1">
+              <a:schemeClr val="accent1"/>
+            </a:lnRef>
+            <a:fillRef idx="0">
+              <a:schemeClr val="accent1"/>
+            </a:fillRef>
+            <a:effectRef idx="0">
+              <a:schemeClr val="accent1"/>
+            </a:effectRef>
+            <a:fontRef idx="minor">
               <a:schemeClr val="tx1"/>
-            </a:solidFill>
-          </a:ln>
-          <a:effectLst/>
-        </p:spPr>
-        <p:style>
-          <a:lnRef idx="1">
-            <a:schemeClr val="accent2"/>
-          </a:lnRef>
-          <a:fillRef idx="2">
-            <a:schemeClr val="accent2"/>
-          </a:fillRef>
-          <a:effectRef idx="1">
-            <a:schemeClr val="accent2"/>
-          </a:effectRef>
-          <a:fontRef idx="minor">
-            <a:schemeClr val="dk1"/>
-          </a:fontRef>
-        </p:style>
-        <p:txBody>
-          <a:bodyPr rtlCol="0" anchor="ctr"/>
-          <a:lstStyle/>
-          <a:p>
-            <a:r>
-              <a:rPr lang="en-US" sz="1400">
-                <a:solidFill>
-                  <a:schemeClr val="tx1">
-                    <a:lumMod val="85000"/>
-                    <a:lumOff val="15000"/>
-                  </a:schemeClr>
-                </a:solidFill>
-              </a:rPr>
-              <a:t>/level2</a:t>
-            </a:r>
-            <a:endParaRPr lang="en-US" sz="1400" b="1" dirty="0">
+            </a:fontRef>
+          </p:style>
+        </p:cxnSp>
+        <p:sp>
+          <p:nvSpPr>
+            <p:cNvPr id="207" name="Rectangle 206">
+              <a:extLst>
+                <a:ext uri="{FF2B5EF4-FFF2-40B4-BE49-F238E27FC236}">
+                  <a16:creationId xmlns:a16="http://schemas.microsoft.com/office/drawing/2014/main" id="{465945E0-9D3C-444A-9DA0-EA1F8A5743BE}"/>
+                </a:ext>
+              </a:extLst>
+            </p:cNvPr>
+            <p:cNvSpPr/>
+            <p:nvPr/>
+          </p:nvSpPr>
+          <p:spPr>
+            <a:xfrm>
+              <a:off x="4613478" y="2198015"/>
+              <a:ext cx="1409888" cy="361021"/>
+            </a:xfrm>
+            <a:prstGeom prst="rect">
+              <a:avLst/>
+            </a:prstGeom>
+            <a:noFill/>
+            <a:ln w="3175">
+              <a:solidFill>
+                <a:schemeClr val="tx1"/>
+              </a:solidFill>
+            </a:ln>
+            <a:effectLst/>
+          </p:spPr>
+          <p:style>
+            <a:lnRef idx="1">
+              <a:schemeClr val="accent2"/>
+            </a:lnRef>
+            <a:fillRef idx="2">
+              <a:schemeClr val="accent2"/>
+            </a:fillRef>
+            <a:effectRef idx="1">
+              <a:schemeClr val="accent2"/>
+            </a:effectRef>
+            <a:fontRef idx="minor">
+              <a:schemeClr val="dk1"/>
+            </a:fontRef>
+          </p:style>
+          <p:txBody>
+            <a:bodyPr rtlCol="0" anchor="ctr"/>
+            <a:lstStyle/>
+            <a:p>
+              <a:r>
+                <a:rPr lang="en-US" sz="1600" dirty="0">
+                  <a:solidFill>
+                    <a:schemeClr val="tx1">
+                      <a:lumMod val="85000"/>
+                      <a:lumOff val="15000"/>
+                    </a:schemeClr>
+                  </a:solidFill>
+                </a:rPr>
+                <a:t>/…….</a:t>
+              </a:r>
+            </a:p>
+          </p:txBody>
+        </p:sp>
+        <p:cxnSp>
+          <p:nvCxnSpPr>
+            <p:cNvPr id="208" name="Straight Arrow Connector 16">
+              <a:extLst>
+                <a:ext uri="{FF2B5EF4-FFF2-40B4-BE49-F238E27FC236}">
+                  <a16:creationId xmlns:a16="http://schemas.microsoft.com/office/drawing/2014/main" id="{CE288623-9C13-4844-9BC1-FFF669E147F5}"/>
+                </a:ext>
+              </a:extLst>
+            </p:cNvPr>
+            <p:cNvCxnSpPr>
+              <a:cxnSpLocks/>
+              <a:stCxn id="125" idx="3"/>
+              <a:endCxn id="207" idx="1"/>
+            </p:cNvCxnSpPr>
+            <p:nvPr/>
+          </p:nvCxnSpPr>
+          <p:spPr>
+            <a:xfrm>
+              <a:off x="4161182" y="1760732"/>
+              <a:ext cx="452296" cy="617794"/>
+            </a:xfrm>
+            <a:prstGeom prst="bentConnector3">
+              <a:avLst>
+                <a:gd name="adj1" fmla="val 50000"/>
+              </a:avLst>
+            </a:prstGeom>
+            <a:ln>
               <a:solidFill>
                 <a:schemeClr val="tx1">
                   <a:lumMod val="85000"/>
                   <a:lumOff val="15000"/>
                 </a:schemeClr>
               </a:solidFill>
-            </a:endParaRPr>
-          </a:p>
-        </p:txBody>
-      </p:sp>
-      <p:cxnSp>
-        <p:nvCxnSpPr>
-          <p:cNvPr id="164" name="Straight Arrow Connector 16">
-            <a:extLst>
-              <a:ext uri="{FF2B5EF4-FFF2-40B4-BE49-F238E27FC236}">
-                <a16:creationId xmlns:a16="http://schemas.microsoft.com/office/drawing/2014/main" id="{2C33845B-6944-CF47-B8D9-C7289C01C8B3}"/>
-              </a:ext>
-            </a:extLst>
-          </p:cNvPr>
-          <p:cNvCxnSpPr>
-            <a:cxnSpLocks/>
-            <a:stCxn id="67" idx="2"/>
-            <a:endCxn id="145" idx="1"/>
-          </p:cNvCxnSpPr>
-          <p:nvPr/>
-        </p:nvCxnSpPr>
-        <p:spPr>
-          <a:xfrm rot="16200000" flipH="1">
-            <a:off x="5052046" y="1779132"/>
-            <a:ext cx="289290" cy="168756"/>
-          </a:xfrm>
-          <a:prstGeom prst="bentConnector2">
-            <a:avLst/>
-          </a:prstGeom>
-          <a:ln w="3175">
-            <a:solidFill>
+              <a:tailEnd type="triangle"/>
+            </a:ln>
+            <a:effectLst/>
+          </p:spPr>
+          <p:style>
+            <a:lnRef idx="1">
+              <a:schemeClr val="accent1"/>
+            </a:lnRef>
+            <a:fillRef idx="0">
+              <a:schemeClr val="accent1"/>
+            </a:fillRef>
+            <a:effectRef idx="0">
+              <a:schemeClr val="accent1"/>
+            </a:effectRef>
+            <a:fontRef idx="minor">
               <a:schemeClr val="tx1"/>
-            </a:solidFill>
-            <a:tailEnd type="triangle"/>
-          </a:ln>
-          <a:effectLst/>
-        </p:spPr>
-        <p:style>
-          <a:lnRef idx="1">
-            <a:schemeClr val="accent1"/>
-          </a:lnRef>
-          <a:fillRef idx="0">
-            <a:schemeClr val="accent1"/>
-          </a:fillRef>
-          <a:effectRef idx="0">
-            <a:schemeClr val="accent1"/>
-          </a:effectRef>
-          <a:fontRef idx="minor">
-            <a:schemeClr val="tx1"/>
-          </a:fontRef>
-        </p:style>
-      </p:cxnSp>
-      <p:cxnSp>
-        <p:nvCxnSpPr>
-          <p:cNvPr id="167" name="Straight Arrow Connector 16">
-            <a:extLst>
-              <a:ext uri="{FF2B5EF4-FFF2-40B4-BE49-F238E27FC236}">
-                <a16:creationId xmlns:a16="http://schemas.microsoft.com/office/drawing/2014/main" id="{363A2471-2C5E-9B4F-B10F-9362AA8488AD}"/>
-              </a:ext>
-            </a:extLst>
-          </p:cNvPr>
-          <p:cNvCxnSpPr>
-            <a:cxnSpLocks/>
-            <a:stCxn id="144" idx="3"/>
-            <a:endCxn id="67" idx="1"/>
-          </p:cNvCxnSpPr>
-          <p:nvPr/>
-        </p:nvCxnSpPr>
-        <p:spPr>
-          <a:xfrm>
-            <a:off x="4095985" y="1596215"/>
-            <a:ext cx="502181" cy="2309"/>
-          </a:xfrm>
-          <a:prstGeom prst="straightConnector1">
-            <a:avLst/>
-          </a:prstGeom>
-          <a:ln>
-            <a:solidFill>
-              <a:schemeClr val="tx1">
-                <a:lumMod val="85000"/>
-                <a:lumOff val="15000"/>
-              </a:schemeClr>
-            </a:solidFill>
-            <a:tailEnd type="triangle"/>
-          </a:ln>
-          <a:effectLst/>
-        </p:spPr>
-        <p:style>
-          <a:lnRef idx="1">
-            <a:schemeClr val="accent1"/>
-          </a:lnRef>
-          <a:fillRef idx="0">
-            <a:schemeClr val="accent1"/>
-          </a:fillRef>
-          <a:effectRef idx="0">
-            <a:schemeClr val="accent1"/>
-          </a:effectRef>
-          <a:fontRef idx="minor">
-            <a:schemeClr val="tx1"/>
-          </a:fontRef>
-        </p:style>
-      </p:cxnSp>
-      <p:sp>
-        <p:nvSpPr>
-          <p:cNvPr id="98" name="Rectangle 97">
-            <a:extLst>
-              <a:ext uri="{FF2B5EF4-FFF2-40B4-BE49-F238E27FC236}">
-                <a16:creationId xmlns:a16="http://schemas.microsoft.com/office/drawing/2014/main" id="{D69CB602-268A-4F4F-BB3E-15C2E994E406}"/>
-              </a:ext>
-            </a:extLst>
-          </p:cNvPr>
-          <p:cNvSpPr/>
-          <p:nvPr/>
-        </p:nvSpPr>
-        <p:spPr>
-          <a:xfrm>
-            <a:off x="1156939" y="1481885"/>
-            <a:ext cx="1228452" cy="227645"/>
-          </a:xfrm>
-          <a:prstGeom prst="rect">
-            <a:avLst/>
-          </a:prstGeom>
-          <a:noFill/>
-          <a:ln w="3175">
-            <a:solidFill>
-              <a:schemeClr val="tx1"/>
-            </a:solidFill>
-          </a:ln>
-          <a:effectLst/>
-        </p:spPr>
-        <p:style>
-          <a:lnRef idx="1">
-            <a:schemeClr val="accent2"/>
-          </a:lnRef>
-          <a:fillRef idx="2">
-            <a:schemeClr val="accent2"/>
-          </a:fillRef>
-          <a:effectRef idx="1">
-            <a:schemeClr val="accent2"/>
-          </a:effectRef>
-          <a:fontRef idx="minor">
-            <a:schemeClr val="dk1"/>
-          </a:fontRef>
-        </p:style>
-        <p:txBody>
-          <a:bodyPr rtlCol="0" anchor="ctr"/>
-          <a:lstStyle/>
-          <a:p>
-            <a:r>
-              <a:rPr lang="en-US" sz="1400">
-                <a:solidFill>
-                  <a:schemeClr val="tx1">
-                    <a:lumMod val="85000"/>
-                    <a:lumOff val="15000"/>
-                  </a:schemeClr>
-                </a:solidFill>
-              </a:rPr>
-              <a:t>/&lt;data_path&gt;</a:t>
-            </a:r>
-            <a:endParaRPr lang="en-US" sz="1400" dirty="0">
-              <a:solidFill>
-                <a:schemeClr val="tx1">
-                  <a:lumMod val="85000"/>
-                  <a:lumOff val="15000"/>
-                </a:schemeClr>
-              </a:solidFill>
-            </a:endParaRPr>
-          </a:p>
-        </p:txBody>
-      </p:sp>
-      <p:cxnSp>
-        <p:nvCxnSpPr>
-          <p:cNvPr id="121" name="Straight Arrow Connector 16">
-            <a:extLst>
-              <a:ext uri="{FF2B5EF4-FFF2-40B4-BE49-F238E27FC236}">
-                <a16:creationId xmlns:a16="http://schemas.microsoft.com/office/drawing/2014/main" id="{8892E229-426D-B746-938C-B1FD71028D01}"/>
-              </a:ext>
-            </a:extLst>
-          </p:cNvPr>
-          <p:cNvCxnSpPr>
-            <a:cxnSpLocks/>
-            <a:stCxn id="98" idx="3"/>
-            <a:endCxn id="144" idx="1"/>
-          </p:cNvCxnSpPr>
-          <p:nvPr/>
-        </p:nvCxnSpPr>
-        <p:spPr>
-          <a:xfrm>
-            <a:off x="2385391" y="1595708"/>
-            <a:ext cx="566778" cy="507"/>
-          </a:xfrm>
-          <a:prstGeom prst="straightConnector1">
-            <a:avLst/>
-          </a:prstGeom>
-          <a:ln>
-            <a:solidFill>
-              <a:schemeClr val="tx1">
-                <a:lumMod val="85000"/>
-                <a:lumOff val="15000"/>
-              </a:schemeClr>
-            </a:solidFill>
-            <a:tailEnd type="triangle"/>
-          </a:ln>
-          <a:effectLst/>
-        </p:spPr>
-        <p:style>
-          <a:lnRef idx="1">
-            <a:schemeClr val="accent1"/>
-          </a:lnRef>
-          <a:fillRef idx="0">
-            <a:schemeClr val="accent1"/>
-          </a:fillRef>
-          <a:effectRef idx="0">
-            <a:schemeClr val="accent1"/>
-          </a:effectRef>
-          <a:fontRef idx="minor">
-            <a:schemeClr val="tx1"/>
-          </a:fontRef>
-        </p:style>
-      </p:cxnSp>
-      <p:sp>
-        <p:nvSpPr>
-          <p:cNvPr id="102" name="Rectangle 101">
-            <a:extLst>
-              <a:ext uri="{FF2B5EF4-FFF2-40B4-BE49-F238E27FC236}">
-                <a16:creationId xmlns:a16="http://schemas.microsoft.com/office/drawing/2014/main" id="{AEA9B898-30D2-C049-9E51-3183A562524A}"/>
-              </a:ext>
-            </a:extLst>
-          </p:cNvPr>
-          <p:cNvSpPr/>
-          <p:nvPr/>
-        </p:nvSpPr>
-        <p:spPr>
-          <a:xfrm>
-            <a:off x="5956445" y="2241517"/>
-            <a:ext cx="842528" cy="221203"/>
-          </a:xfrm>
-          <a:prstGeom prst="rect">
-            <a:avLst/>
-          </a:prstGeom>
-          <a:noFill/>
-          <a:ln w="3175">
-            <a:solidFill>
-              <a:schemeClr val="tx1"/>
-            </a:solidFill>
-          </a:ln>
-          <a:effectLst/>
-        </p:spPr>
-        <p:style>
-          <a:lnRef idx="1">
-            <a:schemeClr val="accent2"/>
-          </a:lnRef>
-          <a:fillRef idx="2">
-            <a:schemeClr val="accent2"/>
-          </a:fillRef>
-          <a:effectRef idx="1">
-            <a:schemeClr val="accent2"/>
-          </a:effectRef>
-          <a:fontRef idx="minor">
-            <a:schemeClr val="dk1"/>
-          </a:fontRef>
-        </p:style>
-        <p:txBody>
-          <a:bodyPr rot="0" spcFirstLastPara="0" vertOverflow="overflow" horzOverflow="overflow" vert="horz" wrap="square" lIns="91440" tIns="45720" rIns="91440" bIns="45720" numCol="1" spcCol="0" rtlCol="0" fromWordArt="0" anchor="ctr" anchorCtr="0" forceAA="0" compatLnSpc="1">
-            <a:prstTxWarp prst="textNoShape">
-              <a:avLst/>
-            </a:prstTxWarp>
-            <a:noAutofit/>
-          </a:bodyPr>
-          <a:lstStyle/>
-          <a:p>
-            <a:r>
-              <a:rPr lang="en-US" sz="1400" dirty="0">
-                <a:solidFill>
-                  <a:schemeClr val="tx1">
-                    <a:lumMod val="85000"/>
-                    <a:lumOff val="15000"/>
-                  </a:schemeClr>
-                </a:solidFill>
-              </a:rPr>
-              <a:t>/</a:t>
-            </a:r>
-            <a:r>
-              <a:rPr lang="en-US" sz="1400" dirty="0" err="1">
-                <a:solidFill>
-                  <a:schemeClr val="tx1">
-                    <a:lumMod val="85000"/>
-                    <a:lumOff val="15000"/>
-                  </a:schemeClr>
-                </a:solidFill>
-              </a:rPr>
-              <a:t>sid-dck</a:t>
-            </a:r>
-            <a:endParaRPr lang="en-US" sz="1400" dirty="0">
-              <a:solidFill>
-                <a:schemeClr val="tx1">
-                  <a:lumMod val="85000"/>
-                  <a:lumOff val="15000"/>
-                </a:schemeClr>
-              </a:solidFill>
-            </a:endParaRPr>
-          </a:p>
-        </p:txBody>
-      </p:sp>
-      <p:cxnSp>
-        <p:nvCxnSpPr>
-          <p:cNvPr id="107" name="Straight Arrow Connector 16">
-            <a:extLst>
-              <a:ext uri="{FF2B5EF4-FFF2-40B4-BE49-F238E27FC236}">
-                <a16:creationId xmlns:a16="http://schemas.microsoft.com/office/drawing/2014/main" id="{7A14B4E3-79D8-BE4B-99DB-A4A0981DC8BD}"/>
-              </a:ext>
-            </a:extLst>
-          </p:cNvPr>
-          <p:cNvCxnSpPr>
-            <a:cxnSpLocks/>
-            <a:stCxn id="145" idx="2"/>
-            <a:endCxn id="102" idx="1"/>
-          </p:cNvCxnSpPr>
-          <p:nvPr/>
-        </p:nvCxnSpPr>
-        <p:spPr>
-          <a:xfrm rot="16200000" flipH="1">
-            <a:off x="5719270" y="2114944"/>
-            <a:ext cx="229992" cy="244358"/>
-          </a:xfrm>
-          <a:prstGeom prst="bentConnector2">
-            <a:avLst/>
-          </a:prstGeom>
-          <a:ln w="3175">
-            <a:solidFill>
-              <a:schemeClr val="tx1"/>
-            </a:solidFill>
-            <a:tailEnd type="triangle"/>
-          </a:ln>
-          <a:effectLst/>
-        </p:spPr>
-        <p:style>
-          <a:lnRef idx="1">
-            <a:schemeClr val="accent1"/>
-          </a:lnRef>
-          <a:fillRef idx="0">
-            <a:schemeClr val="accent1"/>
-          </a:fillRef>
-          <a:effectRef idx="0">
-            <a:schemeClr val="accent1"/>
-          </a:effectRef>
-          <a:fontRef idx="minor">
-            <a:schemeClr val="tx1"/>
-          </a:fontRef>
-        </p:style>
-      </p:cxnSp>
-      <p:sp>
-        <p:nvSpPr>
-          <p:cNvPr id="116" name="Rectangle 115">
-            <a:extLst>
-              <a:ext uri="{FF2B5EF4-FFF2-40B4-BE49-F238E27FC236}">
-                <a16:creationId xmlns:a16="http://schemas.microsoft.com/office/drawing/2014/main" id="{57F53A77-6F2A-3F42-AB7A-0E4CA6CA68B1}"/>
-              </a:ext>
-            </a:extLst>
-          </p:cNvPr>
-          <p:cNvSpPr/>
-          <p:nvPr/>
-        </p:nvSpPr>
-        <p:spPr>
-          <a:xfrm>
-            <a:off x="5315846" y="4285004"/>
-            <a:ext cx="1018693" cy="241726"/>
-          </a:xfrm>
-          <a:prstGeom prst="rect">
-            <a:avLst/>
-          </a:prstGeom>
-          <a:noFill/>
-          <a:ln w="3175">
-            <a:solidFill>
-              <a:schemeClr val="tx1"/>
-            </a:solidFill>
-          </a:ln>
-          <a:effectLst/>
-        </p:spPr>
-        <p:style>
-          <a:lnRef idx="1">
-            <a:schemeClr val="accent2"/>
-          </a:lnRef>
-          <a:fillRef idx="2">
-            <a:schemeClr val="accent2"/>
-          </a:fillRef>
-          <a:effectRef idx="1">
-            <a:schemeClr val="accent2"/>
-          </a:effectRef>
-          <a:fontRef idx="minor">
-            <a:schemeClr val="dk1"/>
-          </a:fontRef>
-        </p:style>
-        <p:txBody>
-          <a:bodyPr rtlCol="0" anchor="ctr"/>
-          <a:lstStyle/>
-          <a:p>
-            <a:r>
-              <a:rPr lang="en-US" sz="1400">
-                <a:solidFill>
-                  <a:schemeClr val="tx1">
-                    <a:lumMod val="85000"/>
-                    <a:lumOff val="15000"/>
-                  </a:schemeClr>
-                </a:solidFill>
-              </a:rPr>
-              <a:t>/&lt;</a:t>
-            </a:r>
-            <a:r>
-              <a:rPr lang="en-US" sz="1400" i="1">
-                <a:solidFill>
-                  <a:schemeClr val="tx1">
-                    <a:lumMod val="85000"/>
-                    <a:lumOff val="15000"/>
-                  </a:schemeClr>
-                </a:solidFill>
-              </a:rPr>
-              <a:t>version</a:t>
-            </a:r>
-            <a:r>
-              <a:rPr lang="en-US" sz="1400">
-                <a:solidFill>
-                  <a:schemeClr val="tx1">
-                    <a:lumMod val="85000"/>
-                    <a:lumOff val="15000"/>
-                  </a:schemeClr>
-                </a:solidFill>
-              </a:rPr>
-              <a:t>&gt;</a:t>
-            </a:r>
-            <a:endParaRPr lang="en-US" sz="1400" dirty="0">
-              <a:solidFill>
-                <a:schemeClr val="tx1">
-                  <a:lumMod val="85000"/>
-                  <a:lumOff val="15000"/>
-                </a:schemeClr>
-              </a:solidFill>
-            </a:endParaRPr>
-          </a:p>
-        </p:txBody>
-      </p:sp>
-      <p:sp>
-        <p:nvSpPr>
-          <p:cNvPr id="125" name="Rectangle 124">
-            <a:extLst>
-              <a:ext uri="{FF2B5EF4-FFF2-40B4-BE49-F238E27FC236}">
-                <a16:creationId xmlns:a16="http://schemas.microsoft.com/office/drawing/2014/main" id="{2D810A91-FFDF-5440-A1CD-F910440DB450}"/>
-              </a:ext>
-            </a:extLst>
-          </p:cNvPr>
-          <p:cNvSpPr/>
-          <p:nvPr/>
-        </p:nvSpPr>
-        <p:spPr>
-          <a:xfrm>
-            <a:off x="2980737" y="4279149"/>
-            <a:ext cx="1742856" cy="247773"/>
-          </a:xfrm>
-          <a:prstGeom prst="rect">
-            <a:avLst/>
-          </a:prstGeom>
-          <a:noFill/>
-          <a:ln w="3175">
-            <a:solidFill>
-              <a:schemeClr val="tx1"/>
-            </a:solidFill>
-          </a:ln>
-          <a:effectLst/>
-        </p:spPr>
-        <p:style>
-          <a:lnRef idx="1">
-            <a:schemeClr val="accent2"/>
-          </a:lnRef>
-          <a:fillRef idx="2">
-            <a:schemeClr val="accent2"/>
-          </a:fillRef>
-          <a:effectRef idx="1">
-            <a:schemeClr val="accent2"/>
-          </a:effectRef>
-          <a:fontRef idx="minor">
-            <a:schemeClr val="dk1"/>
-          </a:fontRef>
-        </p:style>
-        <p:txBody>
-          <a:bodyPr rtlCol="0" anchor="ctr"/>
-          <a:lstStyle/>
-          <a:p>
-            <a:r>
-              <a:rPr lang="en-US" sz="1400" b="1" dirty="0">
-                <a:solidFill>
-                  <a:schemeClr val="tx1">
-                    <a:lumMod val="85000"/>
-                    <a:lumOff val="15000"/>
-                  </a:schemeClr>
-                </a:solidFill>
-              </a:rPr>
-              <a:t>/marine-user-guide</a:t>
-            </a:r>
-          </a:p>
-        </p:txBody>
-      </p:sp>
-      <p:cxnSp>
-        <p:nvCxnSpPr>
-          <p:cNvPr id="127" name="Straight Arrow Connector 16">
-            <a:extLst>
-              <a:ext uri="{FF2B5EF4-FFF2-40B4-BE49-F238E27FC236}">
-                <a16:creationId xmlns:a16="http://schemas.microsoft.com/office/drawing/2014/main" id="{AF0E7EE6-5609-084F-BBC0-2B8D599E9C27}"/>
-              </a:ext>
-            </a:extLst>
-          </p:cNvPr>
-          <p:cNvCxnSpPr>
-            <a:cxnSpLocks/>
-            <a:stCxn id="116" idx="2"/>
-            <a:endCxn id="131" idx="1"/>
-          </p:cNvCxnSpPr>
-          <p:nvPr/>
-        </p:nvCxnSpPr>
-        <p:spPr>
-          <a:xfrm rot="16200000" flipH="1">
-            <a:off x="5775818" y="4576104"/>
-            <a:ext cx="446930" cy="348181"/>
-          </a:xfrm>
-          <a:prstGeom prst="bentConnector2">
-            <a:avLst/>
-          </a:prstGeom>
-          <a:ln w="3175">
-            <a:solidFill>
-              <a:schemeClr val="tx1"/>
-            </a:solidFill>
-            <a:tailEnd type="triangle"/>
-          </a:ln>
-          <a:effectLst/>
-        </p:spPr>
-        <p:style>
-          <a:lnRef idx="1">
-            <a:schemeClr val="accent1"/>
-          </a:lnRef>
-          <a:fillRef idx="0">
-            <a:schemeClr val="accent1"/>
-          </a:fillRef>
-          <a:effectRef idx="0">
-            <a:schemeClr val="accent1"/>
-          </a:effectRef>
-          <a:fontRef idx="minor">
-            <a:schemeClr val="tx1"/>
-          </a:fontRef>
-        </p:style>
-      </p:cxnSp>
-      <p:cxnSp>
-        <p:nvCxnSpPr>
-          <p:cNvPr id="128" name="Straight Arrow Connector 16">
-            <a:extLst>
-              <a:ext uri="{FF2B5EF4-FFF2-40B4-BE49-F238E27FC236}">
-                <a16:creationId xmlns:a16="http://schemas.microsoft.com/office/drawing/2014/main" id="{6B2B6436-4E17-4A44-9050-365E131FF3A2}"/>
-              </a:ext>
-            </a:extLst>
-          </p:cNvPr>
-          <p:cNvCxnSpPr>
-            <a:cxnSpLocks/>
-            <a:stCxn id="125" idx="3"/>
-            <a:endCxn id="116" idx="1"/>
-          </p:cNvCxnSpPr>
-          <p:nvPr/>
-        </p:nvCxnSpPr>
-        <p:spPr>
-          <a:xfrm>
-            <a:off x="4723593" y="4403036"/>
-            <a:ext cx="592253" cy="2831"/>
-          </a:xfrm>
-          <a:prstGeom prst="straightConnector1">
-            <a:avLst/>
-          </a:prstGeom>
-          <a:ln>
-            <a:solidFill>
-              <a:schemeClr val="tx1">
-                <a:lumMod val="85000"/>
-                <a:lumOff val="15000"/>
-              </a:schemeClr>
-            </a:solidFill>
-            <a:tailEnd type="triangle"/>
-          </a:ln>
-          <a:effectLst/>
-        </p:spPr>
-        <p:style>
-          <a:lnRef idx="1">
-            <a:schemeClr val="accent1"/>
-          </a:lnRef>
-          <a:fillRef idx="0">
-            <a:schemeClr val="accent1"/>
-          </a:fillRef>
-          <a:effectRef idx="0">
-            <a:schemeClr val="accent1"/>
-          </a:effectRef>
-          <a:fontRef idx="minor">
-            <a:schemeClr val="tx1"/>
-          </a:fontRef>
-        </p:style>
-      </p:cxnSp>
-      <p:cxnSp>
-        <p:nvCxnSpPr>
-          <p:cNvPr id="130" name="Straight Arrow Connector 16">
-            <a:extLst>
-              <a:ext uri="{FF2B5EF4-FFF2-40B4-BE49-F238E27FC236}">
-                <a16:creationId xmlns:a16="http://schemas.microsoft.com/office/drawing/2014/main" id="{905C8094-0F17-2A4A-8275-36388745B7B1}"/>
-              </a:ext>
-            </a:extLst>
-          </p:cNvPr>
-          <p:cNvCxnSpPr>
-            <a:cxnSpLocks/>
-            <a:stCxn id="98" idx="2"/>
-            <a:endCxn id="125" idx="1"/>
-          </p:cNvCxnSpPr>
-          <p:nvPr/>
-        </p:nvCxnSpPr>
-        <p:spPr>
-          <a:xfrm rot="16200000" flipH="1">
-            <a:off x="1029198" y="2451497"/>
-            <a:ext cx="2693506" cy="1209572"/>
-          </a:xfrm>
-          <a:prstGeom prst="bentConnector2">
-            <a:avLst/>
-          </a:prstGeom>
-          <a:ln>
-            <a:solidFill>
-              <a:schemeClr val="tx1">
-                <a:lumMod val="85000"/>
-                <a:lumOff val="15000"/>
-              </a:schemeClr>
-            </a:solidFill>
-            <a:tailEnd type="triangle"/>
-          </a:ln>
-          <a:effectLst/>
-        </p:spPr>
-        <p:style>
-          <a:lnRef idx="1">
-            <a:schemeClr val="accent1"/>
-          </a:lnRef>
-          <a:fillRef idx="0">
-            <a:schemeClr val="accent1"/>
-          </a:fillRef>
-          <a:effectRef idx="0">
-            <a:schemeClr val="accent1"/>
-          </a:effectRef>
-          <a:fontRef idx="minor">
-            <a:schemeClr val="tx1"/>
-          </a:fontRef>
-        </p:style>
-      </p:cxnSp>
-      <p:sp>
-        <p:nvSpPr>
-          <p:cNvPr id="131" name="Rectangle 130">
-            <a:extLst>
-              <a:ext uri="{FF2B5EF4-FFF2-40B4-BE49-F238E27FC236}">
-                <a16:creationId xmlns:a16="http://schemas.microsoft.com/office/drawing/2014/main" id="{B4D298B4-64F2-5B4E-BE72-8F4511723B68}"/>
-              </a:ext>
-            </a:extLst>
-          </p:cNvPr>
-          <p:cNvSpPr/>
-          <p:nvPr/>
-        </p:nvSpPr>
-        <p:spPr>
-          <a:xfrm>
-            <a:off x="6173374" y="4863058"/>
-            <a:ext cx="842528" cy="221203"/>
-          </a:xfrm>
-          <a:prstGeom prst="rect">
-            <a:avLst/>
-          </a:prstGeom>
-          <a:noFill/>
-          <a:ln w="3175">
-            <a:solidFill>
-              <a:schemeClr val="tx1"/>
-            </a:solidFill>
-          </a:ln>
-          <a:effectLst/>
-        </p:spPr>
-        <p:style>
-          <a:lnRef idx="1">
-            <a:schemeClr val="accent2"/>
-          </a:lnRef>
-          <a:fillRef idx="2">
-            <a:schemeClr val="accent2"/>
-          </a:fillRef>
-          <a:effectRef idx="1">
-            <a:schemeClr val="accent2"/>
-          </a:effectRef>
-          <a:fontRef idx="minor">
-            <a:schemeClr val="dk1"/>
-          </a:fontRef>
-        </p:style>
-        <p:txBody>
-          <a:bodyPr rot="0" spcFirstLastPara="0" vertOverflow="overflow" horzOverflow="overflow" vert="horz" wrap="square" lIns="91440" tIns="45720" rIns="91440" bIns="45720" numCol="1" spcCol="0" rtlCol="0" fromWordArt="0" anchor="ctr" anchorCtr="0" forceAA="0" compatLnSpc="1">
-            <a:prstTxWarp prst="textNoShape">
-              <a:avLst/>
-            </a:prstTxWarp>
-            <a:noAutofit/>
-          </a:bodyPr>
-          <a:lstStyle/>
-          <a:p>
-            <a:r>
-              <a:rPr lang="en-US" sz="1400">
-                <a:solidFill>
-                  <a:schemeClr val="tx1">
-                    <a:lumMod val="85000"/>
-                    <a:lumOff val="15000"/>
-                  </a:schemeClr>
-                </a:solidFill>
-              </a:rPr>
-              <a:t>/sid-dck</a:t>
-            </a:r>
-            <a:endParaRPr lang="en-US" sz="1400" dirty="0">
-              <a:solidFill>
-                <a:schemeClr val="tx1">
-                  <a:lumMod val="85000"/>
-                  <a:lumOff val="15000"/>
-                </a:schemeClr>
-              </a:solidFill>
-            </a:endParaRPr>
-          </a:p>
-        </p:txBody>
-      </p:sp>
-      <p:sp>
-        <p:nvSpPr>
-          <p:cNvPr id="135" name="Rectangle 134">
-            <a:extLst>
-              <a:ext uri="{FF2B5EF4-FFF2-40B4-BE49-F238E27FC236}">
-                <a16:creationId xmlns:a16="http://schemas.microsoft.com/office/drawing/2014/main" id="{5F54B6C4-B770-8546-A852-801540755372}"/>
-              </a:ext>
-            </a:extLst>
-          </p:cNvPr>
-          <p:cNvSpPr/>
-          <p:nvPr/>
-        </p:nvSpPr>
-        <p:spPr>
-          <a:xfrm>
-            <a:off x="4613482" y="2754431"/>
-            <a:ext cx="1028294" cy="240683"/>
-          </a:xfrm>
-          <a:prstGeom prst="rect">
-            <a:avLst/>
-          </a:prstGeom>
-          <a:noFill/>
-          <a:ln w="3175">
-            <a:solidFill>
-              <a:schemeClr val="tx1"/>
-            </a:solidFill>
-          </a:ln>
-          <a:effectLst/>
-        </p:spPr>
-        <p:style>
-          <a:lnRef idx="1">
-            <a:schemeClr val="accent2"/>
-          </a:lnRef>
-          <a:fillRef idx="2">
-            <a:schemeClr val="accent2"/>
-          </a:fillRef>
-          <a:effectRef idx="1">
-            <a:schemeClr val="accent2"/>
-          </a:effectRef>
-          <a:fontRef idx="minor">
-            <a:schemeClr val="dk1"/>
-          </a:fontRef>
-        </p:style>
-        <p:txBody>
-          <a:bodyPr rtlCol="0" anchor="ctr"/>
-          <a:lstStyle/>
-          <a:p>
-            <a:r>
-              <a:rPr lang="en-US" sz="1400">
-                <a:solidFill>
-                  <a:schemeClr val="tx1">
-                    <a:lumMod val="85000"/>
-                    <a:lumOff val="15000"/>
-                  </a:schemeClr>
-                </a:solidFill>
-              </a:rPr>
-              <a:t>/&lt;</a:t>
-            </a:r>
-            <a:r>
-              <a:rPr lang="en-US" sz="1400" i="1">
-                <a:solidFill>
-                  <a:schemeClr val="tx1">
-                    <a:lumMod val="85000"/>
-                    <a:lumOff val="15000"/>
-                  </a:schemeClr>
-                </a:solidFill>
-              </a:rPr>
-              <a:t>dataset</a:t>
-            </a:r>
-            <a:r>
-              <a:rPr lang="en-US" sz="1400">
-                <a:solidFill>
-                  <a:schemeClr val="tx1">
-                    <a:lumMod val="85000"/>
-                    <a:lumOff val="15000"/>
-                  </a:schemeClr>
-                </a:solidFill>
-              </a:rPr>
-              <a:t>&gt;</a:t>
-            </a:r>
-            <a:endParaRPr lang="en-US" sz="1400" dirty="0">
-              <a:solidFill>
-                <a:schemeClr val="tx1">
-                  <a:lumMod val="85000"/>
-                  <a:lumOff val="15000"/>
-                </a:schemeClr>
-              </a:solidFill>
-            </a:endParaRPr>
-          </a:p>
-        </p:txBody>
-      </p:sp>
-      <p:sp>
-        <p:nvSpPr>
-          <p:cNvPr id="173" name="Rectangle 172">
-            <a:extLst>
-              <a:ext uri="{FF2B5EF4-FFF2-40B4-BE49-F238E27FC236}">
-                <a16:creationId xmlns:a16="http://schemas.microsoft.com/office/drawing/2014/main" id="{61CB862A-AEEB-AC4F-A50E-0272921F7CC5}"/>
-              </a:ext>
-            </a:extLst>
-          </p:cNvPr>
-          <p:cNvSpPr/>
-          <p:nvPr/>
-        </p:nvSpPr>
-        <p:spPr>
-          <a:xfrm>
-            <a:off x="2967485" y="2748577"/>
-            <a:ext cx="1143816" cy="247774"/>
-          </a:xfrm>
-          <a:prstGeom prst="rect">
-            <a:avLst/>
-          </a:prstGeom>
-          <a:noFill/>
-          <a:ln w="3175">
-            <a:solidFill>
-              <a:schemeClr val="tx1"/>
-            </a:solidFill>
-          </a:ln>
-          <a:effectLst/>
-        </p:spPr>
-        <p:style>
-          <a:lnRef idx="1">
-            <a:schemeClr val="accent2"/>
-          </a:lnRef>
-          <a:fillRef idx="2">
-            <a:schemeClr val="accent2"/>
-          </a:fillRef>
-          <a:effectRef idx="1">
-            <a:schemeClr val="accent2"/>
-          </a:effectRef>
-          <a:fontRef idx="minor">
-            <a:schemeClr val="dk1"/>
-          </a:fontRef>
-        </p:style>
-        <p:txBody>
-          <a:bodyPr rtlCol="0" anchor="ctr"/>
-          <a:lstStyle/>
-          <a:p>
-            <a:r>
-              <a:rPr lang="en-US" sz="1400">
-                <a:solidFill>
-                  <a:schemeClr val="tx1">
-                    <a:lumMod val="85000"/>
-                    <a:lumOff val="15000"/>
-                  </a:schemeClr>
-                </a:solidFill>
-              </a:rPr>
-              <a:t>/&lt;</a:t>
-            </a:r>
-            <a:r>
-              <a:rPr lang="en-US" sz="1400" i="1">
-                <a:solidFill>
-                  <a:schemeClr val="tx1">
-                    <a:lumMod val="85000"/>
-                    <a:lumOff val="15000"/>
-                  </a:schemeClr>
-                </a:solidFill>
-              </a:rPr>
-              <a:t>release-z</a:t>
-            </a:r>
-            <a:r>
-              <a:rPr lang="en-US" sz="1400">
-                <a:solidFill>
-                  <a:schemeClr val="tx1">
-                    <a:lumMod val="85000"/>
-                    <a:lumOff val="15000"/>
-                  </a:schemeClr>
-                </a:solidFill>
-              </a:rPr>
-              <a:t>&gt;</a:t>
-            </a:r>
-            <a:endParaRPr lang="en-US" sz="1400" dirty="0">
-              <a:solidFill>
-                <a:schemeClr val="tx1">
-                  <a:lumMod val="85000"/>
-                  <a:lumOff val="15000"/>
-                </a:schemeClr>
-              </a:solidFill>
-            </a:endParaRPr>
-          </a:p>
-        </p:txBody>
-      </p:sp>
-      <p:sp>
-        <p:nvSpPr>
-          <p:cNvPr id="174" name="Rectangle 173">
-            <a:extLst>
-              <a:ext uri="{FF2B5EF4-FFF2-40B4-BE49-F238E27FC236}">
-                <a16:creationId xmlns:a16="http://schemas.microsoft.com/office/drawing/2014/main" id="{DFAF2F67-C582-F343-9958-4F31BFFE4C43}"/>
-              </a:ext>
-            </a:extLst>
-          </p:cNvPr>
-          <p:cNvSpPr/>
-          <p:nvPr/>
-        </p:nvSpPr>
-        <p:spPr>
-          <a:xfrm>
-            <a:off x="5296385" y="3130674"/>
-            <a:ext cx="862035" cy="227944"/>
-          </a:xfrm>
-          <a:prstGeom prst="rect">
-            <a:avLst/>
-          </a:prstGeom>
-          <a:noFill/>
-          <a:ln w="3175">
-            <a:solidFill>
-              <a:schemeClr val="tx1"/>
-            </a:solidFill>
-          </a:ln>
-          <a:effectLst/>
-        </p:spPr>
-        <p:style>
-          <a:lnRef idx="1">
-            <a:schemeClr val="accent2"/>
-          </a:lnRef>
-          <a:fillRef idx="2">
-            <a:schemeClr val="accent2"/>
-          </a:fillRef>
-          <a:effectRef idx="1">
-            <a:schemeClr val="accent2"/>
-          </a:effectRef>
-          <a:fontRef idx="minor">
-            <a:schemeClr val="dk1"/>
-          </a:fontRef>
-        </p:style>
-        <p:txBody>
-          <a:bodyPr rtlCol="0" anchor="ctr"/>
-          <a:lstStyle/>
-          <a:p>
-            <a:r>
-              <a:rPr lang="en-US" sz="1400">
-                <a:solidFill>
-                  <a:schemeClr val="tx1">
-                    <a:lumMod val="85000"/>
-                    <a:lumOff val="15000"/>
-                  </a:schemeClr>
-                </a:solidFill>
-              </a:rPr>
-              <a:t>/level2</a:t>
-            </a:r>
-            <a:endParaRPr lang="en-US" sz="1400" b="1" dirty="0">
-              <a:solidFill>
-                <a:schemeClr val="tx1">
-                  <a:lumMod val="85000"/>
-                  <a:lumOff val="15000"/>
-                </a:schemeClr>
-              </a:solidFill>
-            </a:endParaRPr>
-          </a:p>
-        </p:txBody>
-      </p:sp>
-      <p:cxnSp>
-        <p:nvCxnSpPr>
-          <p:cNvPr id="181" name="Straight Arrow Connector 16">
-            <a:extLst>
-              <a:ext uri="{FF2B5EF4-FFF2-40B4-BE49-F238E27FC236}">
-                <a16:creationId xmlns:a16="http://schemas.microsoft.com/office/drawing/2014/main" id="{7FC8890D-0A33-E549-B330-0B178F2419FB}"/>
-              </a:ext>
-            </a:extLst>
-          </p:cNvPr>
-          <p:cNvCxnSpPr>
-            <a:cxnSpLocks/>
-            <a:stCxn id="135" idx="2"/>
-            <a:endCxn id="174" idx="1"/>
-          </p:cNvCxnSpPr>
-          <p:nvPr/>
-        </p:nvCxnSpPr>
-        <p:spPr>
-          <a:xfrm rot="16200000" flipH="1">
-            <a:off x="5087241" y="3035502"/>
-            <a:ext cx="249532" cy="168756"/>
-          </a:xfrm>
-          <a:prstGeom prst="bentConnector2">
-            <a:avLst/>
-          </a:prstGeom>
-          <a:ln w="3175">
-            <a:solidFill>
-              <a:schemeClr val="tx1"/>
-            </a:solidFill>
-            <a:tailEnd type="triangle"/>
-          </a:ln>
-          <a:effectLst/>
-        </p:spPr>
-        <p:style>
-          <a:lnRef idx="1">
-            <a:schemeClr val="accent1"/>
-          </a:lnRef>
-          <a:fillRef idx="0">
-            <a:schemeClr val="accent1"/>
-          </a:fillRef>
-          <a:effectRef idx="0">
-            <a:schemeClr val="accent1"/>
-          </a:effectRef>
-          <a:fontRef idx="minor">
-            <a:schemeClr val="tx1"/>
-          </a:fontRef>
-        </p:style>
-      </p:cxnSp>
-      <p:cxnSp>
-        <p:nvCxnSpPr>
-          <p:cNvPr id="183" name="Straight Arrow Connector 16">
-            <a:extLst>
-              <a:ext uri="{FF2B5EF4-FFF2-40B4-BE49-F238E27FC236}">
-                <a16:creationId xmlns:a16="http://schemas.microsoft.com/office/drawing/2014/main" id="{C0BD8608-A8C1-6F42-B06C-0D6B58766B18}"/>
-              </a:ext>
-            </a:extLst>
-          </p:cNvPr>
-          <p:cNvCxnSpPr>
-            <a:cxnSpLocks/>
-            <a:stCxn id="173" idx="3"/>
-            <a:endCxn id="135" idx="1"/>
-          </p:cNvCxnSpPr>
-          <p:nvPr/>
-        </p:nvCxnSpPr>
-        <p:spPr>
-          <a:xfrm>
-            <a:off x="4111301" y="2872464"/>
-            <a:ext cx="502181" cy="2309"/>
-          </a:xfrm>
-          <a:prstGeom prst="straightConnector1">
-            <a:avLst/>
-          </a:prstGeom>
-          <a:ln>
-            <a:solidFill>
-              <a:schemeClr val="tx1">
-                <a:lumMod val="85000"/>
-                <a:lumOff val="15000"/>
-              </a:schemeClr>
-            </a:solidFill>
-            <a:tailEnd type="triangle"/>
-          </a:ln>
-          <a:effectLst/>
-        </p:spPr>
-        <p:style>
-          <a:lnRef idx="1">
-            <a:schemeClr val="accent1"/>
-          </a:lnRef>
-          <a:fillRef idx="0">
-            <a:schemeClr val="accent1"/>
-          </a:fillRef>
-          <a:effectRef idx="0">
-            <a:schemeClr val="accent1"/>
-          </a:effectRef>
-          <a:fontRef idx="minor">
-            <a:schemeClr val="tx1"/>
-          </a:fontRef>
-        </p:style>
-      </p:cxnSp>
-      <p:cxnSp>
-        <p:nvCxnSpPr>
-          <p:cNvPr id="184" name="Straight Arrow Connector 16">
-            <a:extLst>
-              <a:ext uri="{FF2B5EF4-FFF2-40B4-BE49-F238E27FC236}">
-                <a16:creationId xmlns:a16="http://schemas.microsoft.com/office/drawing/2014/main" id="{559098B6-418C-604F-B02E-71D16D79D984}"/>
-              </a:ext>
-            </a:extLst>
-          </p:cNvPr>
-          <p:cNvCxnSpPr>
-            <a:cxnSpLocks/>
-            <a:stCxn id="98" idx="3"/>
-            <a:endCxn id="173" idx="1"/>
-          </p:cNvCxnSpPr>
-          <p:nvPr/>
-        </p:nvCxnSpPr>
-        <p:spPr>
-          <a:xfrm>
-            <a:off x="2385391" y="1595708"/>
-            <a:ext cx="582094" cy="1276756"/>
-          </a:xfrm>
-          <a:prstGeom prst="bentConnector3">
-            <a:avLst>
-              <a:gd name="adj1" fmla="val 50000"/>
-            </a:avLst>
-          </a:prstGeom>
-          <a:ln>
-            <a:solidFill>
-              <a:schemeClr val="tx1">
-                <a:lumMod val="85000"/>
-                <a:lumOff val="15000"/>
-              </a:schemeClr>
-            </a:solidFill>
-            <a:tailEnd type="triangle"/>
-          </a:ln>
-          <a:effectLst/>
-        </p:spPr>
-        <p:style>
-          <a:lnRef idx="1">
-            <a:schemeClr val="accent1"/>
-          </a:lnRef>
-          <a:fillRef idx="0">
-            <a:schemeClr val="accent1"/>
-          </a:fillRef>
-          <a:effectRef idx="0">
-            <a:schemeClr val="accent1"/>
-          </a:effectRef>
-          <a:fontRef idx="minor">
-            <a:schemeClr val="tx1"/>
-          </a:fontRef>
-        </p:style>
-      </p:cxnSp>
-      <p:sp>
-        <p:nvSpPr>
-          <p:cNvPr id="185" name="Rectangle 184">
-            <a:extLst>
-              <a:ext uri="{FF2B5EF4-FFF2-40B4-BE49-F238E27FC236}">
-                <a16:creationId xmlns:a16="http://schemas.microsoft.com/office/drawing/2014/main" id="{F5E7F971-F3FC-9542-9923-6BDA9724812C}"/>
-              </a:ext>
-            </a:extLst>
-          </p:cNvPr>
-          <p:cNvSpPr/>
-          <p:nvPr/>
-        </p:nvSpPr>
-        <p:spPr>
-          <a:xfrm>
-            <a:off x="5945257" y="3491260"/>
-            <a:ext cx="842528" cy="221203"/>
-          </a:xfrm>
-          <a:prstGeom prst="rect">
-            <a:avLst/>
-          </a:prstGeom>
-          <a:noFill/>
-          <a:ln w="3175">
-            <a:solidFill>
-              <a:schemeClr val="tx1"/>
-            </a:solidFill>
-          </a:ln>
-          <a:effectLst/>
-        </p:spPr>
-        <p:style>
-          <a:lnRef idx="1">
-            <a:schemeClr val="accent2"/>
-          </a:lnRef>
-          <a:fillRef idx="2">
-            <a:schemeClr val="accent2"/>
-          </a:fillRef>
-          <a:effectRef idx="1">
-            <a:schemeClr val="accent2"/>
-          </a:effectRef>
-          <a:fontRef idx="minor">
-            <a:schemeClr val="dk1"/>
-          </a:fontRef>
-        </p:style>
-        <p:txBody>
-          <a:bodyPr rot="0" spcFirstLastPara="0" vertOverflow="overflow" horzOverflow="overflow" vert="horz" wrap="square" lIns="91440" tIns="45720" rIns="91440" bIns="45720" numCol="1" spcCol="0" rtlCol="0" fromWordArt="0" anchor="ctr" anchorCtr="0" forceAA="0" compatLnSpc="1">
-            <a:prstTxWarp prst="textNoShape">
-              <a:avLst/>
-            </a:prstTxWarp>
-            <a:noAutofit/>
-          </a:bodyPr>
-          <a:lstStyle/>
-          <a:p>
-            <a:r>
-              <a:rPr lang="en-US" sz="1400" dirty="0">
-                <a:solidFill>
-                  <a:schemeClr val="tx1">
-                    <a:lumMod val="85000"/>
-                    <a:lumOff val="15000"/>
-                  </a:schemeClr>
-                </a:solidFill>
-              </a:rPr>
-              <a:t>/</a:t>
-            </a:r>
-            <a:r>
-              <a:rPr lang="en-US" sz="1400" dirty="0" err="1">
-                <a:solidFill>
-                  <a:schemeClr val="tx1">
-                    <a:lumMod val="85000"/>
-                    <a:lumOff val="15000"/>
-                  </a:schemeClr>
-                </a:solidFill>
-              </a:rPr>
-              <a:t>sid-dck</a:t>
-            </a:r>
-            <a:endParaRPr lang="en-US" sz="1400" dirty="0">
-              <a:solidFill>
-                <a:schemeClr val="tx1">
-                  <a:lumMod val="85000"/>
-                  <a:lumOff val="15000"/>
-                </a:schemeClr>
-              </a:solidFill>
-            </a:endParaRPr>
-          </a:p>
-        </p:txBody>
-      </p:sp>
-      <p:cxnSp>
-        <p:nvCxnSpPr>
-          <p:cNvPr id="186" name="Straight Arrow Connector 16">
-            <a:extLst>
-              <a:ext uri="{FF2B5EF4-FFF2-40B4-BE49-F238E27FC236}">
-                <a16:creationId xmlns:a16="http://schemas.microsoft.com/office/drawing/2014/main" id="{1D464B37-5A9C-DF48-A623-9411630AECC6}"/>
-              </a:ext>
-            </a:extLst>
-          </p:cNvPr>
-          <p:cNvCxnSpPr>
-            <a:cxnSpLocks/>
-            <a:stCxn id="174" idx="2"/>
-            <a:endCxn id="185" idx="1"/>
-          </p:cNvCxnSpPr>
-          <p:nvPr/>
-        </p:nvCxnSpPr>
-        <p:spPr>
-          <a:xfrm rot="16200000" flipH="1">
-            <a:off x="5714708" y="3371313"/>
-            <a:ext cx="243244" cy="217854"/>
-          </a:xfrm>
-          <a:prstGeom prst="bentConnector2">
-            <a:avLst/>
-          </a:prstGeom>
-          <a:ln w="3175">
-            <a:solidFill>
-              <a:schemeClr val="tx1"/>
-            </a:solidFill>
-            <a:tailEnd type="triangle"/>
-          </a:ln>
-          <a:effectLst/>
-        </p:spPr>
-        <p:style>
-          <a:lnRef idx="1">
-            <a:schemeClr val="accent1"/>
-          </a:lnRef>
-          <a:fillRef idx="0">
-            <a:schemeClr val="accent1"/>
-          </a:fillRef>
-          <a:effectRef idx="0">
-            <a:schemeClr val="accent1"/>
-          </a:effectRef>
-          <a:fontRef idx="minor">
-            <a:schemeClr val="tx1"/>
-          </a:fontRef>
-        </p:style>
-      </p:cxnSp>
-      <p:cxnSp>
-        <p:nvCxnSpPr>
-          <p:cNvPr id="187" name="Straight Arrow Connector 16">
-            <a:extLst>
-              <a:ext uri="{FF2B5EF4-FFF2-40B4-BE49-F238E27FC236}">
-                <a16:creationId xmlns:a16="http://schemas.microsoft.com/office/drawing/2014/main" id="{9413DA3B-6C4D-9144-80F0-FBB92E9598B1}"/>
-              </a:ext>
-            </a:extLst>
-          </p:cNvPr>
-          <p:cNvCxnSpPr>
-            <a:cxnSpLocks/>
-            <a:stCxn id="102" idx="3"/>
-            <a:endCxn id="131" idx="3"/>
-          </p:cNvCxnSpPr>
-          <p:nvPr/>
-        </p:nvCxnSpPr>
-        <p:spPr>
-          <a:xfrm>
-            <a:off x="6798973" y="2352119"/>
-            <a:ext cx="216929" cy="2621541"/>
-          </a:xfrm>
-          <a:prstGeom prst="bentConnector3">
-            <a:avLst>
-              <a:gd name="adj1" fmla="val 272579"/>
-            </a:avLst>
-          </a:prstGeom>
-          <a:ln w="19050">
-            <a:solidFill>
-              <a:schemeClr val="tx1"/>
-            </a:solidFill>
-            <a:prstDash val="sysDot"/>
-            <a:tailEnd type="triangle"/>
-          </a:ln>
-          <a:effectLst/>
-        </p:spPr>
-        <p:style>
-          <a:lnRef idx="1">
-            <a:schemeClr val="accent1"/>
-          </a:lnRef>
-          <a:fillRef idx="0">
-            <a:schemeClr val="accent1"/>
-          </a:fillRef>
-          <a:effectRef idx="0">
-            <a:schemeClr val="accent1"/>
-          </a:effectRef>
-          <a:fontRef idx="minor">
-            <a:schemeClr val="tx1"/>
-          </a:fontRef>
-        </p:style>
-      </p:cxnSp>
-      <p:cxnSp>
-        <p:nvCxnSpPr>
-          <p:cNvPr id="188" name="Straight Arrow Connector 16">
-            <a:extLst>
-              <a:ext uri="{FF2B5EF4-FFF2-40B4-BE49-F238E27FC236}">
-                <a16:creationId xmlns:a16="http://schemas.microsoft.com/office/drawing/2014/main" id="{DEA892E9-6C38-D345-9977-8277F980B61F}"/>
-              </a:ext>
-            </a:extLst>
-          </p:cNvPr>
-          <p:cNvCxnSpPr>
-            <a:cxnSpLocks/>
-          </p:cNvCxnSpPr>
-          <p:nvPr/>
-        </p:nvCxnSpPr>
-        <p:spPr>
-          <a:xfrm>
-            <a:off x="6787785" y="3601862"/>
-            <a:ext cx="228117" cy="1371798"/>
-          </a:xfrm>
-          <a:prstGeom prst="bentConnector3">
-            <a:avLst>
-              <a:gd name="adj1" fmla="val 264115"/>
-            </a:avLst>
-          </a:prstGeom>
-          <a:ln w="19050">
-            <a:solidFill>
-              <a:schemeClr val="tx1"/>
-            </a:solidFill>
-            <a:prstDash val="sysDot"/>
-            <a:tailEnd type="triangle"/>
-          </a:ln>
-          <a:effectLst/>
-        </p:spPr>
-        <p:style>
-          <a:lnRef idx="1">
-            <a:schemeClr val="accent1"/>
-          </a:lnRef>
-          <a:fillRef idx="0">
-            <a:schemeClr val="accent1"/>
-          </a:fillRef>
-          <a:effectRef idx="0">
-            <a:schemeClr val="accent1"/>
-          </a:effectRef>
-          <a:fontRef idx="minor">
-            <a:schemeClr val="tx1"/>
-          </a:fontRef>
-        </p:style>
-      </p:cxnSp>
-      <p:sp>
-        <p:nvSpPr>
-          <p:cNvPr id="190" name="Rectangle 189">
-            <a:extLst>
-              <a:ext uri="{FF2B5EF4-FFF2-40B4-BE49-F238E27FC236}">
-                <a16:creationId xmlns:a16="http://schemas.microsoft.com/office/drawing/2014/main" id="{2545774B-3789-0945-8ECD-92F4747881F9}"/>
-              </a:ext>
-            </a:extLst>
-          </p:cNvPr>
-          <p:cNvSpPr/>
-          <p:nvPr/>
-        </p:nvSpPr>
-        <p:spPr>
-          <a:xfrm>
-            <a:off x="7043428" y="4052705"/>
-            <a:ext cx="695428" cy="245074"/>
-          </a:xfrm>
-          <a:prstGeom prst="rect">
-            <a:avLst/>
-          </a:prstGeom>
-          <a:solidFill>
-            <a:schemeClr val="bg1"/>
-          </a:solidFill>
-          <a:ln w="3175">
-            <a:solidFill>
-              <a:schemeClr val="tx1"/>
-            </a:solidFill>
-          </a:ln>
-          <a:effectLst/>
-        </p:spPr>
-        <p:style>
-          <a:lnRef idx="1">
-            <a:schemeClr val="accent2"/>
-          </a:lnRef>
-          <a:fillRef idx="2">
-            <a:schemeClr val="accent2"/>
-          </a:fillRef>
-          <a:effectRef idx="1">
-            <a:schemeClr val="accent2"/>
-          </a:effectRef>
-          <a:fontRef idx="minor">
-            <a:schemeClr val="dk1"/>
-          </a:fontRef>
-        </p:style>
-        <p:txBody>
-          <a:bodyPr rot="0" spcFirstLastPara="0" vertOverflow="overflow" horzOverflow="overflow" vert="horz" wrap="square" lIns="91440" tIns="45720" rIns="91440" bIns="45720" numCol="1" spcCol="0" rtlCol="0" fromWordArt="0" anchor="ctr" anchorCtr="0" forceAA="0" compatLnSpc="1">
-            <a:prstTxWarp prst="textNoShape">
-              <a:avLst/>
-            </a:prstTxWarp>
-            <a:noAutofit/>
-          </a:bodyPr>
-          <a:lstStyle/>
-          <a:p>
-            <a:pPr algn="ctr"/>
-            <a:r>
-              <a:rPr lang="en-US" sz="1600" i="1" dirty="0">
-                <a:solidFill>
-                  <a:schemeClr val="tx1">
-                    <a:lumMod val="85000"/>
-                    <a:lumOff val="15000"/>
-                  </a:schemeClr>
-                </a:solidFill>
-              </a:rPr>
-              <a:t>ln -s</a:t>
-            </a:r>
-          </a:p>
-        </p:txBody>
-      </p:sp>
+            </a:fontRef>
+          </p:style>
+        </p:cxnSp>
+      </p:grpSp>
     </p:spTree>
     <p:extLst>
       <p:ext uri="{BB962C8B-B14F-4D97-AF65-F5344CB8AC3E}">
@@ -10031,6 +8833,1723 @@
 </file>
 
 <file path=ppt/slides/slide3.xml><?xml version="1.0" encoding="utf-8"?>
+<p:sld xmlns:a="http://schemas.openxmlformats.org/drawingml/2006/main" xmlns:r="http://schemas.openxmlformats.org/officeDocument/2006/relationships" xmlns:p="http://schemas.openxmlformats.org/presentationml/2006/main">
+  <p:cSld>
+    <p:spTree>
+      <p:nvGrpSpPr>
+        <p:cNvPr id="1" name=""/>
+        <p:cNvGrpSpPr/>
+        <p:nvPr/>
+      </p:nvGrpSpPr>
+      <p:grpSpPr>
+        <a:xfrm>
+          <a:off x="0" y="0"/>
+          <a:ext cx="0" cy="0"/>
+          <a:chOff x="0" y="0"/>
+          <a:chExt cx="0" cy="0"/>
+        </a:xfrm>
+      </p:grpSpPr>
+      <p:sp>
+        <p:nvSpPr>
+          <p:cNvPr id="2" name="Title 1">
+            <a:extLst>
+              <a:ext uri="{FF2B5EF4-FFF2-40B4-BE49-F238E27FC236}">
+                <a16:creationId xmlns:a16="http://schemas.microsoft.com/office/drawing/2014/main" id="{8039B358-1377-8F4A-98F4-851D90CECAD2}"/>
+              </a:ext>
+            </a:extLst>
+          </p:cNvPr>
+          <p:cNvSpPr>
+            <a:spLocks noGrp="1"/>
+          </p:cNvSpPr>
+          <p:nvPr>
+            <p:ph type="title"/>
+          </p:nvPr>
+        </p:nvSpPr>
+        <p:spPr/>
+        <p:txBody>
+          <a:bodyPr/>
+          <a:lstStyle/>
+          <a:p>
+            <a:r>
+              <a:rPr lang="en-US" dirty="0" err="1"/>
+              <a:t>Obs-suite:make_release_source_tree.py</a:t>
+            </a:r>
+            <a:endParaRPr lang="en-US" dirty="0"/>
+          </a:p>
+        </p:txBody>
+      </p:sp>
+      <p:sp>
+        <p:nvSpPr>
+          <p:cNvPr id="67" name="Rectangle 66">
+            <a:extLst>
+              <a:ext uri="{FF2B5EF4-FFF2-40B4-BE49-F238E27FC236}">
+                <a16:creationId xmlns:a16="http://schemas.microsoft.com/office/drawing/2014/main" id="{AE78100A-8AEE-504C-9357-667E05E4756C}"/>
+              </a:ext>
+            </a:extLst>
+          </p:cNvPr>
+          <p:cNvSpPr/>
+          <p:nvPr/>
+        </p:nvSpPr>
+        <p:spPr>
+          <a:xfrm>
+            <a:off x="4598166" y="1478182"/>
+            <a:ext cx="1028294" cy="240683"/>
+          </a:xfrm>
+          <a:prstGeom prst="rect">
+            <a:avLst/>
+          </a:prstGeom>
+          <a:noFill/>
+          <a:ln w="3175">
+            <a:solidFill>
+              <a:schemeClr val="tx1"/>
+            </a:solidFill>
+          </a:ln>
+          <a:effectLst/>
+        </p:spPr>
+        <p:style>
+          <a:lnRef idx="1">
+            <a:schemeClr val="accent2"/>
+          </a:lnRef>
+          <a:fillRef idx="2">
+            <a:schemeClr val="accent2"/>
+          </a:fillRef>
+          <a:effectRef idx="1">
+            <a:schemeClr val="accent2"/>
+          </a:effectRef>
+          <a:fontRef idx="minor">
+            <a:schemeClr val="dk1"/>
+          </a:fontRef>
+        </p:style>
+        <p:txBody>
+          <a:bodyPr rtlCol="0" anchor="ctr"/>
+          <a:lstStyle/>
+          <a:p>
+            <a:r>
+              <a:rPr lang="en-US" sz="1400">
+                <a:solidFill>
+                  <a:schemeClr val="tx1">
+                    <a:lumMod val="85000"/>
+                    <a:lumOff val="15000"/>
+                  </a:schemeClr>
+                </a:solidFill>
+              </a:rPr>
+              <a:t>/&lt;</a:t>
+            </a:r>
+            <a:r>
+              <a:rPr lang="en-US" sz="1400" i="1">
+                <a:solidFill>
+                  <a:schemeClr val="tx1">
+                    <a:lumMod val="85000"/>
+                    <a:lumOff val="15000"/>
+                  </a:schemeClr>
+                </a:solidFill>
+              </a:rPr>
+              <a:t>dataset</a:t>
+            </a:r>
+            <a:r>
+              <a:rPr lang="en-US" sz="1400">
+                <a:solidFill>
+                  <a:schemeClr val="tx1">
+                    <a:lumMod val="85000"/>
+                    <a:lumOff val="15000"/>
+                  </a:schemeClr>
+                </a:solidFill>
+              </a:rPr>
+              <a:t>&gt;</a:t>
+            </a:r>
+            <a:endParaRPr lang="en-US" sz="1400" dirty="0">
+              <a:solidFill>
+                <a:schemeClr val="tx1">
+                  <a:lumMod val="85000"/>
+                  <a:lumOff val="15000"/>
+                </a:schemeClr>
+              </a:solidFill>
+            </a:endParaRPr>
+          </a:p>
+        </p:txBody>
+      </p:sp>
+      <p:sp>
+        <p:nvSpPr>
+          <p:cNvPr id="144" name="Rectangle 143">
+            <a:extLst>
+              <a:ext uri="{FF2B5EF4-FFF2-40B4-BE49-F238E27FC236}">
+                <a16:creationId xmlns:a16="http://schemas.microsoft.com/office/drawing/2014/main" id="{12A06E6A-8DEF-6540-9B38-BB07CC0E244D}"/>
+              </a:ext>
+            </a:extLst>
+          </p:cNvPr>
+          <p:cNvSpPr/>
+          <p:nvPr/>
+        </p:nvSpPr>
+        <p:spPr>
+          <a:xfrm>
+            <a:off x="2952169" y="1472328"/>
+            <a:ext cx="1143816" cy="247774"/>
+          </a:xfrm>
+          <a:prstGeom prst="rect">
+            <a:avLst/>
+          </a:prstGeom>
+          <a:noFill/>
+          <a:ln w="3175">
+            <a:solidFill>
+              <a:schemeClr val="tx1"/>
+            </a:solidFill>
+          </a:ln>
+          <a:effectLst/>
+        </p:spPr>
+        <p:style>
+          <a:lnRef idx="1">
+            <a:schemeClr val="accent2"/>
+          </a:lnRef>
+          <a:fillRef idx="2">
+            <a:schemeClr val="accent2"/>
+          </a:fillRef>
+          <a:effectRef idx="1">
+            <a:schemeClr val="accent2"/>
+          </a:effectRef>
+          <a:fontRef idx="minor">
+            <a:schemeClr val="dk1"/>
+          </a:fontRef>
+        </p:style>
+        <p:txBody>
+          <a:bodyPr rtlCol="0" anchor="ctr"/>
+          <a:lstStyle/>
+          <a:p>
+            <a:r>
+              <a:rPr lang="en-US" sz="1400">
+                <a:solidFill>
+                  <a:schemeClr val="tx1">
+                    <a:lumMod val="85000"/>
+                    <a:lumOff val="15000"/>
+                  </a:schemeClr>
+                </a:solidFill>
+              </a:rPr>
+              <a:t>/&lt;</a:t>
+            </a:r>
+            <a:r>
+              <a:rPr lang="en-US" sz="1400" i="1">
+                <a:solidFill>
+                  <a:schemeClr val="tx1">
+                    <a:lumMod val="85000"/>
+                    <a:lumOff val="15000"/>
+                  </a:schemeClr>
+                </a:solidFill>
+              </a:rPr>
+              <a:t>release-a</a:t>
+            </a:r>
+            <a:r>
+              <a:rPr lang="en-US" sz="1400">
+                <a:solidFill>
+                  <a:schemeClr val="tx1">
+                    <a:lumMod val="85000"/>
+                    <a:lumOff val="15000"/>
+                  </a:schemeClr>
+                </a:solidFill>
+              </a:rPr>
+              <a:t>&gt;</a:t>
+            </a:r>
+            <a:endParaRPr lang="en-US" sz="1400" dirty="0">
+              <a:solidFill>
+                <a:schemeClr val="tx1">
+                  <a:lumMod val="85000"/>
+                  <a:lumOff val="15000"/>
+                </a:schemeClr>
+              </a:solidFill>
+            </a:endParaRPr>
+          </a:p>
+        </p:txBody>
+      </p:sp>
+      <p:sp>
+        <p:nvSpPr>
+          <p:cNvPr id="145" name="Rectangle 144">
+            <a:extLst>
+              <a:ext uri="{FF2B5EF4-FFF2-40B4-BE49-F238E27FC236}">
+                <a16:creationId xmlns:a16="http://schemas.microsoft.com/office/drawing/2014/main" id="{035FD379-7156-D641-ABDA-BBE151425064}"/>
+              </a:ext>
+            </a:extLst>
+          </p:cNvPr>
+          <p:cNvSpPr/>
+          <p:nvPr/>
+        </p:nvSpPr>
+        <p:spPr>
+          <a:xfrm>
+            <a:off x="5281069" y="1894183"/>
+            <a:ext cx="862035" cy="227944"/>
+          </a:xfrm>
+          <a:prstGeom prst="rect">
+            <a:avLst/>
+          </a:prstGeom>
+          <a:noFill/>
+          <a:ln w="3175">
+            <a:solidFill>
+              <a:schemeClr val="tx1"/>
+            </a:solidFill>
+          </a:ln>
+          <a:effectLst/>
+        </p:spPr>
+        <p:style>
+          <a:lnRef idx="1">
+            <a:schemeClr val="accent2"/>
+          </a:lnRef>
+          <a:fillRef idx="2">
+            <a:schemeClr val="accent2"/>
+          </a:fillRef>
+          <a:effectRef idx="1">
+            <a:schemeClr val="accent2"/>
+          </a:effectRef>
+          <a:fontRef idx="minor">
+            <a:schemeClr val="dk1"/>
+          </a:fontRef>
+        </p:style>
+        <p:txBody>
+          <a:bodyPr rtlCol="0" anchor="ctr"/>
+          <a:lstStyle/>
+          <a:p>
+            <a:r>
+              <a:rPr lang="en-US" sz="1400">
+                <a:solidFill>
+                  <a:schemeClr val="tx1">
+                    <a:lumMod val="85000"/>
+                    <a:lumOff val="15000"/>
+                  </a:schemeClr>
+                </a:solidFill>
+              </a:rPr>
+              <a:t>/level2</a:t>
+            </a:r>
+            <a:endParaRPr lang="en-US" sz="1400" b="1" dirty="0">
+              <a:solidFill>
+                <a:schemeClr val="tx1">
+                  <a:lumMod val="85000"/>
+                  <a:lumOff val="15000"/>
+                </a:schemeClr>
+              </a:solidFill>
+            </a:endParaRPr>
+          </a:p>
+        </p:txBody>
+      </p:sp>
+      <p:cxnSp>
+        <p:nvCxnSpPr>
+          <p:cNvPr id="164" name="Straight Arrow Connector 16">
+            <a:extLst>
+              <a:ext uri="{FF2B5EF4-FFF2-40B4-BE49-F238E27FC236}">
+                <a16:creationId xmlns:a16="http://schemas.microsoft.com/office/drawing/2014/main" id="{2C33845B-6944-CF47-B8D9-C7289C01C8B3}"/>
+              </a:ext>
+            </a:extLst>
+          </p:cNvPr>
+          <p:cNvCxnSpPr>
+            <a:cxnSpLocks/>
+            <a:stCxn id="67" idx="2"/>
+            <a:endCxn id="145" idx="1"/>
+          </p:cNvCxnSpPr>
+          <p:nvPr/>
+        </p:nvCxnSpPr>
+        <p:spPr>
+          <a:xfrm rot="16200000" flipH="1">
+            <a:off x="5052046" y="1779132"/>
+            <a:ext cx="289290" cy="168756"/>
+          </a:xfrm>
+          <a:prstGeom prst="bentConnector2">
+            <a:avLst/>
+          </a:prstGeom>
+          <a:ln w="3175">
+            <a:solidFill>
+              <a:schemeClr val="tx1"/>
+            </a:solidFill>
+            <a:tailEnd type="triangle"/>
+          </a:ln>
+          <a:effectLst/>
+        </p:spPr>
+        <p:style>
+          <a:lnRef idx="1">
+            <a:schemeClr val="accent1"/>
+          </a:lnRef>
+          <a:fillRef idx="0">
+            <a:schemeClr val="accent1"/>
+          </a:fillRef>
+          <a:effectRef idx="0">
+            <a:schemeClr val="accent1"/>
+          </a:effectRef>
+          <a:fontRef idx="minor">
+            <a:schemeClr val="tx1"/>
+          </a:fontRef>
+        </p:style>
+      </p:cxnSp>
+      <p:cxnSp>
+        <p:nvCxnSpPr>
+          <p:cNvPr id="167" name="Straight Arrow Connector 16">
+            <a:extLst>
+              <a:ext uri="{FF2B5EF4-FFF2-40B4-BE49-F238E27FC236}">
+                <a16:creationId xmlns:a16="http://schemas.microsoft.com/office/drawing/2014/main" id="{363A2471-2C5E-9B4F-B10F-9362AA8488AD}"/>
+              </a:ext>
+            </a:extLst>
+          </p:cNvPr>
+          <p:cNvCxnSpPr>
+            <a:cxnSpLocks/>
+            <a:stCxn id="144" idx="3"/>
+            <a:endCxn id="67" idx="1"/>
+          </p:cNvCxnSpPr>
+          <p:nvPr/>
+        </p:nvCxnSpPr>
+        <p:spPr>
+          <a:xfrm>
+            <a:off x="4095985" y="1596215"/>
+            <a:ext cx="502181" cy="2309"/>
+          </a:xfrm>
+          <a:prstGeom prst="straightConnector1">
+            <a:avLst/>
+          </a:prstGeom>
+          <a:ln>
+            <a:solidFill>
+              <a:schemeClr val="tx1">
+                <a:lumMod val="85000"/>
+                <a:lumOff val="15000"/>
+              </a:schemeClr>
+            </a:solidFill>
+            <a:tailEnd type="triangle"/>
+          </a:ln>
+          <a:effectLst/>
+        </p:spPr>
+        <p:style>
+          <a:lnRef idx="1">
+            <a:schemeClr val="accent1"/>
+          </a:lnRef>
+          <a:fillRef idx="0">
+            <a:schemeClr val="accent1"/>
+          </a:fillRef>
+          <a:effectRef idx="0">
+            <a:schemeClr val="accent1"/>
+          </a:effectRef>
+          <a:fontRef idx="minor">
+            <a:schemeClr val="tx1"/>
+          </a:fontRef>
+        </p:style>
+      </p:cxnSp>
+      <p:sp>
+        <p:nvSpPr>
+          <p:cNvPr id="98" name="Rectangle 97">
+            <a:extLst>
+              <a:ext uri="{FF2B5EF4-FFF2-40B4-BE49-F238E27FC236}">
+                <a16:creationId xmlns:a16="http://schemas.microsoft.com/office/drawing/2014/main" id="{D69CB602-268A-4F4F-BB3E-15C2E994E406}"/>
+              </a:ext>
+            </a:extLst>
+          </p:cNvPr>
+          <p:cNvSpPr/>
+          <p:nvPr/>
+        </p:nvSpPr>
+        <p:spPr>
+          <a:xfrm>
+            <a:off x="1156939" y="1481885"/>
+            <a:ext cx="1228452" cy="227645"/>
+          </a:xfrm>
+          <a:prstGeom prst="rect">
+            <a:avLst/>
+          </a:prstGeom>
+          <a:noFill/>
+          <a:ln w="3175">
+            <a:solidFill>
+              <a:schemeClr val="tx1"/>
+            </a:solidFill>
+          </a:ln>
+          <a:effectLst/>
+        </p:spPr>
+        <p:style>
+          <a:lnRef idx="1">
+            <a:schemeClr val="accent2"/>
+          </a:lnRef>
+          <a:fillRef idx="2">
+            <a:schemeClr val="accent2"/>
+          </a:fillRef>
+          <a:effectRef idx="1">
+            <a:schemeClr val="accent2"/>
+          </a:effectRef>
+          <a:fontRef idx="minor">
+            <a:schemeClr val="dk1"/>
+          </a:fontRef>
+        </p:style>
+        <p:txBody>
+          <a:bodyPr rtlCol="0" anchor="ctr"/>
+          <a:lstStyle/>
+          <a:p>
+            <a:r>
+              <a:rPr lang="en-US" sz="1400">
+                <a:solidFill>
+                  <a:schemeClr val="tx1">
+                    <a:lumMod val="85000"/>
+                    <a:lumOff val="15000"/>
+                  </a:schemeClr>
+                </a:solidFill>
+              </a:rPr>
+              <a:t>/&lt;data_path&gt;</a:t>
+            </a:r>
+            <a:endParaRPr lang="en-US" sz="1400" dirty="0">
+              <a:solidFill>
+                <a:schemeClr val="tx1">
+                  <a:lumMod val="85000"/>
+                  <a:lumOff val="15000"/>
+                </a:schemeClr>
+              </a:solidFill>
+            </a:endParaRPr>
+          </a:p>
+        </p:txBody>
+      </p:sp>
+      <p:cxnSp>
+        <p:nvCxnSpPr>
+          <p:cNvPr id="121" name="Straight Arrow Connector 16">
+            <a:extLst>
+              <a:ext uri="{FF2B5EF4-FFF2-40B4-BE49-F238E27FC236}">
+                <a16:creationId xmlns:a16="http://schemas.microsoft.com/office/drawing/2014/main" id="{8892E229-426D-B746-938C-B1FD71028D01}"/>
+              </a:ext>
+            </a:extLst>
+          </p:cNvPr>
+          <p:cNvCxnSpPr>
+            <a:cxnSpLocks/>
+            <a:stCxn id="98" idx="3"/>
+            <a:endCxn id="144" idx="1"/>
+          </p:cNvCxnSpPr>
+          <p:nvPr/>
+        </p:nvCxnSpPr>
+        <p:spPr>
+          <a:xfrm>
+            <a:off x="2385391" y="1595708"/>
+            <a:ext cx="566778" cy="507"/>
+          </a:xfrm>
+          <a:prstGeom prst="straightConnector1">
+            <a:avLst/>
+          </a:prstGeom>
+          <a:ln>
+            <a:solidFill>
+              <a:schemeClr val="tx1">
+                <a:lumMod val="85000"/>
+                <a:lumOff val="15000"/>
+              </a:schemeClr>
+            </a:solidFill>
+            <a:tailEnd type="triangle"/>
+          </a:ln>
+          <a:effectLst/>
+        </p:spPr>
+        <p:style>
+          <a:lnRef idx="1">
+            <a:schemeClr val="accent1"/>
+          </a:lnRef>
+          <a:fillRef idx="0">
+            <a:schemeClr val="accent1"/>
+          </a:fillRef>
+          <a:effectRef idx="0">
+            <a:schemeClr val="accent1"/>
+          </a:effectRef>
+          <a:fontRef idx="minor">
+            <a:schemeClr val="tx1"/>
+          </a:fontRef>
+        </p:style>
+      </p:cxnSp>
+      <p:sp>
+        <p:nvSpPr>
+          <p:cNvPr id="102" name="Rectangle 101">
+            <a:extLst>
+              <a:ext uri="{FF2B5EF4-FFF2-40B4-BE49-F238E27FC236}">
+                <a16:creationId xmlns:a16="http://schemas.microsoft.com/office/drawing/2014/main" id="{AEA9B898-30D2-C049-9E51-3183A562524A}"/>
+              </a:ext>
+            </a:extLst>
+          </p:cNvPr>
+          <p:cNvSpPr/>
+          <p:nvPr/>
+        </p:nvSpPr>
+        <p:spPr>
+          <a:xfrm>
+            <a:off x="5956445" y="2241517"/>
+            <a:ext cx="842528" cy="221203"/>
+          </a:xfrm>
+          <a:prstGeom prst="rect">
+            <a:avLst/>
+          </a:prstGeom>
+          <a:noFill/>
+          <a:ln w="3175">
+            <a:solidFill>
+              <a:schemeClr val="tx1"/>
+            </a:solidFill>
+          </a:ln>
+          <a:effectLst/>
+        </p:spPr>
+        <p:style>
+          <a:lnRef idx="1">
+            <a:schemeClr val="accent2"/>
+          </a:lnRef>
+          <a:fillRef idx="2">
+            <a:schemeClr val="accent2"/>
+          </a:fillRef>
+          <a:effectRef idx="1">
+            <a:schemeClr val="accent2"/>
+          </a:effectRef>
+          <a:fontRef idx="minor">
+            <a:schemeClr val="dk1"/>
+          </a:fontRef>
+        </p:style>
+        <p:txBody>
+          <a:bodyPr rot="0" spcFirstLastPara="0" vertOverflow="overflow" horzOverflow="overflow" vert="horz" wrap="square" lIns="91440" tIns="45720" rIns="91440" bIns="45720" numCol="1" spcCol="0" rtlCol="0" fromWordArt="0" anchor="ctr" anchorCtr="0" forceAA="0" compatLnSpc="1">
+            <a:prstTxWarp prst="textNoShape">
+              <a:avLst/>
+            </a:prstTxWarp>
+            <a:noAutofit/>
+          </a:bodyPr>
+          <a:lstStyle/>
+          <a:p>
+            <a:r>
+              <a:rPr lang="en-US" sz="1400" dirty="0">
+                <a:solidFill>
+                  <a:schemeClr val="tx1">
+                    <a:lumMod val="85000"/>
+                    <a:lumOff val="15000"/>
+                  </a:schemeClr>
+                </a:solidFill>
+              </a:rPr>
+              <a:t>/</a:t>
+            </a:r>
+            <a:r>
+              <a:rPr lang="en-US" sz="1400" dirty="0" err="1">
+                <a:solidFill>
+                  <a:schemeClr val="tx1">
+                    <a:lumMod val="85000"/>
+                    <a:lumOff val="15000"/>
+                  </a:schemeClr>
+                </a:solidFill>
+              </a:rPr>
+              <a:t>sid-dck</a:t>
+            </a:r>
+            <a:endParaRPr lang="en-US" sz="1400" dirty="0">
+              <a:solidFill>
+                <a:schemeClr val="tx1">
+                  <a:lumMod val="85000"/>
+                  <a:lumOff val="15000"/>
+                </a:schemeClr>
+              </a:solidFill>
+            </a:endParaRPr>
+          </a:p>
+        </p:txBody>
+      </p:sp>
+      <p:cxnSp>
+        <p:nvCxnSpPr>
+          <p:cNvPr id="107" name="Straight Arrow Connector 16">
+            <a:extLst>
+              <a:ext uri="{FF2B5EF4-FFF2-40B4-BE49-F238E27FC236}">
+                <a16:creationId xmlns:a16="http://schemas.microsoft.com/office/drawing/2014/main" id="{7A14B4E3-79D8-BE4B-99DB-A4A0981DC8BD}"/>
+              </a:ext>
+            </a:extLst>
+          </p:cNvPr>
+          <p:cNvCxnSpPr>
+            <a:cxnSpLocks/>
+            <a:stCxn id="145" idx="2"/>
+            <a:endCxn id="102" idx="1"/>
+          </p:cNvCxnSpPr>
+          <p:nvPr/>
+        </p:nvCxnSpPr>
+        <p:spPr>
+          <a:xfrm rot="16200000" flipH="1">
+            <a:off x="5719270" y="2114944"/>
+            <a:ext cx="229992" cy="244358"/>
+          </a:xfrm>
+          <a:prstGeom prst="bentConnector2">
+            <a:avLst/>
+          </a:prstGeom>
+          <a:ln w="3175">
+            <a:solidFill>
+              <a:schemeClr val="tx1"/>
+            </a:solidFill>
+            <a:tailEnd type="triangle"/>
+          </a:ln>
+          <a:effectLst/>
+        </p:spPr>
+        <p:style>
+          <a:lnRef idx="1">
+            <a:schemeClr val="accent1"/>
+          </a:lnRef>
+          <a:fillRef idx="0">
+            <a:schemeClr val="accent1"/>
+          </a:fillRef>
+          <a:effectRef idx="0">
+            <a:schemeClr val="accent1"/>
+          </a:effectRef>
+          <a:fontRef idx="minor">
+            <a:schemeClr val="tx1"/>
+          </a:fontRef>
+        </p:style>
+      </p:cxnSp>
+      <p:sp>
+        <p:nvSpPr>
+          <p:cNvPr id="116" name="Rectangle 115">
+            <a:extLst>
+              <a:ext uri="{FF2B5EF4-FFF2-40B4-BE49-F238E27FC236}">
+                <a16:creationId xmlns:a16="http://schemas.microsoft.com/office/drawing/2014/main" id="{57F53A77-6F2A-3F42-AB7A-0E4CA6CA68B1}"/>
+              </a:ext>
+            </a:extLst>
+          </p:cNvPr>
+          <p:cNvSpPr/>
+          <p:nvPr/>
+        </p:nvSpPr>
+        <p:spPr>
+          <a:xfrm>
+            <a:off x="5315846" y="4285004"/>
+            <a:ext cx="1018693" cy="241726"/>
+          </a:xfrm>
+          <a:prstGeom prst="rect">
+            <a:avLst/>
+          </a:prstGeom>
+          <a:noFill/>
+          <a:ln w="3175">
+            <a:solidFill>
+              <a:schemeClr val="tx1"/>
+            </a:solidFill>
+          </a:ln>
+          <a:effectLst/>
+        </p:spPr>
+        <p:style>
+          <a:lnRef idx="1">
+            <a:schemeClr val="accent2"/>
+          </a:lnRef>
+          <a:fillRef idx="2">
+            <a:schemeClr val="accent2"/>
+          </a:fillRef>
+          <a:effectRef idx="1">
+            <a:schemeClr val="accent2"/>
+          </a:effectRef>
+          <a:fontRef idx="minor">
+            <a:schemeClr val="dk1"/>
+          </a:fontRef>
+        </p:style>
+        <p:txBody>
+          <a:bodyPr rtlCol="0" anchor="ctr"/>
+          <a:lstStyle/>
+          <a:p>
+            <a:r>
+              <a:rPr lang="en-US" sz="1400">
+                <a:solidFill>
+                  <a:schemeClr val="tx1">
+                    <a:lumMod val="85000"/>
+                    <a:lumOff val="15000"/>
+                  </a:schemeClr>
+                </a:solidFill>
+              </a:rPr>
+              <a:t>/&lt;</a:t>
+            </a:r>
+            <a:r>
+              <a:rPr lang="en-US" sz="1400" i="1">
+                <a:solidFill>
+                  <a:schemeClr val="tx1">
+                    <a:lumMod val="85000"/>
+                    <a:lumOff val="15000"/>
+                  </a:schemeClr>
+                </a:solidFill>
+              </a:rPr>
+              <a:t>version</a:t>
+            </a:r>
+            <a:r>
+              <a:rPr lang="en-US" sz="1400">
+                <a:solidFill>
+                  <a:schemeClr val="tx1">
+                    <a:lumMod val="85000"/>
+                    <a:lumOff val="15000"/>
+                  </a:schemeClr>
+                </a:solidFill>
+              </a:rPr>
+              <a:t>&gt;</a:t>
+            </a:r>
+            <a:endParaRPr lang="en-US" sz="1400" dirty="0">
+              <a:solidFill>
+                <a:schemeClr val="tx1">
+                  <a:lumMod val="85000"/>
+                  <a:lumOff val="15000"/>
+                </a:schemeClr>
+              </a:solidFill>
+            </a:endParaRPr>
+          </a:p>
+        </p:txBody>
+      </p:sp>
+      <p:sp>
+        <p:nvSpPr>
+          <p:cNvPr id="125" name="Rectangle 124">
+            <a:extLst>
+              <a:ext uri="{FF2B5EF4-FFF2-40B4-BE49-F238E27FC236}">
+                <a16:creationId xmlns:a16="http://schemas.microsoft.com/office/drawing/2014/main" id="{2D810A91-FFDF-5440-A1CD-F910440DB450}"/>
+              </a:ext>
+            </a:extLst>
+          </p:cNvPr>
+          <p:cNvSpPr/>
+          <p:nvPr/>
+        </p:nvSpPr>
+        <p:spPr>
+          <a:xfrm>
+            <a:off x="2980737" y="4279149"/>
+            <a:ext cx="1742856" cy="247773"/>
+          </a:xfrm>
+          <a:prstGeom prst="rect">
+            <a:avLst/>
+          </a:prstGeom>
+          <a:noFill/>
+          <a:ln w="3175">
+            <a:solidFill>
+              <a:schemeClr val="tx1"/>
+            </a:solidFill>
+          </a:ln>
+          <a:effectLst/>
+        </p:spPr>
+        <p:style>
+          <a:lnRef idx="1">
+            <a:schemeClr val="accent2"/>
+          </a:lnRef>
+          <a:fillRef idx="2">
+            <a:schemeClr val="accent2"/>
+          </a:fillRef>
+          <a:effectRef idx="1">
+            <a:schemeClr val="accent2"/>
+          </a:effectRef>
+          <a:fontRef idx="minor">
+            <a:schemeClr val="dk1"/>
+          </a:fontRef>
+        </p:style>
+        <p:txBody>
+          <a:bodyPr rtlCol="0" anchor="ctr"/>
+          <a:lstStyle/>
+          <a:p>
+            <a:r>
+              <a:rPr lang="en-US" sz="1400" b="1" dirty="0">
+                <a:solidFill>
+                  <a:schemeClr val="tx1">
+                    <a:lumMod val="85000"/>
+                    <a:lumOff val="15000"/>
+                  </a:schemeClr>
+                </a:solidFill>
+              </a:rPr>
+              <a:t>/marine-user-guide</a:t>
+            </a:r>
+          </a:p>
+        </p:txBody>
+      </p:sp>
+      <p:cxnSp>
+        <p:nvCxnSpPr>
+          <p:cNvPr id="127" name="Straight Arrow Connector 16">
+            <a:extLst>
+              <a:ext uri="{FF2B5EF4-FFF2-40B4-BE49-F238E27FC236}">
+                <a16:creationId xmlns:a16="http://schemas.microsoft.com/office/drawing/2014/main" id="{AF0E7EE6-5609-084F-BBC0-2B8D599E9C27}"/>
+              </a:ext>
+            </a:extLst>
+          </p:cNvPr>
+          <p:cNvCxnSpPr>
+            <a:cxnSpLocks/>
+            <a:stCxn id="116" idx="2"/>
+            <a:endCxn id="131" idx="1"/>
+          </p:cNvCxnSpPr>
+          <p:nvPr/>
+        </p:nvCxnSpPr>
+        <p:spPr>
+          <a:xfrm rot="16200000" flipH="1">
+            <a:off x="5775818" y="4576104"/>
+            <a:ext cx="446930" cy="348181"/>
+          </a:xfrm>
+          <a:prstGeom prst="bentConnector2">
+            <a:avLst/>
+          </a:prstGeom>
+          <a:ln w="3175">
+            <a:solidFill>
+              <a:schemeClr val="tx1"/>
+            </a:solidFill>
+            <a:tailEnd type="triangle"/>
+          </a:ln>
+          <a:effectLst/>
+        </p:spPr>
+        <p:style>
+          <a:lnRef idx="1">
+            <a:schemeClr val="accent1"/>
+          </a:lnRef>
+          <a:fillRef idx="0">
+            <a:schemeClr val="accent1"/>
+          </a:fillRef>
+          <a:effectRef idx="0">
+            <a:schemeClr val="accent1"/>
+          </a:effectRef>
+          <a:fontRef idx="minor">
+            <a:schemeClr val="tx1"/>
+          </a:fontRef>
+        </p:style>
+      </p:cxnSp>
+      <p:cxnSp>
+        <p:nvCxnSpPr>
+          <p:cNvPr id="128" name="Straight Arrow Connector 16">
+            <a:extLst>
+              <a:ext uri="{FF2B5EF4-FFF2-40B4-BE49-F238E27FC236}">
+                <a16:creationId xmlns:a16="http://schemas.microsoft.com/office/drawing/2014/main" id="{6B2B6436-4E17-4A44-9050-365E131FF3A2}"/>
+              </a:ext>
+            </a:extLst>
+          </p:cNvPr>
+          <p:cNvCxnSpPr>
+            <a:cxnSpLocks/>
+            <a:stCxn id="125" idx="3"/>
+            <a:endCxn id="116" idx="1"/>
+          </p:cNvCxnSpPr>
+          <p:nvPr/>
+        </p:nvCxnSpPr>
+        <p:spPr>
+          <a:xfrm>
+            <a:off x="4723593" y="4403036"/>
+            <a:ext cx="592253" cy="2831"/>
+          </a:xfrm>
+          <a:prstGeom prst="straightConnector1">
+            <a:avLst/>
+          </a:prstGeom>
+          <a:ln>
+            <a:solidFill>
+              <a:schemeClr val="tx1">
+                <a:lumMod val="85000"/>
+                <a:lumOff val="15000"/>
+              </a:schemeClr>
+            </a:solidFill>
+            <a:tailEnd type="triangle"/>
+          </a:ln>
+          <a:effectLst/>
+        </p:spPr>
+        <p:style>
+          <a:lnRef idx="1">
+            <a:schemeClr val="accent1"/>
+          </a:lnRef>
+          <a:fillRef idx="0">
+            <a:schemeClr val="accent1"/>
+          </a:fillRef>
+          <a:effectRef idx="0">
+            <a:schemeClr val="accent1"/>
+          </a:effectRef>
+          <a:fontRef idx="minor">
+            <a:schemeClr val="tx1"/>
+          </a:fontRef>
+        </p:style>
+      </p:cxnSp>
+      <p:cxnSp>
+        <p:nvCxnSpPr>
+          <p:cNvPr id="130" name="Straight Arrow Connector 16">
+            <a:extLst>
+              <a:ext uri="{FF2B5EF4-FFF2-40B4-BE49-F238E27FC236}">
+                <a16:creationId xmlns:a16="http://schemas.microsoft.com/office/drawing/2014/main" id="{905C8094-0F17-2A4A-8275-36388745B7B1}"/>
+              </a:ext>
+            </a:extLst>
+          </p:cNvPr>
+          <p:cNvCxnSpPr>
+            <a:cxnSpLocks/>
+            <a:stCxn id="98" idx="2"/>
+            <a:endCxn id="125" idx="1"/>
+          </p:cNvCxnSpPr>
+          <p:nvPr/>
+        </p:nvCxnSpPr>
+        <p:spPr>
+          <a:xfrm rot="16200000" flipH="1">
+            <a:off x="1029198" y="2451497"/>
+            <a:ext cx="2693506" cy="1209572"/>
+          </a:xfrm>
+          <a:prstGeom prst="bentConnector2">
+            <a:avLst/>
+          </a:prstGeom>
+          <a:ln>
+            <a:solidFill>
+              <a:schemeClr val="tx1">
+                <a:lumMod val="85000"/>
+                <a:lumOff val="15000"/>
+              </a:schemeClr>
+            </a:solidFill>
+            <a:tailEnd type="triangle"/>
+          </a:ln>
+          <a:effectLst/>
+        </p:spPr>
+        <p:style>
+          <a:lnRef idx="1">
+            <a:schemeClr val="accent1"/>
+          </a:lnRef>
+          <a:fillRef idx="0">
+            <a:schemeClr val="accent1"/>
+          </a:fillRef>
+          <a:effectRef idx="0">
+            <a:schemeClr val="accent1"/>
+          </a:effectRef>
+          <a:fontRef idx="minor">
+            <a:schemeClr val="tx1"/>
+          </a:fontRef>
+        </p:style>
+      </p:cxnSp>
+      <p:sp>
+        <p:nvSpPr>
+          <p:cNvPr id="131" name="Rectangle 130">
+            <a:extLst>
+              <a:ext uri="{FF2B5EF4-FFF2-40B4-BE49-F238E27FC236}">
+                <a16:creationId xmlns:a16="http://schemas.microsoft.com/office/drawing/2014/main" id="{B4D298B4-64F2-5B4E-BE72-8F4511723B68}"/>
+              </a:ext>
+            </a:extLst>
+          </p:cNvPr>
+          <p:cNvSpPr/>
+          <p:nvPr/>
+        </p:nvSpPr>
+        <p:spPr>
+          <a:xfrm>
+            <a:off x="6173374" y="4863058"/>
+            <a:ext cx="842528" cy="221203"/>
+          </a:xfrm>
+          <a:prstGeom prst="rect">
+            <a:avLst/>
+          </a:prstGeom>
+          <a:noFill/>
+          <a:ln w="3175">
+            <a:solidFill>
+              <a:schemeClr val="tx1"/>
+            </a:solidFill>
+          </a:ln>
+          <a:effectLst/>
+        </p:spPr>
+        <p:style>
+          <a:lnRef idx="1">
+            <a:schemeClr val="accent2"/>
+          </a:lnRef>
+          <a:fillRef idx="2">
+            <a:schemeClr val="accent2"/>
+          </a:fillRef>
+          <a:effectRef idx="1">
+            <a:schemeClr val="accent2"/>
+          </a:effectRef>
+          <a:fontRef idx="minor">
+            <a:schemeClr val="dk1"/>
+          </a:fontRef>
+        </p:style>
+        <p:txBody>
+          <a:bodyPr rot="0" spcFirstLastPara="0" vertOverflow="overflow" horzOverflow="overflow" vert="horz" wrap="square" lIns="91440" tIns="45720" rIns="91440" bIns="45720" numCol="1" spcCol="0" rtlCol="0" fromWordArt="0" anchor="ctr" anchorCtr="0" forceAA="0" compatLnSpc="1">
+            <a:prstTxWarp prst="textNoShape">
+              <a:avLst/>
+            </a:prstTxWarp>
+            <a:noAutofit/>
+          </a:bodyPr>
+          <a:lstStyle/>
+          <a:p>
+            <a:r>
+              <a:rPr lang="en-US" sz="1400">
+                <a:solidFill>
+                  <a:schemeClr val="tx1">
+                    <a:lumMod val="85000"/>
+                    <a:lumOff val="15000"/>
+                  </a:schemeClr>
+                </a:solidFill>
+              </a:rPr>
+              <a:t>/sid-dck</a:t>
+            </a:r>
+            <a:endParaRPr lang="en-US" sz="1400" dirty="0">
+              <a:solidFill>
+                <a:schemeClr val="tx1">
+                  <a:lumMod val="85000"/>
+                  <a:lumOff val="15000"/>
+                </a:schemeClr>
+              </a:solidFill>
+            </a:endParaRPr>
+          </a:p>
+        </p:txBody>
+      </p:sp>
+      <p:sp>
+        <p:nvSpPr>
+          <p:cNvPr id="135" name="Rectangle 134">
+            <a:extLst>
+              <a:ext uri="{FF2B5EF4-FFF2-40B4-BE49-F238E27FC236}">
+                <a16:creationId xmlns:a16="http://schemas.microsoft.com/office/drawing/2014/main" id="{5F54B6C4-B770-8546-A852-801540755372}"/>
+              </a:ext>
+            </a:extLst>
+          </p:cNvPr>
+          <p:cNvSpPr/>
+          <p:nvPr/>
+        </p:nvSpPr>
+        <p:spPr>
+          <a:xfrm>
+            <a:off x="4613482" y="2754431"/>
+            <a:ext cx="1028294" cy="240683"/>
+          </a:xfrm>
+          <a:prstGeom prst="rect">
+            <a:avLst/>
+          </a:prstGeom>
+          <a:noFill/>
+          <a:ln w="3175">
+            <a:solidFill>
+              <a:schemeClr val="tx1"/>
+            </a:solidFill>
+          </a:ln>
+          <a:effectLst/>
+        </p:spPr>
+        <p:style>
+          <a:lnRef idx="1">
+            <a:schemeClr val="accent2"/>
+          </a:lnRef>
+          <a:fillRef idx="2">
+            <a:schemeClr val="accent2"/>
+          </a:fillRef>
+          <a:effectRef idx="1">
+            <a:schemeClr val="accent2"/>
+          </a:effectRef>
+          <a:fontRef idx="minor">
+            <a:schemeClr val="dk1"/>
+          </a:fontRef>
+        </p:style>
+        <p:txBody>
+          <a:bodyPr rtlCol="0" anchor="ctr"/>
+          <a:lstStyle/>
+          <a:p>
+            <a:r>
+              <a:rPr lang="en-US" sz="1400">
+                <a:solidFill>
+                  <a:schemeClr val="tx1">
+                    <a:lumMod val="85000"/>
+                    <a:lumOff val="15000"/>
+                  </a:schemeClr>
+                </a:solidFill>
+              </a:rPr>
+              <a:t>/&lt;</a:t>
+            </a:r>
+            <a:r>
+              <a:rPr lang="en-US" sz="1400" i="1">
+                <a:solidFill>
+                  <a:schemeClr val="tx1">
+                    <a:lumMod val="85000"/>
+                    <a:lumOff val="15000"/>
+                  </a:schemeClr>
+                </a:solidFill>
+              </a:rPr>
+              <a:t>dataset</a:t>
+            </a:r>
+            <a:r>
+              <a:rPr lang="en-US" sz="1400">
+                <a:solidFill>
+                  <a:schemeClr val="tx1">
+                    <a:lumMod val="85000"/>
+                    <a:lumOff val="15000"/>
+                  </a:schemeClr>
+                </a:solidFill>
+              </a:rPr>
+              <a:t>&gt;</a:t>
+            </a:r>
+            <a:endParaRPr lang="en-US" sz="1400" dirty="0">
+              <a:solidFill>
+                <a:schemeClr val="tx1">
+                  <a:lumMod val="85000"/>
+                  <a:lumOff val="15000"/>
+                </a:schemeClr>
+              </a:solidFill>
+            </a:endParaRPr>
+          </a:p>
+        </p:txBody>
+      </p:sp>
+      <p:sp>
+        <p:nvSpPr>
+          <p:cNvPr id="173" name="Rectangle 172">
+            <a:extLst>
+              <a:ext uri="{FF2B5EF4-FFF2-40B4-BE49-F238E27FC236}">
+                <a16:creationId xmlns:a16="http://schemas.microsoft.com/office/drawing/2014/main" id="{61CB862A-AEEB-AC4F-A50E-0272921F7CC5}"/>
+              </a:ext>
+            </a:extLst>
+          </p:cNvPr>
+          <p:cNvSpPr/>
+          <p:nvPr/>
+        </p:nvSpPr>
+        <p:spPr>
+          <a:xfrm>
+            <a:off x="2967485" y="2748577"/>
+            <a:ext cx="1143816" cy="247774"/>
+          </a:xfrm>
+          <a:prstGeom prst="rect">
+            <a:avLst/>
+          </a:prstGeom>
+          <a:noFill/>
+          <a:ln w="3175">
+            <a:solidFill>
+              <a:schemeClr val="tx1"/>
+            </a:solidFill>
+          </a:ln>
+          <a:effectLst/>
+        </p:spPr>
+        <p:style>
+          <a:lnRef idx="1">
+            <a:schemeClr val="accent2"/>
+          </a:lnRef>
+          <a:fillRef idx="2">
+            <a:schemeClr val="accent2"/>
+          </a:fillRef>
+          <a:effectRef idx="1">
+            <a:schemeClr val="accent2"/>
+          </a:effectRef>
+          <a:fontRef idx="minor">
+            <a:schemeClr val="dk1"/>
+          </a:fontRef>
+        </p:style>
+        <p:txBody>
+          <a:bodyPr rtlCol="0" anchor="ctr"/>
+          <a:lstStyle/>
+          <a:p>
+            <a:r>
+              <a:rPr lang="en-US" sz="1400">
+                <a:solidFill>
+                  <a:schemeClr val="tx1">
+                    <a:lumMod val="85000"/>
+                    <a:lumOff val="15000"/>
+                  </a:schemeClr>
+                </a:solidFill>
+              </a:rPr>
+              <a:t>/&lt;</a:t>
+            </a:r>
+            <a:r>
+              <a:rPr lang="en-US" sz="1400" i="1">
+                <a:solidFill>
+                  <a:schemeClr val="tx1">
+                    <a:lumMod val="85000"/>
+                    <a:lumOff val="15000"/>
+                  </a:schemeClr>
+                </a:solidFill>
+              </a:rPr>
+              <a:t>release-z</a:t>
+            </a:r>
+            <a:r>
+              <a:rPr lang="en-US" sz="1400">
+                <a:solidFill>
+                  <a:schemeClr val="tx1">
+                    <a:lumMod val="85000"/>
+                    <a:lumOff val="15000"/>
+                  </a:schemeClr>
+                </a:solidFill>
+              </a:rPr>
+              <a:t>&gt;</a:t>
+            </a:r>
+            <a:endParaRPr lang="en-US" sz="1400" dirty="0">
+              <a:solidFill>
+                <a:schemeClr val="tx1">
+                  <a:lumMod val="85000"/>
+                  <a:lumOff val="15000"/>
+                </a:schemeClr>
+              </a:solidFill>
+            </a:endParaRPr>
+          </a:p>
+        </p:txBody>
+      </p:sp>
+      <p:sp>
+        <p:nvSpPr>
+          <p:cNvPr id="174" name="Rectangle 173">
+            <a:extLst>
+              <a:ext uri="{FF2B5EF4-FFF2-40B4-BE49-F238E27FC236}">
+                <a16:creationId xmlns:a16="http://schemas.microsoft.com/office/drawing/2014/main" id="{DFAF2F67-C582-F343-9958-4F31BFFE4C43}"/>
+              </a:ext>
+            </a:extLst>
+          </p:cNvPr>
+          <p:cNvSpPr/>
+          <p:nvPr/>
+        </p:nvSpPr>
+        <p:spPr>
+          <a:xfrm>
+            <a:off x="5296385" y="3130674"/>
+            <a:ext cx="862035" cy="227944"/>
+          </a:xfrm>
+          <a:prstGeom prst="rect">
+            <a:avLst/>
+          </a:prstGeom>
+          <a:noFill/>
+          <a:ln w="3175">
+            <a:solidFill>
+              <a:schemeClr val="tx1"/>
+            </a:solidFill>
+          </a:ln>
+          <a:effectLst/>
+        </p:spPr>
+        <p:style>
+          <a:lnRef idx="1">
+            <a:schemeClr val="accent2"/>
+          </a:lnRef>
+          <a:fillRef idx="2">
+            <a:schemeClr val="accent2"/>
+          </a:fillRef>
+          <a:effectRef idx="1">
+            <a:schemeClr val="accent2"/>
+          </a:effectRef>
+          <a:fontRef idx="minor">
+            <a:schemeClr val="dk1"/>
+          </a:fontRef>
+        </p:style>
+        <p:txBody>
+          <a:bodyPr rtlCol="0" anchor="ctr"/>
+          <a:lstStyle/>
+          <a:p>
+            <a:r>
+              <a:rPr lang="en-US" sz="1400">
+                <a:solidFill>
+                  <a:schemeClr val="tx1">
+                    <a:lumMod val="85000"/>
+                    <a:lumOff val="15000"/>
+                  </a:schemeClr>
+                </a:solidFill>
+              </a:rPr>
+              <a:t>/level2</a:t>
+            </a:r>
+            <a:endParaRPr lang="en-US" sz="1400" b="1" dirty="0">
+              <a:solidFill>
+                <a:schemeClr val="tx1">
+                  <a:lumMod val="85000"/>
+                  <a:lumOff val="15000"/>
+                </a:schemeClr>
+              </a:solidFill>
+            </a:endParaRPr>
+          </a:p>
+        </p:txBody>
+      </p:sp>
+      <p:cxnSp>
+        <p:nvCxnSpPr>
+          <p:cNvPr id="181" name="Straight Arrow Connector 16">
+            <a:extLst>
+              <a:ext uri="{FF2B5EF4-FFF2-40B4-BE49-F238E27FC236}">
+                <a16:creationId xmlns:a16="http://schemas.microsoft.com/office/drawing/2014/main" id="{7FC8890D-0A33-E549-B330-0B178F2419FB}"/>
+              </a:ext>
+            </a:extLst>
+          </p:cNvPr>
+          <p:cNvCxnSpPr>
+            <a:cxnSpLocks/>
+            <a:stCxn id="135" idx="2"/>
+            <a:endCxn id="174" idx="1"/>
+          </p:cNvCxnSpPr>
+          <p:nvPr/>
+        </p:nvCxnSpPr>
+        <p:spPr>
+          <a:xfrm rot="16200000" flipH="1">
+            <a:off x="5087241" y="3035502"/>
+            <a:ext cx="249532" cy="168756"/>
+          </a:xfrm>
+          <a:prstGeom prst="bentConnector2">
+            <a:avLst/>
+          </a:prstGeom>
+          <a:ln w="3175">
+            <a:solidFill>
+              <a:schemeClr val="tx1"/>
+            </a:solidFill>
+            <a:tailEnd type="triangle"/>
+          </a:ln>
+          <a:effectLst/>
+        </p:spPr>
+        <p:style>
+          <a:lnRef idx="1">
+            <a:schemeClr val="accent1"/>
+          </a:lnRef>
+          <a:fillRef idx="0">
+            <a:schemeClr val="accent1"/>
+          </a:fillRef>
+          <a:effectRef idx="0">
+            <a:schemeClr val="accent1"/>
+          </a:effectRef>
+          <a:fontRef idx="minor">
+            <a:schemeClr val="tx1"/>
+          </a:fontRef>
+        </p:style>
+      </p:cxnSp>
+      <p:cxnSp>
+        <p:nvCxnSpPr>
+          <p:cNvPr id="183" name="Straight Arrow Connector 16">
+            <a:extLst>
+              <a:ext uri="{FF2B5EF4-FFF2-40B4-BE49-F238E27FC236}">
+                <a16:creationId xmlns:a16="http://schemas.microsoft.com/office/drawing/2014/main" id="{C0BD8608-A8C1-6F42-B06C-0D6B58766B18}"/>
+              </a:ext>
+            </a:extLst>
+          </p:cNvPr>
+          <p:cNvCxnSpPr>
+            <a:cxnSpLocks/>
+            <a:stCxn id="173" idx="3"/>
+            <a:endCxn id="135" idx="1"/>
+          </p:cNvCxnSpPr>
+          <p:nvPr/>
+        </p:nvCxnSpPr>
+        <p:spPr>
+          <a:xfrm>
+            <a:off x="4111301" y="2872464"/>
+            <a:ext cx="502181" cy="2309"/>
+          </a:xfrm>
+          <a:prstGeom prst="straightConnector1">
+            <a:avLst/>
+          </a:prstGeom>
+          <a:ln>
+            <a:solidFill>
+              <a:schemeClr val="tx1">
+                <a:lumMod val="85000"/>
+                <a:lumOff val="15000"/>
+              </a:schemeClr>
+            </a:solidFill>
+            <a:tailEnd type="triangle"/>
+          </a:ln>
+          <a:effectLst/>
+        </p:spPr>
+        <p:style>
+          <a:lnRef idx="1">
+            <a:schemeClr val="accent1"/>
+          </a:lnRef>
+          <a:fillRef idx="0">
+            <a:schemeClr val="accent1"/>
+          </a:fillRef>
+          <a:effectRef idx="0">
+            <a:schemeClr val="accent1"/>
+          </a:effectRef>
+          <a:fontRef idx="minor">
+            <a:schemeClr val="tx1"/>
+          </a:fontRef>
+        </p:style>
+      </p:cxnSp>
+      <p:cxnSp>
+        <p:nvCxnSpPr>
+          <p:cNvPr id="184" name="Straight Arrow Connector 16">
+            <a:extLst>
+              <a:ext uri="{FF2B5EF4-FFF2-40B4-BE49-F238E27FC236}">
+                <a16:creationId xmlns:a16="http://schemas.microsoft.com/office/drawing/2014/main" id="{559098B6-418C-604F-B02E-71D16D79D984}"/>
+              </a:ext>
+            </a:extLst>
+          </p:cNvPr>
+          <p:cNvCxnSpPr>
+            <a:cxnSpLocks/>
+            <a:stCxn id="98" idx="3"/>
+            <a:endCxn id="173" idx="1"/>
+          </p:cNvCxnSpPr>
+          <p:nvPr/>
+        </p:nvCxnSpPr>
+        <p:spPr>
+          <a:xfrm>
+            <a:off x="2385391" y="1595708"/>
+            <a:ext cx="582094" cy="1276756"/>
+          </a:xfrm>
+          <a:prstGeom prst="bentConnector3">
+            <a:avLst>
+              <a:gd name="adj1" fmla="val 50000"/>
+            </a:avLst>
+          </a:prstGeom>
+          <a:ln>
+            <a:solidFill>
+              <a:schemeClr val="tx1">
+                <a:lumMod val="85000"/>
+                <a:lumOff val="15000"/>
+              </a:schemeClr>
+            </a:solidFill>
+            <a:tailEnd type="triangle"/>
+          </a:ln>
+          <a:effectLst/>
+        </p:spPr>
+        <p:style>
+          <a:lnRef idx="1">
+            <a:schemeClr val="accent1"/>
+          </a:lnRef>
+          <a:fillRef idx="0">
+            <a:schemeClr val="accent1"/>
+          </a:fillRef>
+          <a:effectRef idx="0">
+            <a:schemeClr val="accent1"/>
+          </a:effectRef>
+          <a:fontRef idx="minor">
+            <a:schemeClr val="tx1"/>
+          </a:fontRef>
+        </p:style>
+      </p:cxnSp>
+      <p:sp>
+        <p:nvSpPr>
+          <p:cNvPr id="185" name="Rectangle 184">
+            <a:extLst>
+              <a:ext uri="{FF2B5EF4-FFF2-40B4-BE49-F238E27FC236}">
+                <a16:creationId xmlns:a16="http://schemas.microsoft.com/office/drawing/2014/main" id="{F5E7F971-F3FC-9542-9923-6BDA9724812C}"/>
+              </a:ext>
+            </a:extLst>
+          </p:cNvPr>
+          <p:cNvSpPr/>
+          <p:nvPr/>
+        </p:nvSpPr>
+        <p:spPr>
+          <a:xfrm>
+            <a:off x="5945257" y="3491260"/>
+            <a:ext cx="842528" cy="221203"/>
+          </a:xfrm>
+          <a:prstGeom prst="rect">
+            <a:avLst/>
+          </a:prstGeom>
+          <a:noFill/>
+          <a:ln w="3175">
+            <a:solidFill>
+              <a:schemeClr val="tx1"/>
+            </a:solidFill>
+          </a:ln>
+          <a:effectLst/>
+        </p:spPr>
+        <p:style>
+          <a:lnRef idx="1">
+            <a:schemeClr val="accent2"/>
+          </a:lnRef>
+          <a:fillRef idx="2">
+            <a:schemeClr val="accent2"/>
+          </a:fillRef>
+          <a:effectRef idx="1">
+            <a:schemeClr val="accent2"/>
+          </a:effectRef>
+          <a:fontRef idx="minor">
+            <a:schemeClr val="dk1"/>
+          </a:fontRef>
+        </p:style>
+        <p:txBody>
+          <a:bodyPr rot="0" spcFirstLastPara="0" vertOverflow="overflow" horzOverflow="overflow" vert="horz" wrap="square" lIns="91440" tIns="45720" rIns="91440" bIns="45720" numCol="1" spcCol="0" rtlCol="0" fromWordArt="0" anchor="ctr" anchorCtr="0" forceAA="0" compatLnSpc="1">
+            <a:prstTxWarp prst="textNoShape">
+              <a:avLst/>
+            </a:prstTxWarp>
+            <a:noAutofit/>
+          </a:bodyPr>
+          <a:lstStyle/>
+          <a:p>
+            <a:r>
+              <a:rPr lang="en-US" sz="1400" dirty="0">
+                <a:solidFill>
+                  <a:schemeClr val="tx1">
+                    <a:lumMod val="85000"/>
+                    <a:lumOff val="15000"/>
+                  </a:schemeClr>
+                </a:solidFill>
+              </a:rPr>
+              <a:t>/</a:t>
+            </a:r>
+            <a:r>
+              <a:rPr lang="en-US" sz="1400" dirty="0" err="1">
+                <a:solidFill>
+                  <a:schemeClr val="tx1">
+                    <a:lumMod val="85000"/>
+                    <a:lumOff val="15000"/>
+                  </a:schemeClr>
+                </a:solidFill>
+              </a:rPr>
+              <a:t>sid-dck</a:t>
+            </a:r>
+            <a:endParaRPr lang="en-US" sz="1400" dirty="0">
+              <a:solidFill>
+                <a:schemeClr val="tx1">
+                  <a:lumMod val="85000"/>
+                  <a:lumOff val="15000"/>
+                </a:schemeClr>
+              </a:solidFill>
+            </a:endParaRPr>
+          </a:p>
+        </p:txBody>
+      </p:sp>
+      <p:cxnSp>
+        <p:nvCxnSpPr>
+          <p:cNvPr id="186" name="Straight Arrow Connector 16">
+            <a:extLst>
+              <a:ext uri="{FF2B5EF4-FFF2-40B4-BE49-F238E27FC236}">
+                <a16:creationId xmlns:a16="http://schemas.microsoft.com/office/drawing/2014/main" id="{1D464B37-5A9C-DF48-A623-9411630AECC6}"/>
+              </a:ext>
+            </a:extLst>
+          </p:cNvPr>
+          <p:cNvCxnSpPr>
+            <a:cxnSpLocks/>
+            <a:stCxn id="174" idx="2"/>
+            <a:endCxn id="185" idx="1"/>
+          </p:cNvCxnSpPr>
+          <p:nvPr/>
+        </p:nvCxnSpPr>
+        <p:spPr>
+          <a:xfrm rot="16200000" flipH="1">
+            <a:off x="5714708" y="3371313"/>
+            <a:ext cx="243244" cy="217854"/>
+          </a:xfrm>
+          <a:prstGeom prst="bentConnector2">
+            <a:avLst/>
+          </a:prstGeom>
+          <a:ln w="3175">
+            <a:solidFill>
+              <a:schemeClr val="tx1"/>
+            </a:solidFill>
+            <a:tailEnd type="triangle"/>
+          </a:ln>
+          <a:effectLst/>
+        </p:spPr>
+        <p:style>
+          <a:lnRef idx="1">
+            <a:schemeClr val="accent1"/>
+          </a:lnRef>
+          <a:fillRef idx="0">
+            <a:schemeClr val="accent1"/>
+          </a:fillRef>
+          <a:effectRef idx="0">
+            <a:schemeClr val="accent1"/>
+          </a:effectRef>
+          <a:fontRef idx="minor">
+            <a:schemeClr val="tx1"/>
+          </a:fontRef>
+        </p:style>
+      </p:cxnSp>
+      <p:cxnSp>
+        <p:nvCxnSpPr>
+          <p:cNvPr id="187" name="Straight Arrow Connector 16">
+            <a:extLst>
+              <a:ext uri="{FF2B5EF4-FFF2-40B4-BE49-F238E27FC236}">
+                <a16:creationId xmlns:a16="http://schemas.microsoft.com/office/drawing/2014/main" id="{9413DA3B-6C4D-9144-80F0-FBB92E9598B1}"/>
+              </a:ext>
+            </a:extLst>
+          </p:cNvPr>
+          <p:cNvCxnSpPr>
+            <a:cxnSpLocks/>
+            <a:stCxn id="102" idx="3"/>
+            <a:endCxn id="131" idx="3"/>
+          </p:cNvCxnSpPr>
+          <p:nvPr/>
+        </p:nvCxnSpPr>
+        <p:spPr>
+          <a:xfrm>
+            <a:off x="6798973" y="2352119"/>
+            <a:ext cx="216929" cy="2621541"/>
+          </a:xfrm>
+          <a:prstGeom prst="bentConnector3">
+            <a:avLst>
+              <a:gd name="adj1" fmla="val 272579"/>
+            </a:avLst>
+          </a:prstGeom>
+          <a:ln w="19050">
+            <a:solidFill>
+              <a:schemeClr val="tx1"/>
+            </a:solidFill>
+            <a:prstDash val="sysDot"/>
+            <a:tailEnd type="triangle"/>
+          </a:ln>
+          <a:effectLst/>
+        </p:spPr>
+        <p:style>
+          <a:lnRef idx="1">
+            <a:schemeClr val="accent1"/>
+          </a:lnRef>
+          <a:fillRef idx="0">
+            <a:schemeClr val="accent1"/>
+          </a:fillRef>
+          <a:effectRef idx="0">
+            <a:schemeClr val="accent1"/>
+          </a:effectRef>
+          <a:fontRef idx="minor">
+            <a:schemeClr val="tx1"/>
+          </a:fontRef>
+        </p:style>
+      </p:cxnSp>
+      <p:cxnSp>
+        <p:nvCxnSpPr>
+          <p:cNvPr id="188" name="Straight Arrow Connector 16">
+            <a:extLst>
+              <a:ext uri="{FF2B5EF4-FFF2-40B4-BE49-F238E27FC236}">
+                <a16:creationId xmlns:a16="http://schemas.microsoft.com/office/drawing/2014/main" id="{DEA892E9-6C38-D345-9977-8277F980B61F}"/>
+              </a:ext>
+            </a:extLst>
+          </p:cNvPr>
+          <p:cNvCxnSpPr>
+            <a:cxnSpLocks/>
+          </p:cNvCxnSpPr>
+          <p:nvPr/>
+        </p:nvCxnSpPr>
+        <p:spPr>
+          <a:xfrm>
+            <a:off x="6787785" y="3601862"/>
+            <a:ext cx="228117" cy="1371798"/>
+          </a:xfrm>
+          <a:prstGeom prst="bentConnector3">
+            <a:avLst>
+              <a:gd name="adj1" fmla="val 264115"/>
+            </a:avLst>
+          </a:prstGeom>
+          <a:ln w="19050">
+            <a:solidFill>
+              <a:schemeClr val="tx1"/>
+            </a:solidFill>
+            <a:prstDash val="sysDot"/>
+            <a:tailEnd type="triangle"/>
+          </a:ln>
+          <a:effectLst/>
+        </p:spPr>
+        <p:style>
+          <a:lnRef idx="1">
+            <a:schemeClr val="accent1"/>
+          </a:lnRef>
+          <a:fillRef idx="0">
+            <a:schemeClr val="accent1"/>
+          </a:fillRef>
+          <a:effectRef idx="0">
+            <a:schemeClr val="accent1"/>
+          </a:effectRef>
+          <a:fontRef idx="minor">
+            <a:schemeClr val="tx1"/>
+          </a:fontRef>
+        </p:style>
+      </p:cxnSp>
+      <p:sp>
+        <p:nvSpPr>
+          <p:cNvPr id="190" name="Rectangle 189">
+            <a:extLst>
+              <a:ext uri="{FF2B5EF4-FFF2-40B4-BE49-F238E27FC236}">
+                <a16:creationId xmlns:a16="http://schemas.microsoft.com/office/drawing/2014/main" id="{2545774B-3789-0945-8ECD-92F4747881F9}"/>
+              </a:ext>
+            </a:extLst>
+          </p:cNvPr>
+          <p:cNvSpPr/>
+          <p:nvPr/>
+        </p:nvSpPr>
+        <p:spPr>
+          <a:xfrm>
+            <a:off x="7043428" y="4052705"/>
+            <a:ext cx="695428" cy="245074"/>
+          </a:xfrm>
+          <a:prstGeom prst="rect">
+            <a:avLst/>
+          </a:prstGeom>
+          <a:solidFill>
+            <a:schemeClr val="bg1"/>
+          </a:solidFill>
+          <a:ln w="3175">
+            <a:solidFill>
+              <a:schemeClr val="tx1"/>
+            </a:solidFill>
+          </a:ln>
+          <a:effectLst/>
+        </p:spPr>
+        <p:style>
+          <a:lnRef idx="1">
+            <a:schemeClr val="accent2"/>
+          </a:lnRef>
+          <a:fillRef idx="2">
+            <a:schemeClr val="accent2"/>
+          </a:fillRef>
+          <a:effectRef idx="1">
+            <a:schemeClr val="accent2"/>
+          </a:effectRef>
+          <a:fontRef idx="minor">
+            <a:schemeClr val="dk1"/>
+          </a:fontRef>
+        </p:style>
+        <p:txBody>
+          <a:bodyPr rot="0" spcFirstLastPara="0" vertOverflow="overflow" horzOverflow="overflow" vert="horz" wrap="square" lIns="91440" tIns="45720" rIns="91440" bIns="45720" numCol="1" spcCol="0" rtlCol="0" fromWordArt="0" anchor="ctr" anchorCtr="0" forceAA="0" compatLnSpc="1">
+            <a:prstTxWarp prst="textNoShape">
+              <a:avLst/>
+            </a:prstTxWarp>
+            <a:noAutofit/>
+          </a:bodyPr>
+          <a:lstStyle/>
+          <a:p>
+            <a:pPr algn="ctr"/>
+            <a:r>
+              <a:rPr lang="en-US" sz="1600" i="1" dirty="0">
+                <a:solidFill>
+                  <a:schemeClr val="tx1">
+                    <a:lumMod val="85000"/>
+                    <a:lumOff val="15000"/>
+                  </a:schemeClr>
+                </a:solidFill>
+              </a:rPr>
+              <a:t>ln -s</a:t>
+            </a:r>
+          </a:p>
+        </p:txBody>
+      </p:sp>
+    </p:spTree>
+    <p:extLst>
+      <p:ext uri="{BB962C8B-B14F-4D97-AF65-F5344CB8AC3E}">
+        <p14:creationId xmlns:p14="http://schemas.microsoft.com/office/powerpoint/2010/main" val="2063879814"/>
+      </p:ext>
+    </p:extLst>
+  </p:cSld>
+  <p:clrMapOvr>
+    <a:masterClrMapping/>
+  </p:clrMapOvr>
+</p:sld>
+</file>
+
+<file path=ppt/slides/slide4.xml><?xml version="1.0" encoding="utf-8"?>
 <p:sld xmlns:a="http://schemas.openxmlformats.org/drawingml/2006/main" xmlns:r="http://schemas.openxmlformats.org/officeDocument/2006/relationships" xmlns:p="http://schemas.openxmlformats.org/presentationml/2006/main">
   <p:cSld>
     <p:spTree>

--- a/docs/Figures.pptx
+++ b/docs/Figures.pptx
@@ -229,7 +229,7 @@
           <a:p>
             <a:fld id="{EBA94EA4-C59E-CC41-B895-DC1C15C976BF}" type="datetimeFigureOut">
               <a:rPr lang="en-US" smtClean="0"/>
-              <a:t>6/23/20</a:t>
+              <a:t>7/16/20</a:t>
             </a:fld>
             <a:endParaRPr lang="en-US"/>
           </a:p>
@@ -385,7 +385,7 @@
             <a:noFill/>
             <a:extLst>
               <a:ext uri="{909E8E84-426E-40dd-AFC4-6F175D3DCCD1}">
-                <a14:hiddenFill xmlns:a14="http://schemas.microsoft.com/office/drawing/2010/main" xmlns="">
+                <a14:hiddenFill xmlns="" xmlns:a14="http://schemas.microsoft.com/office/drawing/2010/main">
                   <a:solidFill>
                     <a:srgbClr val="FFFFFF"/>
                   </a:solidFill>
@@ -620,7 +620,7 @@
             <a:fld id="{30E17047-C597-4B34-8FEE-7A0D1EA692A4}" type="datetimeFigureOut">
               <a:rPr lang="en-US" smtClean="0"/>
               <a:pPr/>
-              <a:t>6/23/20</a:t>
+              <a:t>7/16/20</a:t>
             </a:fld>
             <a:endParaRPr lang="en-US"/>
           </a:p>
@@ -817,14 +817,14 @@
             <a:effectLst/>
             <a:extLst>
               <a:ext uri="{909E8E84-426E-40dd-AFC4-6F175D3DCCD1}">
-                <a14:hiddenFill xmlns:a14="http://schemas.microsoft.com/office/drawing/2010/main" xmlns="">
+                <a14:hiddenFill xmlns="" xmlns:a14="http://schemas.microsoft.com/office/drawing/2010/main">
                   <a:solidFill>
                     <a:schemeClr val="accent1"/>
                   </a:solidFill>
                 </a14:hiddenFill>
               </a:ext>
               <a:ext uri="{91240B29-F687-4f45-9708-019B960494DF}">
-                <a14:hiddenLine xmlns:a14="http://schemas.microsoft.com/office/drawing/2010/main" xmlns="" w="9525">
+                <a14:hiddenLine xmlns="" xmlns:a14="http://schemas.microsoft.com/office/drawing/2010/main" w="9525">
                   <a:solidFill>
                     <a:schemeClr val="tx1"/>
                   </a:solidFill>
@@ -834,7 +834,7 @@
                 </a14:hiddenLine>
               </a:ext>
               <a:ext uri="{AF507438-7753-43e0-B8FC-AC1667EBCBE1}">
-                <a14:hiddenEffects xmlns:a14="http://schemas.microsoft.com/office/drawing/2010/main" xmlns="">
+                <a14:hiddenEffects xmlns="" xmlns:a14="http://schemas.microsoft.com/office/drawing/2010/main">
                   <a:effectLst>
                     <a:outerShdw dist="35921" dir="2700000" algn="ctr" rotWithShape="0">
                       <a:schemeClr val="bg2"/>
@@ -1009,7 +1009,7 @@
             <a:fld id="{30E17047-C597-4B34-8FEE-7A0D1EA692A4}" type="datetimeFigureOut">
               <a:rPr lang="en-US" smtClean="0"/>
               <a:pPr/>
-              <a:t>6/23/20</a:t>
+              <a:t>7/16/20</a:t>
             </a:fld>
             <a:endParaRPr lang="en-US"/>
           </a:p>
@@ -1246,14 +1246,14 @@
             <a:effectLst/>
             <a:extLst>
               <a:ext uri="{909E8E84-426E-40dd-AFC4-6F175D3DCCD1}">
-                <a14:hiddenFill xmlns:a14="http://schemas.microsoft.com/office/drawing/2010/main" xmlns="">
+                <a14:hiddenFill xmlns="" xmlns:a14="http://schemas.microsoft.com/office/drawing/2010/main">
                   <a:solidFill>
                     <a:schemeClr val="accent1"/>
                   </a:solidFill>
                 </a14:hiddenFill>
               </a:ext>
               <a:ext uri="{91240B29-F687-4f45-9708-019B960494DF}">
-                <a14:hiddenLine xmlns:a14="http://schemas.microsoft.com/office/drawing/2010/main" xmlns="" w="9525">
+                <a14:hiddenLine xmlns="" xmlns:a14="http://schemas.microsoft.com/office/drawing/2010/main" w="9525">
                   <a:solidFill>
                     <a:schemeClr val="tx1"/>
                   </a:solidFill>
@@ -1263,7 +1263,7 @@
                 </a14:hiddenLine>
               </a:ext>
               <a:ext uri="{AF507438-7753-43e0-B8FC-AC1667EBCBE1}">
-                <a14:hiddenEffects xmlns:a14="http://schemas.microsoft.com/office/drawing/2010/main" xmlns="">
+                <a14:hiddenEffects xmlns="" xmlns:a14="http://schemas.microsoft.com/office/drawing/2010/main">
                   <a:effectLst>
                     <a:outerShdw dist="35921" dir="2700000" algn="ctr" rotWithShape="0">
                       <a:schemeClr val="bg2"/>
@@ -1438,14 +1438,14 @@
           </a:ln>
           <a:extLst>
             <a:ext uri="{909E8E84-426E-40dd-AFC4-6F175D3DCCD1}">
-              <a14:hiddenFill xmlns:a14="http://schemas.microsoft.com/office/drawing/2010/main" xmlns="">
+              <a14:hiddenFill xmlns="" xmlns:a14="http://schemas.microsoft.com/office/drawing/2010/main">
                 <a:solidFill>
                   <a:schemeClr val="accent1"/>
                 </a:solidFill>
               </a14:hiddenFill>
             </a:ext>
             <a:ext uri="{91240B29-F687-4f45-9708-019B960494DF}">
-              <a14:hiddenLine xmlns:a14="http://schemas.microsoft.com/office/drawing/2010/main" xmlns="" w="9525">
+              <a14:hiddenLine xmlns="" xmlns:a14="http://schemas.microsoft.com/office/drawing/2010/main" w="9525">
                 <a:solidFill>
                   <a:schemeClr val="tx1"/>
                 </a:solidFill>
@@ -1513,7 +1513,7 @@
             <a:fld id="{30E17047-C597-4B34-8FEE-7A0D1EA692A4}" type="datetimeFigureOut">
               <a:rPr lang="en-US" smtClean="0"/>
               <a:pPr/>
-              <a:t>6/23/20</a:t>
+              <a:t>7/16/20</a:t>
             </a:fld>
             <a:endParaRPr lang="en-US" dirty="0"/>
           </a:p>
@@ -1593,7 +1593,7 @@
           <a:noFill/>
           <a:extLst>
             <a:ext uri="{909E8E84-426E-40dd-AFC4-6F175D3DCCD1}">
-              <a14:hiddenFill xmlns:a14="http://schemas.microsoft.com/office/drawing/2010/main" xmlns="">
+              <a14:hiddenFill xmlns="" xmlns:a14="http://schemas.microsoft.com/office/drawing/2010/main">
                 <a:solidFill>
                   <a:srgbClr val="FFFFFF"/>
                 </a:solidFill>
@@ -1638,14 +1638,14 @@
           <a:effectLst/>
           <a:extLst>
             <a:ext uri="{909E8E84-426E-40dd-AFC4-6F175D3DCCD1}">
-              <a14:hiddenFill xmlns:a14="http://schemas.microsoft.com/office/drawing/2010/main" xmlns="">
+              <a14:hiddenFill xmlns="" xmlns:a14="http://schemas.microsoft.com/office/drawing/2010/main">
                 <a:solidFill>
                   <a:schemeClr val="accent1"/>
                 </a:solidFill>
               </a14:hiddenFill>
             </a:ext>
             <a:ext uri="{91240B29-F687-4f45-9708-019B960494DF}">
-              <a14:hiddenLine xmlns:a14="http://schemas.microsoft.com/office/drawing/2010/main" xmlns="" w="9525">
+              <a14:hiddenLine xmlns="" xmlns:a14="http://schemas.microsoft.com/office/drawing/2010/main" w="9525">
                 <a:solidFill>
                   <a:schemeClr val="tx1"/>
                 </a:solidFill>
@@ -1655,7 +1655,7 @@
               </a14:hiddenLine>
             </a:ext>
             <a:ext uri="{AF507438-7753-43e0-B8FC-AC1667EBCBE1}">
-              <a14:hiddenEffects xmlns:a14="http://schemas.microsoft.com/office/drawing/2010/main" xmlns="">
+              <a14:hiddenEffects xmlns="" xmlns:a14="http://schemas.microsoft.com/office/drawing/2010/main">
                 <a:effectLst>
                   <a:outerShdw dist="35921" dir="2700000" algn="ctr" rotWithShape="0">
                     <a:schemeClr val="bg2"/>
@@ -1698,7 +1698,7 @@
           <a:noFill/>
           <a:extLst>
             <a:ext uri="{909E8E84-426E-40dd-AFC4-6F175D3DCCD1}">
-              <a14:hiddenFill xmlns:a14="http://schemas.microsoft.com/office/drawing/2010/main" xmlns="">
+              <a14:hiddenFill xmlns="" xmlns:a14="http://schemas.microsoft.com/office/drawing/2010/main">
                 <a:solidFill>
                   <a:srgbClr val="FFFFFF"/>
                 </a:solidFill>
@@ -2010,7 +2010,7 @@
             <a:fld id="{30E17047-C597-4B34-8FEE-7A0D1EA692A4}" type="datetimeFigureOut">
               <a:rPr lang="en-US" smtClean="0"/>
               <a:pPr/>
-              <a:t>6/23/20</a:t>
+              <a:t>7/16/20</a:t>
             </a:fld>
             <a:endParaRPr lang="en-US"/>
           </a:p>
@@ -2237,14 +2237,14 @@
             <a:effectLst/>
             <a:extLst>
               <a:ext uri="{909E8E84-426E-40dd-AFC4-6F175D3DCCD1}">
-                <a14:hiddenFill xmlns:a14="http://schemas.microsoft.com/office/drawing/2010/main" xmlns="">
+                <a14:hiddenFill xmlns="" xmlns:a14="http://schemas.microsoft.com/office/drawing/2010/main">
                   <a:solidFill>
                     <a:schemeClr val="accent1"/>
                   </a:solidFill>
                 </a14:hiddenFill>
               </a:ext>
               <a:ext uri="{91240B29-F687-4f45-9708-019B960494DF}">
-                <a14:hiddenLine xmlns:a14="http://schemas.microsoft.com/office/drawing/2010/main" xmlns="" w="9525">
+                <a14:hiddenLine xmlns="" xmlns:a14="http://schemas.microsoft.com/office/drawing/2010/main" w="9525">
                   <a:solidFill>
                     <a:schemeClr val="tx1"/>
                   </a:solidFill>
@@ -2254,7 +2254,7 @@
                 </a14:hiddenLine>
               </a:ext>
               <a:ext uri="{AF507438-7753-43e0-B8FC-AC1667EBCBE1}">
-                <a14:hiddenEffects xmlns:a14="http://schemas.microsoft.com/office/drawing/2010/main" xmlns="">
+                <a14:hiddenEffects xmlns="" xmlns:a14="http://schemas.microsoft.com/office/drawing/2010/main">
                   <a:effectLst>
                     <a:outerShdw dist="35921" dir="2700000" algn="ctr" rotWithShape="0">
                       <a:schemeClr val="bg2"/>
@@ -2666,7 +2666,7 @@
             <a:fld id="{30E17047-C597-4B34-8FEE-7A0D1EA692A4}" type="datetimeFigureOut">
               <a:rPr lang="en-US" smtClean="0"/>
               <a:pPr/>
-              <a:t>6/23/20</a:t>
+              <a:t>7/16/20</a:t>
             </a:fld>
             <a:endParaRPr lang="en-US"/>
           </a:p>
@@ -2893,14 +2893,14 @@
             <a:effectLst/>
             <a:extLst>
               <a:ext uri="{909E8E84-426E-40dd-AFC4-6F175D3DCCD1}">
-                <a14:hiddenFill xmlns:a14="http://schemas.microsoft.com/office/drawing/2010/main" xmlns="">
+                <a14:hiddenFill xmlns="" xmlns:a14="http://schemas.microsoft.com/office/drawing/2010/main">
                   <a:solidFill>
                     <a:schemeClr val="accent1"/>
                   </a:solidFill>
                 </a14:hiddenFill>
               </a:ext>
               <a:ext uri="{91240B29-F687-4f45-9708-019B960494DF}">
-                <a14:hiddenLine xmlns:a14="http://schemas.microsoft.com/office/drawing/2010/main" xmlns="" w="9525">
+                <a14:hiddenLine xmlns="" xmlns:a14="http://schemas.microsoft.com/office/drawing/2010/main" w="9525">
                   <a:solidFill>
                     <a:schemeClr val="tx1"/>
                   </a:solidFill>
@@ -2910,7 +2910,7 @@
                 </a14:hiddenLine>
               </a:ext>
               <a:ext uri="{AF507438-7753-43e0-B8FC-AC1667EBCBE1}">
-                <a14:hiddenEffects xmlns:a14="http://schemas.microsoft.com/office/drawing/2010/main" xmlns="">
+                <a14:hiddenEffects xmlns="" xmlns:a14="http://schemas.microsoft.com/office/drawing/2010/main">
                   <a:effectLst>
                     <a:outerShdw dist="35921" dir="2700000" algn="ctr" rotWithShape="0">
                       <a:schemeClr val="bg2"/>
@@ -3050,7 +3050,7 @@
             <a:noFill/>
             <a:extLst>
               <a:ext uri="{909E8E84-426E-40dd-AFC4-6F175D3DCCD1}">
-                <a14:hiddenFill xmlns:a14="http://schemas.microsoft.com/office/drawing/2010/main" xmlns="">
+                <a14:hiddenFill xmlns="" xmlns:a14="http://schemas.microsoft.com/office/drawing/2010/main">
                   <a:solidFill>
                     <a:srgbClr val="FFFFFF"/>
                   </a:solidFill>
@@ -3184,7 +3184,7 @@
             <a:fld id="{30E17047-C597-4B34-8FEE-7A0D1EA692A4}" type="datetimeFigureOut">
               <a:rPr lang="en-US" smtClean="0"/>
               <a:pPr/>
-              <a:t>6/23/20</a:t>
+              <a:t>7/16/20</a:t>
             </a:fld>
             <a:endParaRPr lang="en-US"/>
           </a:p>
@@ -3411,14 +3411,14 @@
             <a:effectLst/>
             <a:extLst>
               <a:ext uri="{909E8E84-426E-40dd-AFC4-6F175D3DCCD1}">
-                <a14:hiddenFill xmlns:a14="http://schemas.microsoft.com/office/drawing/2010/main" xmlns="">
+                <a14:hiddenFill xmlns="" xmlns:a14="http://schemas.microsoft.com/office/drawing/2010/main">
                   <a:solidFill>
                     <a:schemeClr val="accent1"/>
                   </a:solidFill>
                 </a14:hiddenFill>
               </a:ext>
               <a:ext uri="{91240B29-F687-4f45-9708-019B960494DF}">
-                <a14:hiddenLine xmlns:a14="http://schemas.microsoft.com/office/drawing/2010/main" xmlns="" w="9525">
+                <a14:hiddenLine xmlns="" xmlns:a14="http://schemas.microsoft.com/office/drawing/2010/main" w="9525">
                   <a:solidFill>
                     <a:schemeClr val="tx1"/>
                   </a:solidFill>
@@ -3428,7 +3428,7 @@
                 </a14:hiddenLine>
               </a:ext>
               <a:ext uri="{AF507438-7753-43e0-B8FC-AC1667EBCBE1}">
-                <a14:hiddenEffects xmlns:a14="http://schemas.microsoft.com/office/drawing/2010/main" xmlns="">
+                <a14:hiddenEffects xmlns="" xmlns:a14="http://schemas.microsoft.com/office/drawing/2010/main">
                   <a:effectLst>
                     <a:outerShdw dist="35921" dir="2700000" algn="ctr" rotWithShape="0">
                       <a:schemeClr val="bg2"/>
@@ -3568,7 +3568,7 @@
             <a:noFill/>
             <a:extLst>
               <a:ext uri="{909E8E84-426E-40dd-AFC4-6F175D3DCCD1}">
-                <a14:hiddenFill xmlns:a14="http://schemas.microsoft.com/office/drawing/2010/main" xmlns="">
+                <a14:hiddenFill xmlns="" xmlns:a14="http://schemas.microsoft.com/office/drawing/2010/main">
                   <a:solidFill>
                     <a:srgbClr val="FFFFFF"/>
                   </a:solidFill>
@@ -3882,7 +3882,7 @@
             <a:fld id="{30E17047-C597-4B34-8FEE-7A0D1EA692A4}" type="datetimeFigureOut">
               <a:rPr lang="en-US" smtClean="0"/>
               <a:pPr/>
-              <a:t>6/23/20</a:t>
+              <a:t>7/16/20</a:t>
             </a:fld>
             <a:endParaRPr lang="en-US"/>
           </a:p>
@@ -4069,14 +4069,14 @@
             <a:effectLst/>
             <a:extLst>
               <a:ext uri="{909E8E84-426E-40dd-AFC4-6F175D3DCCD1}">
-                <a14:hiddenFill xmlns:a14="http://schemas.microsoft.com/office/drawing/2010/main" xmlns="">
+                <a14:hiddenFill xmlns="" xmlns:a14="http://schemas.microsoft.com/office/drawing/2010/main">
                   <a:solidFill>
                     <a:schemeClr val="accent1"/>
                   </a:solidFill>
                 </a14:hiddenFill>
               </a:ext>
               <a:ext uri="{91240B29-F687-4f45-9708-019B960494DF}">
-                <a14:hiddenLine xmlns:a14="http://schemas.microsoft.com/office/drawing/2010/main" xmlns="" w="9525">
+                <a14:hiddenLine xmlns="" xmlns:a14="http://schemas.microsoft.com/office/drawing/2010/main" w="9525">
                   <a:solidFill>
                     <a:schemeClr val="tx1"/>
                   </a:solidFill>
@@ -4086,7 +4086,7 @@
                 </a14:hiddenLine>
               </a:ext>
               <a:ext uri="{AF507438-7753-43e0-B8FC-AC1667EBCBE1}">
-                <a14:hiddenEffects xmlns:a14="http://schemas.microsoft.com/office/drawing/2010/main" xmlns="">
+                <a14:hiddenEffects xmlns="" xmlns:a14="http://schemas.microsoft.com/office/drawing/2010/main">
                   <a:effectLst>
                     <a:outerShdw dist="35921" dir="2700000" algn="ctr" rotWithShape="0">
                       <a:schemeClr val="bg2"/>
@@ -4319,7 +4319,7 @@
             <a:fld id="{30E17047-C597-4B34-8FEE-7A0D1EA692A4}" type="datetimeFigureOut">
               <a:rPr lang="en-US" smtClean="0"/>
               <a:pPr/>
-              <a:t>6/23/20</a:t>
+              <a:t>7/16/20</a:t>
             </a:fld>
             <a:endParaRPr lang="en-US" dirty="0"/>
           </a:p>
@@ -4439,14 +4439,14 @@
           </a:ln>
           <a:extLst>
             <a:ext uri="{909E8E84-426E-40dd-AFC4-6F175D3DCCD1}">
-              <a14:hiddenFill xmlns:a14="http://schemas.microsoft.com/office/drawing/2010/main" xmlns="">
+              <a14:hiddenFill xmlns="" xmlns:a14="http://schemas.microsoft.com/office/drawing/2010/main">
                 <a:solidFill>
                   <a:schemeClr val="accent1"/>
                 </a:solidFill>
               </a14:hiddenFill>
             </a:ext>
             <a:ext uri="{91240B29-F687-4f45-9708-019B960494DF}">
-              <a14:hiddenLine xmlns:a14="http://schemas.microsoft.com/office/drawing/2010/main" xmlns="" w="9525">
+              <a14:hiddenLine xmlns="" xmlns:a14="http://schemas.microsoft.com/office/drawing/2010/main" w="9525">
                 <a:solidFill>
                   <a:schemeClr val="tx1"/>
                 </a:solidFill>
@@ -9270,7 +9270,7 @@
           <a:lstStyle/>
           <a:p>
             <a:r>
-              <a:rPr lang="en-US" sz="1400">
+              <a:rPr lang="en-US" sz="1400" dirty="0">
                 <a:solidFill>
                   <a:schemeClr val="tx1">
                     <a:lumMod val="85000"/>
@@ -9278,16 +9278,30 @@
                   </a:schemeClr>
                 </a:solidFill>
               </a:rPr>
-              <a:t>/&lt;data_path&gt;</a:t>
-            </a:r>
-            <a:endParaRPr lang="en-US" sz="1400" dirty="0">
-              <a:solidFill>
-                <a:schemeClr val="tx1">
-                  <a:lumMod val="85000"/>
-                  <a:lumOff val="15000"/>
-                </a:schemeClr>
-              </a:solidFill>
-            </a:endParaRPr>
+              <a:t>/&lt;</a:t>
+            </a:r>
+            <a:r>
+              <a:rPr lang="en-US" sz="1400" dirty="0" err="1">
+                <a:solidFill>
+                  <a:schemeClr val="tx1">
+                    <a:lumMod val="85000"/>
+                    <a:lumOff val="15000"/>
+                  </a:schemeClr>
+                </a:solidFill>
+              </a:rPr>
+              <a:t>data_path</a:t>
+            </a:r>
+            <a:r>
+              <a:rPr lang="en-US" sz="1400" dirty="0">
+                <a:solidFill>
+                  <a:schemeClr val="tx1">
+                    <a:lumMod val="85000"/>
+                    <a:lumOff val="15000"/>
+                  </a:schemeClr>
+                </a:solidFill>
+              </a:rPr>
+              <a:t>&gt;</a:t>
+            </a:r>
           </a:p>
         </p:txBody>
       </p:sp>
@@ -9486,7 +9500,7 @@
         </p:nvSpPr>
         <p:spPr>
           <a:xfrm>
-            <a:off x="5315846" y="4285004"/>
+            <a:off x="4918281" y="4285004"/>
             <a:ext cx="1018693" cy="241726"/>
           </a:xfrm>
           <a:prstGeom prst="rect">
@@ -9577,7 +9591,7 @@
         <p:spPr>
           <a:xfrm>
             <a:off x="2980737" y="4279149"/>
-            <a:ext cx="1742856" cy="247773"/>
+            <a:ext cx="1731823" cy="247581"/>
           </a:xfrm>
           <a:prstGeom prst="rect">
             <a:avLst/>
@@ -9624,53 +9638,6 @@
       </p:sp>
       <p:cxnSp>
         <p:nvCxnSpPr>
-          <p:cNvPr id="127" name="Straight Arrow Connector 16">
-            <a:extLst>
-              <a:ext uri="{FF2B5EF4-FFF2-40B4-BE49-F238E27FC236}">
-                <a16:creationId xmlns:a16="http://schemas.microsoft.com/office/drawing/2014/main" id="{AF0E7EE6-5609-084F-BBC0-2B8D599E9C27}"/>
-              </a:ext>
-            </a:extLst>
-          </p:cNvPr>
-          <p:cNvCxnSpPr>
-            <a:cxnSpLocks/>
-            <a:stCxn id="116" idx="2"/>
-            <a:endCxn id="131" idx="1"/>
-          </p:cNvCxnSpPr>
-          <p:nvPr/>
-        </p:nvCxnSpPr>
-        <p:spPr>
-          <a:xfrm rot="16200000" flipH="1">
-            <a:off x="5775818" y="4576104"/>
-            <a:ext cx="446930" cy="348181"/>
-          </a:xfrm>
-          <a:prstGeom prst="bentConnector2">
-            <a:avLst/>
-          </a:prstGeom>
-          <a:ln w="3175">
-            <a:solidFill>
-              <a:schemeClr val="tx1"/>
-            </a:solidFill>
-            <a:tailEnd type="triangle"/>
-          </a:ln>
-          <a:effectLst/>
-        </p:spPr>
-        <p:style>
-          <a:lnRef idx="1">
-            <a:schemeClr val="accent1"/>
-          </a:lnRef>
-          <a:fillRef idx="0">
-            <a:schemeClr val="accent1"/>
-          </a:fillRef>
-          <a:effectRef idx="0">
-            <a:schemeClr val="accent1"/>
-          </a:effectRef>
-          <a:fontRef idx="minor">
-            <a:schemeClr val="tx1"/>
-          </a:fontRef>
-        </p:style>
-      </p:cxnSp>
-      <p:cxnSp>
-        <p:nvCxnSpPr>
           <p:cNvPr id="128" name="Straight Arrow Connector 16">
             <a:extLst>
               <a:ext uri="{FF2B5EF4-FFF2-40B4-BE49-F238E27FC236}">
@@ -9687,8 +9654,8 @@
         </p:nvCxnSpPr>
         <p:spPr>
           <a:xfrm>
-            <a:off x="4723593" y="4403036"/>
-            <a:ext cx="592253" cy="2831"/>
+            <a:off x="4712560" y="4402940"/>
+            <a:ext cx="205721" cy="2927"/>
           </a:xfrm>
           <a:prstGeom prst="straightConnector1">
             <a:avLst/>
@@ -9737,8 +9704,8 @@
         </p:nvCxnSpPr>
         <p:spPr>
           <a:xfrm rot="16200000" flipH="1">
-            <a:off x="1029198" y="2451497"/>
-            <a:ext cx="2693506" cy="1209572"/>
+            <a:off x="1029246" y="2451449"/>
+            <a:ext cx="2693410" cy="1209572"/>
           </a:xfrm>
           <a:prstGeom prst="bentConnector2">
             <a:avLst/>
@@ -9771,10 +9738,10 @@
       </p:cxnSp>
       <p:sp>
         <p:nvSpPr>
-          <p:cNvPr id="131" name="Rectangle 130">
+          <p:cNvPr id="135" name="Rectangle 134">
             <a:extLst>
               <a:ext uri="{FF2B5EF4-FFF2-40B4-BE49-F238E27FC236}">
-                <a16:creationId xmlns:a16="http://schemas.microsoft.com/office/drawing/2014/main" id="{B4D298B4-64F2-5B4E-BE72-8F4511723B68}"/>
+                <a16:creationId xmlns:a16="http://schemas.microsoft.com/office/drawing/2014/main" id="{5F54B6C4-B770-8546-A852-801540755372}"/>
               </a:ext>
             </a:extLst>
           </p:cNvPr>
@@ -9783,7 +9750,404 @@
         </p:nvSpPr>
         <p:spPr>
           <a:xfrm>
-            <a:off x="6173374" y="4863058"/>
+            <a:off x="4613482" y="2754431"/>
+            <a:ext cx="1028294" cy="240683"/>
+          </a:xfrm>
+          <a:prstGeom prst="rect">
+            <a:avLst/>
+          </a:prstGeom>
+          <a:noFill/>
+          <a:ln w="3175">
+            <a:solidFill>
+              <a:schemeClr val="tx1"/>
+            </a:solidFill>
+          </a:ln>
+          <a:effectLst/>
+        </p:spPr>
+        <p:style>
+          <a:lnRef idx="1">
+            <a:schemeClr val="accent2"/>
+          </a:lnRef>
+          <a:fillRef idx="2">
+            <a:schemeClr val="accent2"/>
+          </a:fillRef>
+          <a:effectRef idx="1">
+            <a:schemeClr val="accent2"/>
+          </a:effectRef>
+          <a:fontRef idx="minor">
+            <a:schemeClr val="dk1"/>
+          </a:fontRef>
+        </p:style>
+        <p:txBody>
+          <a:bodyPr rtlCol="0" anchor="ctr"/>
+          <a:lstStyle/>
+          <a:p>
+            <a:r>
+              <a:rPr lang="en-US" sz="1400">
+                <a:solidFill>
+                  <a:schemeClr val="tx1">
+                    <a:lumMod val="85000"/>
+                    <a:lumOff val="15000"/>
+                  </a:schemeClr>
+                </a:solidFill>
+              </a:rPr>
+              <a:t>/&lt;</a:t>
+            </a:r>
+            <a:r>
+              <a:rPr lang="en-US" sz="1400" i="1">
+                <a:solidFill>
+                  <a:schemeClr val="tx1">
+                    <a:lumMod val="85000"/>
+                    <a:lumOff val="15000"/>
+                  </a:schemeClr>
+                </a:solidFill>
+              </a:rPr>
+              <a:t>dataset</a:t>
+            </a:r>
+            <a:r>
+              <a:rPr lang="en-US" sz="1400">
+                <a:solidFill>
+                  <a:schemeClr val="tx1">
+                    <a:lumMod val="85000"/>
+                    <a:lumOff val="15000"/>
+                  </a:schemeClr>
+                </a:solidFill>
+              </a:rPr>
+              <a:t>&gt;</a:t>
+            </a:r>
+            <a:endParaRPr lang="en-US" sz="1400" dirty="0">
+              <a:solidFill>
+                <a:schemeClr val="tx1">
+                  <a:lumMod val="85000"/>
+                  <a:lumOff val="15000"/>
+                </a:schemeClr>
+              </a:solidFill>
+            </a:endParaRPr>
+          </a:p>
+        </p:txBody>
+      </p:sp>
+      <p:sp>
+        <p:nvSpPr>
+          <p:cNvPr id="173" name="Rectangle 172">
+            <a:extLst>
+              <a:ext uri="{FF2B5EF4-FFF2-40B4-BE49-F238E27FC236}">
+                <a16:creationId xmlns:a16="http://schemas.microsoft.com/office/drawing/2014/main" id="{61CB862A-AEEB-AC4F-A50E-0272921F7CC5}"/>
+              </a:ext>
+            </a:extLst>
+          </p:cNvPr>
+          <p:cNvSpPr/>
+          <p:nvPr/>
+        </p:nvSpPr>
+        <p:spPr>
+          <a:xfrm>
+            <a:off x="2967485" y="2748577"/>
+            <a:ext cx="1143816" cy="247774"/>
+          </a:xfrm>
+          <a:prstGeom prst="rect">
+            <a:avLst/>
+          </a:prstGeom>
+          <a:noFill/>
+          <a:ln w="3175">
+            <a:solidFill>
+              <a:schemeClr val="tx1"/>
+            </a:solidFill>
+          </a:ln>
+          <a:effectLst/>
+        </p:spPr>
+        <p:style>
+          <a:lnRef idx="1">
+            <a:schemeClr val="accent2"/>
+          </a:lnRef>
+          <a:fillRef idx="2">
+            <a:schemeClr val="accent2"/>
+          </a:fillRef>
+          <a:effectRef idx="1">
+            <a:schemeClr val="accent2"/>
+          </a:effectRef>
+          <a:fontRef idx="minor">
+            <a:schemeClr val="dk1"/>
+          </a:fontRef>
+        </p:style>
+        <p:txBody>
+          <a:bodyPr rtlCol="0" anchor="ctr"/>
+          <a:lstStyle/>
+          <a:p>
+            <a:r>
+              <a:rPr lang="en-US" sz="1400">
+                <a:solidFill>
+                  <a:schemeClr val="tx1">
+                    <a:lumMod val="85000"/>
+                    <a:lumOff val="15000"/>
+                  </a:schemeClr>
+                </a:solidFill>
+              </a:rPr>
+              <a:t>/&lt;</a:t>
+            </a:r>
+            <a:r>
+              <a:rPr lang="en-US" sz="1400" i="1">
+                <a:solidFill>
+                  <a:schemeClr val="tx1">
+                    <a:lumMod val="85000"/>
+                    <a:lumOff val="15000"/>
+                  </a:schemeClr>
+                </a:solidFill>
+              </a:rPr>
+              <a:t>release-z</a:t>
+            </a:r>
+            <a:r>
+              <a:rPr lang="en-US" sz="1400">
+                <a:solidFill>
+                  <a:schemeClr val="tx1">
+                    <a:lumMod val="85000"/>
+                    <a:lumOff val="15000"/>
+                  </a:schemeClr>
+                </a:solidFill>
+              </a:rPr>
+              <a:t>&gt;</a:t>
+            </a:r>
+            <a:endParaRPr lang="en-US" sz="1400" dirty="0">
+              <a:solidFill>
+                <a:schemeClr val="tx1">
+                  <a:lumMod val="85000"/>
+                  <a:lumOff val="15000"/>
+                </a:schemeClr>
+              </a:solidFill>
+            </a:endParaRPr>
+          </a:p>
+        </p:txBody>
+      </p:sp>
+      <p:sp>
+        <p:nvSpPr>
+          <p:cNvPr id="174" name="Rectangle 173">
+            <a:extLst>
+              <a:ext uri="{FF2B5EF4-FFF2-40B4-BE49-F238E27FC236}">
+                <a16:creationId xmlns:a16="http://schemas.microsoft.com/office/drawing/2014/main" id="{DFAF2F67-C582-F343-9958-4F31BFFE4C43}"/>
+              </a:ext>
+            </a:extLst>
+          </p:cNvPr>
+          <p:cNvSpPr/>
+          <p:nvPr/>
+        </p:nvSpPr>
+        <p:spPr>
+          <a:xfrm>
+            <a:off x="5296385" y="3130674"/>
+            <a:ext cx="862035" cy="227944"/>
+          </a:xfrm>
+          <a:prstGeom prst="rect">
+            <a:avLst/>
+          </a:prstGeom>
+          <a:noFill/>
+          <a:ln w="3175">
+            <a:solidFill>
+              <a:schemeClr val="tx1"/>
+            </a:solidFill>
+          </a:ln>
+          <a:effectLst/>
+        </p:spPr>
+        <p:style>
+          <a:lnRef idx="1">
+            <a:schemeClr val="accent2"/>
+          </a:lnRef>
+          <a:fillRef idx="2">
+            <a:schemeClr val="accent2"/>
+          </a:fillRef>
+          <a:effectRef idx="1">
+            <a:schemeClr val="accent2"/>
+          </a:effectRef>
+          <a:fontRef idx="minor">
+            <a:schemeClr val="dk1"/>
+          </a:fontRef>
+        </p:style>
+        <p:txBody>
+          <a:bodyPr rtlCol="0" anchor="ctr"/>
+          <a:lstStyle/>
+          <a:p>
+            <a:r>
+              <a:rPr lang="en-US" sz="1400">
+                <a:solidFill>
+                  <a:schemeClr val="tx1">
+                    <a:lumMod val="85000"/>
+                    <a:lumOff val="15000"/>
+                  </a:schemeClr>
+                </a:solidFill>
+              </a:rPr>
+              <a:t>/level2</a:t>
+            </a:r>
+            <a:endParaRPr lang="en-US" sz="1400" b="1" dirty="0">
+              <a:solidFill>
+                <a:schemeClr val="tx1">
+                  <a:lumMod val="85000"/>
+                  <a:lumOff val="15000"/>
+                </a:schemeClr>
+              </a:solidFill>
+            </a:endParaRPr>
+          </a:p>
+        </p:txBody>
+      </p:sp>
+      <p:cxnSp>
+        <p:nvCxnSpPr>
+          <p:cNvPr id="181" name="Straight Arrow Connector 16">
+            <a:extLst>
+              <a:ext uri="{FF2B5EF4-FFF2-40B4-BE49-F238E27FC236}">
+                <a16:creationId xmlns:a16="http://schemas.microsoft.com/office/drawing/2014/main" id="{7FC8890D-0A33-E549-B330-0B178F2419FB}"/>
+              </a:ext>
+            </a:extLst>
+          </p:cNvPr>
+          <p:cNvCxnSpPr>
+            <a:cxnSpLocks/>
+            <a:stCxn id="135" idx="2"/>
+            <a:endCxn id="174" idx="1"/>
+          </p:cNvCxnSpPr>
+          <p:nvPr/>
+        </p:nvCxnSpPr>
+        <p:spPr>
+          <a:xfrm rot="16200000" flipH="1">
+            <a:off x="5087241" y="3035502"/>
+            <a:ext cx="249532" cy="168756"/>
+          </a:xfrm>
+          <a:prstGeom prst="bentConnector2">
+            <a:avLst/>
+          </a:prstGeom>
+          <a:ln w="3175">
+            <a:solidFill>
+              <a:schemeClr val="tx1"/>
+            </a:solidFill>
+            <a:tailEnd type="triangle"/>
+          </a:ln>
+          <a:effectLst/>
+        </p:spPr>
+        <p:style>
+          <a:lnRef idx="1">
+            <a:schemeClr val="accent1"/>
+          </a:lnRef>
+          <a:fillRef idx="0">
+            <a:schemeClr val="accent1"/>
+          </a:fillRef>
+          <a:effectRef idx="0">
+            <a:schemeClr val="accent1"/>
+          </a:effectRef>
+          <a:fontRef idx="minor">
+            <a:schemeClr val="tx1"/>
+          </a:fontRef>
+        </p:style>
+      </p:cxnSp>
+      <p:cxnSp>
+        <p:nvCxnSpPr>
+          <p:cNvPr id="183" name="Straight Arrow Connector 16">
+            <a:extLst>
+              <a:ext uri="{FF2B5EF4-FFF2-40B4-BE49-F238E27FC236}">
+                <a16:creationId xmlns:a16="http://schemas.microsoft.com/office/drawing/2014/main" id="{C0BD8608-A8C1-6F42-B06C-0D6B58766B18}"/>
+              </a:ext>
+            </a:extLst>
+          </p:cNvPr>
+          <p:cNvCxnSpPr>
+            <a:cxnSpLocks/>
+            <a:stCxn id="173" idx="3"/>
+            <a:endCxn id="135" idx="1"/>
+          </p:cNvCxnSpPr>
+          <p:nvPr/>
+        </p:nvCxnSpPr>
+        <p:spPr>
+          <a:xfrm>
+            <a:off x="4111301" y="2872464"/>
+            <a:ext cx="502181" cy="2309"/>
+          </a:xfrm>
+          <a:prstGeom prst="straightConnector1">
+            <a:avLst/>
+          </a:prstGeom>
+          <a:ln>
+            <a:solidFill>
+              <a:schemeClr val="tx1">
+                <a:lumMod val="85000"/>
+                <a:lumOff val="15000"/>
+              </a:schemeClr>
+            </a:solidFill>
+            <a:tailEnd type="triangle"/>
+          </a:ln>
+          <a:effectLst/>
+        </p:spPr>
+        <p:style>
+          <a:lnRef idx="1">
+            <a:schemeClr val="accent1"/>
+          </a:lnRef>
+          <a:fillRef idx="0">
+            <a:schemeClr val="accent1"/>
+          </a:fillRef>
+          <a:effectRef idx="0">
+            <a:schemeClr val="accent1"/>
+          </a:effectRef>
+          <a:fontRef idx="minor">
+            <a:schemeClr val="tx1"/>
+          </a:fontRef>
+        </p:style>
+      </p:cxnSp>
+      <p:cxnSp>
+        <p:nvCxnSpPr>
+          <p:cNvPr id="184" name="Straight Arrow Connector 16">
+            <a:extLst>
+              <a:ext uri="{FF2B5EF4-FFF2-40B4-BE49-F238E27FC236}">
+                <a16:creationId xmlns:a16="http://schemas.microsoft.com/office/drawing/2014/main" id="{559098B6-418C-604F-B02E-71D16D79D984}"/>
+              </a:ext>
+            </a:extLst>
+          </p:cNvPr>
+          <p:cNvCxnSpPr>
+            <a:cxnSpLocks/>
+            <a:stCxn id="98" idx="3"/>
+            <a:endCxn id="173" idx="1"/>
+          </p:cNvCxnSpPr>
+          <p:nvPr/>
+        </p:nvCxnSpPr>
+        <p:spPr>
+          <a:xfrm>
+            <a:off x="2385391" y="1595708"/>
+            <a:ext cx="582094" cy="1276756"/>
+          </a:xfrm>
+          <a:prstGeom prst="bentConnector3">
+            <a:avLst>
+              <a:gd name="adj1" fmla="val 50000"/>
+            </a:avLst>
+          </a:prstGeom>
+          <a:ln>
+            <a:solidFill>
+              <a:schemeClr val="tx1">
+                <a:lumMod val="85000"/>
+                <a:lumOff val="15000"/>
+              </a:schemeClr>
+            </a:solidFill>
+            <a:tailEnd type="triangle"/>
+          </a:ln>
+          <a:effectLst/>
+        </p:spPr>
+        <p:style>
+          <a:lnRef idx="1">
+            <a:schemeClr val="accent1"/>
+          </a:lnRef>
+          <a:fillRef idx="0">
+            <a:schemeClr val="accent1"/>
+          </a:fillRef>
+          <a:effectRef idx="0">
+            <a:schemeClr val="accent1"/>
+          </a:effectRef>
+          <a:fontRef idx="minor">
+            <a:schemeClr val="tx1"/>
+          </a:fontRef>
+        </p:style>
+      </p:cxnSp>
+      <p:sp>
+        <p:nvSpPr>
+          <p:cNvPr id="185" name="Rectangle 184">
+            <a:extLst>
+              <a:ext uri="{FF2B5EF4-FFF2-40B4-BE49-F238E27FC236}">
+                <a16:creationId xmlns:a16="http://schemas.microsoft.com/office/drawing/2014/main" id="{F5E7F971-F3FC-9542-9923-6BDA9724812C}"/>
+              </a:ext>
+            </a:extLst>
+          </p:cNvPr>
+          <p:cNvSpPr/>
+          <p:nvPr/>
+        </p:nvSpPr>
+        <p:spPr>
+          <a:xfrm>
+            <a:off x="5945257" y="3491260"/>
             <a:ext cx="842528" cy="221203"/>
           </a:xfrm>
           <a:prstGeom prst="rect">
@@ -9821,7 +10185,7 @@
           <a:lstStyle/>
           <a:p>
             <a:r>
-              <a:rPr lang="en-US" sz="1400">
+              <a:rPr lang="en-US" sz="1400" dirty="0">
                 <a:solidFill>
                   <a:schemeClr val="tx1">
                     <a:lumMod val="85000"/>
@@ -9829,7 +10193,18 @@
                   </a:schemeClr>
                 </a:solidFill>
               </a:rPr>
-              <a:t>/sid-dck</a:t>
+              <a:t>/</a:t>
+            </a:r>
+            <a:r>
+              <a:rPr lang="en-US" sz="1400" dirty="0" err="1">
+                <a:solidFill>
+                  <a:schemeClr val="tx1">
+                    <a:lumMod val="85000"/>
+                    <a:lumOff val="15000"/>
+                  </a:schemeClr>
+                </a:solidFill>
+              </a:rPr>
+              <a:t>sid-dck</a:t>
             </a:r>
             <a:endParaRPr lang="en-US" sz="1400" dirty="0">
               <a:solidFill>
@@ -9842,274 +10217,26 @@
           </a:p>
         </p:txBody>
       </p:sp>
-      <p:sp>
-        <p:nvSpPr>
-          <p:cNvPr id="135" name="Rectangle 134">
-            <a:extLst>
-              <a:ext uri="{FF2B5EF4-FFF2-40B4-BE49-F238E27FC236}">
-                <a16:creationId xmlns:a16="http://schemas.microsoft.com/office/drawing/2014/main" id="{5F54B6C4-B770-8546-A852-801540755372}"/>
-              </a:ext>
-            </a:extLst>
-          </p:cNvPr>
-          <p:cNvSpPr/>
-          <p:nvPr/>
-        </p:nvSpPr>
-        <p:spPr>
-          <a:xfrm>
-            <a:off x="4613482" y="2754431"/>
-            <a:ext cx="1028294" cy="240683"/>
-          </a:xfrm>
-          <a:prstGeom prst="rect">
-            <a:avLst/>
-          </a:prstGeom>
-          <a:noFill/>
-          <a:ln w="3175">
-            <a:solidFill>
-              <a:schemeClr val="tx1"/>
-            </a:solidFill>
-          </a:ln>
-          <a:effectLst/>
-        </p:spPr>
-        <p:style>
-          <a:lnRef idx="1">
-            <a:schemeClr val="accent2"/>
-          </a:lnRef>
-          <a:fillRef idx="2">
-            <a:schemeClr val="accent2"/>
-          </a:fillRef>
-          <a:effectRef idx="1">
-            <a:schemeClr val="accent2"/>
-          </a:effectRef>
-          <a:fontRef idx="minor">
-            <a:schemeClr val="dk1"/>
-          </a:fontRef>
-        </p:style>
-        <p:txBody>
-          <a:bodyPr rtlCol="0" anchor="ctr"/>
-          <a:lstStyle/>
-          <a:p>
-            <a:r>
-              <a:rPr lang="en-US" sz="1400">
-                <a:solidFill>
-                  <a:schemeClr val="tx1">
-                    <a:lumMod val="85000"/>
-                    <a:lumOff val="15000"/>
-                  </a:schemeClr>
-                </a:solidFill>
-              </a:rPr>
-              <a:t>/&lt;</a:t>
-            </a:r>
-            <a:r>
-              <a:rPr lang="en-US" sz="1400" i="1">
-                <a:solidFill>
-                  <a:schemeClr val="tx1">
-                    <a:lumMod val="85000"/>
-                    <a:lumOff val="15000"/>
-                  </a:schemeClr>
-                </a:solidFill>
-              </a:rPr>
-              <a:t>dataset</a:t>
-            </a:r>
-            <a:r>
-              <a:rPr lang="en-US" sz="1400">
-                <a:solidFill>
-                  <a:schemeClr val="tx1">
-                    <a:lumMod val="85000"/>
-                    <a:lumOff val="15000"/>
-                  </a:schemeClr>
-                </a:solidFill>
-              </a:rPr>
-              <a:t>&gt;</a:t>
-            </a:r>
-            <a:endParaRPr lang="en-US" sz="1400" dirty="0">
-              <a:solidFill>
-                <a:schemeClr val="tx1">
-                  <a:lumMod val="85000"/>
-                  <a:lumOff val="15000"/>
-                </a:schemeClr>
-              </a:solidFill>
-            </a:endParaRPr>
-          </a:p>
-        </p:txBody>
-      </p:sp>
-      <p:sp>
-        <p:nvSpPr>
-          <p:cNvPr id="173" name="Rectangle 172">
-            <a:extLst>
-              <a:ext uri="{FF2B5EF4-FFF2-40B4-BE49-F238E27FC236}">
-                <a16:creationId xmlns:a16="http://schemas.microsoft.com/office/drawing/2014/main" id="{61CB862A-AEEB-AC4F-A50E-0272921F7CC5}"/>
-              </a:ext>
-            </a:extLst>
-          </p:cNvPr>
-          <p:cNvSpPr/>
-          <p:nvPr/>
-        </p:nvSpPr>
-        <p:spPr>
-          <a:xfrm>
-            <a:off x="2967485" y="2748577"/>
-            <a:ext cx="1143816" cy="247774"/>
-          </a:xfrm>
-          <a:prstGeom prst="rect">
-            <a:avLst/>
-          </a:prstGeom>
-          <a:noFill/>
-          <a:ln w="3175">
-            <a:solidFill>
-              <a:schemeClr val="tx1"/>
-            </a:solidFill>
-          </a:ln>
-          <a:effectLst/>
-        </p:spPr>
-        <p:style>
-          <a:lnRef idx="1">
-            <a:schemeClr val="accent2"/>
-          </a:lnRef>
-          <a:fillRef idx="2">
-            <a:schemeClr val="accent2"/>
-          </a:fillRef>
-          <a:effectRef idx="1">
-            <a:schemeClr val="accent2"/>
-          </a:effectRef>
-          <a:fontRef idx="minor">
-            <a:schemeClr val="dk1"/>
-          </a:fontRef>
-        </p:style>
-        <p:txBody>
-          <a:bodyPr rtlCol="0" anchor="ctr"/>
-          <a:lstStyle/>
-          <a:p>
-            <a:r>
-              <a:rPr lang="en-US" sz="1400">
-                <a:solidFill>
-                  <a:schemeClr val="tx1">
-                    <a:lumMod val="85000"/>
-                    <a:lumOff val="15000"/>
-                  </a:schemeClr>
-                </a:solidFill>
-              </a:rPr>
-              <a:t>/&lt;</a:t>
-            </a:r>
-            <a:r>
-              <a:rPr lang="en-US" sz="1400" i="1">
-                <a:solidFill>
-                  <a:schemeClr val="tx1">
-                    <a:lumMod val="85000"/>
-                    <a:lumOff val="15000"/>
-                  </a:schemeClr>
-                </a:solidFill>
-              </a:rPr>
-              <a:t>release-z</a:t>
-            </a:r>
-            <a:r>
-              <a:rPr lang="en-US" sz="1400">
-                <a:solidFill>
-                  <a:schemeClr val="tx1">
-                    <a:lumMod val="85000"/>
-                    <a:lumOff val="15000"/>
-                  </a:schemeClr>
-                </a:solidFill>
-              </a:rPr>
-              <a:t>&gt;</a:t>
-            </a:r>
-            <a:endParaRPr lang="en-US" sz="1400" dirty="0">
-              <a:solidFill>
-                <a:schemeClr val="tx1">
-                  <a:lumMod val="85000"/>
-                  <a:lumOff val="15000"/>
-                </a:schemeClr>
-              </a:solidFill>
-            </a:endParaRPr>
-          </a:p>
-        </p:txBody>
-      </p:sp>
-      <p:sp>
-        <p:nvSpPr>
-          <p:cNvPr id="174" name="Rectangle 173">
-            <a:extLst>
-              <a:ext uri="{FF2B5EF4-FFF2-40B4-BE49-F238E27FC236}">
-                <a16:creationId xmlns:a16="http://schemas.microsoft.com/office/drawing/2014/main" id="{DFAF2F67-C582-F343-9958-4F31BFFE4C43}"/>
-              </a:ext>
-            </a:extLst>
-          </p:cNvPr>
-          <p:cNvSpPr/>
-          <p:nvPr/>
-        </p:nvSpPr>
-        <p:spPr>
-          <a:xfrm>
-            <a:off x="5296385" y="3130674"/>
-            <a:ext cx="862035" cy="227944"/>
-          </a:xfrm>
-          <a:prstGeom prst="rect">
-            <a:avLst/>
-          </a:prstGeom>
-          <a:noFill/>
-          <a:ln w="3175">
-            <a:solidFill>
-              <a:schemeClr val="tx1"/>
-            </a:solidFill>
-          </a:ln>
-          <a:effectLst/>
-        </p:spPr>
-        <p:style>
-          <a:lnRef idx="1">
-            <a:schemeClr val="accent2"/>
-          </a:lnRef>
-          <a:fillRef idx="2">
-            <a:schemeClr val="accent2"/>
-          </a:fillRef>
-          <a:effectRef idx="1">
-            <a:schemeClr val="accent2"/>
-          </a:effectRef>
-          <a:fontRef idx="minor">
-            <a:schemeClr val="dk1"/>
-          </a:fontRef>
-        </p:style>
-        <p:txBody>
-          <a:bodyPr rtlCol="0" anchor="ctr"/>
-          <a:lstStyle/>
-          <a:p>
-            <a:r>
-              <a:rPr lang="en-US" sz="1400">
-                <a:solidFill>
-                  <a:schemeClr val="tx1">
-                    <a:lumMod val="85000"/>
-                    <a:lumOff val="15000"/>
-                  </a:schemeClr>
-                </a:solidFill>
-              </a:rPr>
-              <a:t>/level2</a:t>
-            </a:r>
-            <a:endParaRPr lang="en-US" sz="1400" b="1" dirty="0">
-              <a:solidFill>
-                <a:schemeClr val="tx1">
-                  <a:lumMod val="85000"/>
-                  <a:lumOff val="15000"/>
-                </a:schemeClr>
-              </a:solidFill>
-            </a:endParaRPr>
-          </a:p>
-        </p:txBody>
-      </p:sp>
       <p:cxnSp>
         <p:nvCxnSpPr>
-          <p:cNvPr id="181" name="Straight Arrow Connector 16">
+          <p:cNvPr id="186" name="Straight Arrow Connector 16">
             <a:extLst>
               <a:ext uri="{FF2B5EF4-FFF2-40B4-BE49-F238E27FC236}">
-                <a16:creationId xmlns:a16="http://schemas.microsoft.com/office/drawing/2014/main" id="{7FC8890D-0A33-E549-B330-0B178F2419FB}"/>
+                <a16:creationId xmlns:a16="http://schemas.microsoft.com/office/drawing/2014/main" id="{1D464B37-5A9C-DF48-A623-9411630AECC6}"/>
               </a:ext>
             </a:extLst>
           </p:cNvPr>
           <p:cNvCxnSpPr>
             <a:cxnSpLocks/>
-            <a:stCxn id="135" idx="2"/>
-            <a:endCxn id="174" idx="1"/>
+            <a:stCxn id="174" idx="2"/>
+            <a:endCxn id="185" idx="1"/>
           </p:cNvCxnSpPr>
           <p:nvPr/>
         </p:nvCxnSpPr>
         <p:spPr>
           <a:xfrm rot="16200000" flipH="1">
-            <a:off x="5087241" y="3035502"/>
-            <a:ext cx="249532" cy="168756"/>
+            <a:off x="5714708" y="3371313"/>
+            <a:ext cx="243244" cy="217854"/>
           </a:xfrm>
           <a:prstGeom prst="bentConnector2">
             <a:avLst/>
@@ -10139,35 +10266,35 @@
       </p:cxnSp>
       <p:cxnSp>
         <p:nvCxnSpPr>
-          <p:cNvPr id="183" name="Straight Arrow Connector 16">
+          <p:cNvPr id="187" name="Straight Arrow Connector 16">
             <a:extLst>
               <a:ext uri="{FF2B5EF4-FFF2-40B4-BE49-F238E27FC236}">
-                <a16:creationId xmlns:a16="http://schemas.microsoft.com/office/drawing/2014/main" id="{C0BD8608-A8C1-6F42-B06C-0D6B58766B18}"/>
+                <a16:creationId xmlns:a16="http://schemas.microsoft.com/office/drawing/2014/main" id="{9413DA3B-6C4D-9144-80F0-FBB92E9598B1}"/>
               </a:ext>
             </a:extLst>
           </p:cNvPr>
           <p:cNvCxnSpPr>
             <a:cxnSpLocks/>
-            <a:stCxn id="173" idx="3"/>
-            <a:endCxn id="135" idx="1"/>
+            <a:stCxn id="102" idx="3"/>
+            <a:endCxn id="33" idx="3"/>
           </p:cNvCxnSpPr>
           <p:nvPr/>
         </p:nvCxnSpPr>
         <p:spPr>
           <a:xfrm>
-            <a:off x="4111301" y="2872464"/>
-            <a:ext cx="502181" cy="2309"/>
-          </a:xfrm>
-          <a:prstGeom prst="straightConnector1">
-            <a:avLst/>
-          </a:prstGeom>
-          <a:ln>
+            <a:off x="6798973" y="2352119"/>
+            <a:ext cx="38734" cy="2857753"/>
+          </a:xfrm>
+          <a:prstGeom prst="bentConnector3">
+            <a:avLst>
+              <a:gd name="adj1" fmla="val 1545510"/>
+            </a:avLst>
+          </a:prstGeom>
+          <a:ln w="19050">
             <a:solidFill>
-              <a:schemeClr val="tx1">
-                <a:lumMod val="85000"/>
-                <a:lumOff val="15000"/>
-              </a:schemeClr>
+              <a:schemeClr val="tx1"/>
             </a:solidFill>
+            <a:prstDash val="sysDot"/>
             <a:tailEnd type="triangle"/>
           </a:ln>
           <a:effectLst/>
@@ -10189,37 +10316,35 @@
       </p:cxnSp>
       <p:cxnSp>
         <p:nvCxnSpPr>
-          <p:cNvPr id="184" name="Straight Arrow Connector 16">
+          <p:cNvPr id="188" name="Straight Arrow Connector 16">
             <a:extLst>
               <a:ext uri="{FF2B5EF4-FFF2-40B4-BE49-F238E27FC236}">
-                <a16:creationId xmlns:a16="http://schemas.microsoft.com/office/drawing/2014/main" id="{559098B6-418C-604F-B02E-71D16D79D984}"/>
+                <a16:creationId xmlns:a16="http://schemas.microsoft.com/office/drawing/2014/main" id="{DEA892E9-6C38-D345-9977-8277F980B61F}"/>
               </a:ext>
             </a:extLst>
           </p:cNvPr>
           <p:cNvCxnSpPr>
             <a:cxnSpLocks/>
-            <a:stCxn id="98" idx="3"/>
-            <a:endCxn id="173" idx="1"/>
+            <a:stCxn id="185" idx="3"/>
+            <a:endCxn id="33" idx="3"/>
           </p:cNvCxnSpPr>
           <p:nvPr/>
         </p:nvCxnSpPr>
         <p:spPr>
           <a:xfrm>
-            <a:off x="2385391" y="1595708"/>
-            <a:ext cx="582094" cy="1276756"/>
+            <a:off x="6787785" y="3601862"/>
+            <a:ext cx="49922" cy="1608010"/>
           </a:xfrm>
           <a:prstGeom prst="bentConnector3">
             <a:avLst>
-              <a:gd name="adj1" fmla="val 50000"/>
+              <a:gd name="adj1" fmla="val 1221558"/>
             </a:avLst>
           </a:prstGeom>
-          <a:ln>
+          <a:ln w="19050">
             <a:solidFill>
-              <a:schemeClr val="tx1">
-                <a:lumMod val="85000"/>
-                <a:lumOff val="15000"/>
-              </a:schemeClr>
+              <a:schemeClr val="tx1"/>
             </a:solidFill>
+            <a:prstDash val="sysDot"/>
             <a:tailEnd type="triangle"/>
           </a:ln>
           <a:effectLst/>
@@ -10241,10 +10366,10 @@
       </p:cxnSp>
       <p:sp>
         <p:nvSpPr>
-          <p:cNvPr id="185" name="Rectangle 184">
+          <p:cNvPr id="190" name="Rectangle 189">
             <a:extLst>
               <a:ext uri="{FF2B5EF4-FFF2-40B4-BE49-F238E27FC236}">
-                <a16:creationId xmlns:a16="http://schemas.microsoft.com/office/drawing/2014/main" id="{F5E7F971-F3FC-9542-9923-6BDA9724812C}"/>
+                <a16:creationId xmlns:a16="http://schemas.microsoft.com/office/drawing/2014/main" id="{2545774B-3789-0945-8ECD-92F4747881F9}"/>
               </a:ext>
             </a:extLst>
           </p:cNvPr>
@@ -10253,13 +10378,15 @@
         </p:nvSpPr>
         <p:spPr>
           <a:xfrm>
-            <a:off x="5945257" y="3491260"/>
-            <a:ext cx="842528" cy="221203"/>
+            <a:off x="7043428" y="4052705"/>
+            <a:ext cx="695428" cy="245074"/>
           </a:xfrm>
           <a:prstGeom prst="rect">
             <a:avLst/>
           </a:prstGeom>
-          <a:noFill/>
+          <a:solidFill>
+            <a:schemeClr val="bg1"/>
+          </a:solidFill>
           <a:ln w="3175">
             <a:solidFill>
               <a:schemeClr val="tx1"/>
@@ -10290,8 +10417,9 @@
           </a:bodyPr>
           <a:lstStyle/>
           <a:p>
-            <a:r>
-              <a:rPr lang="en-US" sz="1400" dirty="0">
+            <a:pPr algn="ctr"/>
+            <a:r>
+              <a:rPr lang="en-US" sz="1600" i="1" dirty="0">
                 <a:solidFill>
                   <a:schemeClr val="tx1">
                     <a:lumMod val="85000"/>
@@ -10299,10 +10427,59 @@
                   </a:schemeClr>
                 </a:solidFill>
               </a:rPr>
-              <a:t>/</a:t>
-            </a:r>
-            <a:r>
-              <a:rPr lang="en-US" sz="1400" dirty="0" err="1">
+              <a:t>ln -s</a:t>
+            </a:r>
+          </a:p>
+        </p:txBody>
+      </p:sp>
+      <p:sp>
+        <p:nvSpPr>
+          <p:cNvPr id="31" name="Rectangle 30">
+            <a:extLst>
+              <a:ext uri="{FF2B5EF4-FFF2-40B4-BE49-F238E27FC236}">
+                <a16:creationId xmlns:a16="http://schemas.microsoft.com/office/drawing/2014/main" id="{A2ED921C-4DB9-EC40-A2CB-442BD19287F3}"/>
+              </a:ext>
+            </a:extLst>
+          </p:cNvPr>
+          <p:cNvSpPr/>
+          <p:nvPr/>
+        </p:nvSpPr>
+        <p:spPr>
+          <a:xfrm>
+            <a:off x="5346307" y="4738684"/>
+            <a:ext cx="862035" cy="227944"/>
+          </a:xfrm>
+          <a:prstGeom prst="rect">
+            <a:avLst/>
+          </a:prstGeom>
+          <a:noFill/>
+          <a:ln w="3175">
+            <a:solidFill>
+              <a:schemeClr val="tx1"/>
+            </a:solidFill>
+          </a:ln>
+          <a:effectLst/>
+        </p:spPr>
+        <p:style>
+          <a:lnRef idx="1">
+            <a:schemeClr val="accent2"/>
+          </a:lnRef>
+          <a:fillRef idx="2">
+            <a:schemeClr val="accent2"/>
+          </a:fillRef>
+          <a:effectRef idx="1">
+            <a:schemeClr val="accent2"/>
+          </a:effectRef>
+          <a:fontRef idx="minor">
+            <a:schemeClr val="dk1"/>
+          </a:fontRef>
+        </p:style>
+        <p:txBody>
+          <a:bodyPr rtlCol="0" anchor="ctr"/>
+          <a:lstStyle/>
+          <a:p>
+            <a:r>
+              <a:rPr lang="en-US" sz="1400" dirty="0">
                 <a:solidFill>
                   <a:schemeClr val="tx1">
                     <a:lumMod val="85000"/>
@@ -10310,9 +10487,9 @@
                   </a:schemeClr>
                 </a:solidFill>
               </a:rPr>
-              <a:t>sid-dck</a:t>
-            </a:r>
-            <a:endParaRPr lang="en-US" sz="1400" dirty="0">
+              <a:t>/level2</a:t>
+            </a:r>
+            <a:endParaRPr lang="en-US" sz="1400" b="1" dirty="0">
               <a:solidFill>
                 <a:schemeClr val="tx1">
                   <a:lumMod val="85000"/>
@@ -10323,157 +10500,12 @@
           </a:p>
         </p:txBody>
       </p:sp>
-      <p:cxnSp>
-        <p:nvCxnSpPr>
-          <p:cNvPr id="186" name="Straight Arrow Connector 16">
-            <a:extLst>
-              <a:ext uri="{FF2B5EF4-FFF2-40B4-BE49-F238E27FC236}">
-                <a16:creationId xmlns:a16="http://schemas.microsoft.com/office/drawing/2014/main" id="{1D464B37-5A9C-DF48-A623-9411630AECC6}"/>
-              </a:ext>
-            </a:extLst>
-          </p:cNvPr>
-          <p:cNvCxnSpPr>
-            <a:cxnSpLocks/>
-            <a:stCxn id="174" idx="2"/>
-            <a:endCxn id="185" idx="1"/>
-          </p:cNvCxnSpPr>
-          <p:nvPr/>
-        </p:nvCxnSpPr>
-        <p:spPr>
-          <a:xfrm rot="16200000" flipH="1">
-            <a:off x="5714708" y="3371313"/>
-            <a:ext cx="243244" cy="217854"/>
-          </a:xfrm>
-          <a:prstGeom prst="bentConnector2">
-            <a:avLst/>
-          </a:prstGeom>
-          <a:ln w="3175">
-            <a:solidFill>
-              <a:schemeClr val="tx1"/>
-            </a:solidFill>
-            <a:tailEnd type="triangle"/>
-          </a:ln>
-          <a:effectLst/>
-        </p:spPr>
-        <p:style>
-          <a:lnRef idx="1">
-            <a:schemeClr val="accent1"/>
-          </a:lnRef>
-          <a:fillRef idx="0">
-            <a:schemeClr val="accent1"/>
-          </a:fillRef>
-          <a:effectRef idx="0">
-            <a:schemeClr val="accent1"/>
-          </a:effectRef>
-          <a:fontRef idx="minor">
-            <a:schemeClr val="tx1"/>
-          </a:fontRef>
-        </p:style>
-      </p:cxnSp>
-      <p:cxnSp>
-        <p:nvCxnSpPr>
-          <p:cNvPr id="187" name="Straight Arrow Connector 16">
-            <a:extLst>
-              <a:ext uri="{FF2B5EF4-FFF2-40B4-BE49-F238E27FC236}">
-                <a16:creationId xmlns:a16="http://schemas.microsoft.com/office/drawing/2014/main" id="{9413DA3B-6C4D-9144-80F0-FBB92E9598B1}"/>
-              </a:ext>
-            </a:extLst>
-          </p:cNvPr>
-          <p:cNvCxnSpPr>
-            <a:cxnSpLocks/>
-            <a:stCxn id="102" idx="3"/>
-            <a:endCxn id="131" idx="3"/>
-          </p:cNvCxnSpPr>
-          <p:nvPr/>
-        </p:nvCxnSpPr>
-        <p:spPr>
-          <a:xfrm>
-            <a:off x="6798973" y="2352119"/>
-            <a:ext cx="216929" cy="2621541"/>
-          </a:xfrm>
-          <a:prstGeom prst="bentConnector3">
-            <a:avLst>
-              <a:gd name="adj1" fmla="val 272579"/>
-            </a:avLst>
-          </a:prstGeom>
-          <a:ln w="19050">
-            <a:solidFill>
-              <a:schemeClr val="tx1"/>
-            </a:solidFill>
-            <a:prstDash val="sysDot"/>
-            <a:tailEnd type="triangle"/>
-          </a:ln>
-          <a:effectLst/>
-        </p:spPr>
-        <p:style>
-          <a:lnRef idx="1">
-            <a:schemeClr val="accent1"/>
-          </a:lnRef>
-          <a:fillRef idx="0">
-            <a:schemeClr val="accent1"/>
-          </a:fillRef>
-          <a:effectRef idx="0">
-            <a:schemeClr val="accent1"/>
-          </a:effectRef>
-          <a:fontRef idx="minor">
-            <a:schemeClr val="tx1"/>
-          </a:fontRef>
-        </p:style>
-      </p:cxnSp>
-      <p:cxnSp>
-        <p:nvCxnSpPr>
-          <p:cNvPr id="188" name="Straight Arrow Connector 16">
-            <a:extLst>
-              <a:ext uri="{FF2B5EF4-FFF2-40B4-BE49-F238E27FC236}">
-                <a16:creationId xmlns:a16="http://schemas.microsoft.com/office/drawing/2014/main" id="{DEA892E9-6C38-D345-9977-8277F980B61F}"/>
-              </a:ext>
-            </a:extLst>
-          </p:cNvPr>
-          <p:cNvCxnSpPr>
-            <a:cxnSpLocks/>
-          </p:cNvCxnSpPr>
-          <p:nvPr/>
-        </p:nvCxnSpPr>
-        <p:spPr>
-          <a:xfrm>
-            <a:off x="6787785" y="3601862"/>
-            <a:ext cx="228117" cy="1371798"/>
-          </a:xfrm>
-          <a:prstGeom prst="bentConnector3">
-            <a:avLst>
-              <a:gd name="adj1" fmla="val 264115"/>
-            </a:avLst>
-          </a:prstGeom>
-          <a:ln w="19050">
-            <a:solidFill>
-              <a:schemeClr val="tx1"/>
-            </a:solidFill>
-            <a:prstDash val="sysDot"/>
-            <a:tailEnd type="triangle"/>
-          </a:ln>
-          <a:effectLst/>
-        </p:spPr>
-        <p:style>
-          <a:lnRef idx="1">
-            <a:schemeClr val="accent1"/>
-          </a:lnRef>
-          <a:fillRef idx="0">
-            <a:schemeClr val="accent1"/>
-          </a:fillRef>
-          <a:effectRef idx="0">
-            <a:schemeClr val="accent1"/>
-          </a:effectRef>
-          <a:fontRef idx="minor">
-            <a:schemeClr val="tx1"/>
-          </a:fontRef>
-        </p:style>
-      </p:cxnSp>
       <p:sp>
         <p:nvSpPr>
-          <p:cNvPr id="190" name="Rectangle 189">
+          <p:cNvPr id="33" name="Rectangle 32">
             <a:extLst>
               <a:ext uri="{FF2B5EF4-FFF2-40B4-BE49-F238E27FC236}">
-                <a16:creationId xmlns:a16="http://schemas.microsoft.com/office/drawing/2014/main" id="{2545774B-3789-0945-8ECD-92F4747881F9}"/>
+                <a16:creationId xmlns:a16="http://schemas.microsoft.com/office/drawing/2014/main" id="{D5CAB9E5-591C-5246-8F5D-867EAB21C1C8}"/>
               </a:ext>
             </a:extLst>
           </p:cNvPr>
@@ -10482,15 +10514,13 @@
         </p:nvSpPr>
         <p:spPr>
           <a:xfrm>
-            <a:off x="7043428" y="4052705"/>
-            <a:ext cx="695428" cy="245074"/>
+            <a:off x="5995179" y="5099270"/>
+            <a:ext cx="842528" cy="221203"/>
           </a:xfrm>
           <a:prstGeom prst="rect">
             <a:avLst/>
           </a:prstGeom>
-          <a:solidFill>
-            <a:schemeClr val="bg1"/>
-          </a:solidFill>
+          <a:noFill/>
           <a:ln w="3175">
             <a:solidFill>
               <a:schemeClr val="tx1"/>
@@ -10521,9 +10551,8 @@
           </a:bodyPr>
           <a:lstStyle/>
           <a:p>
-            <a:pPr algn="ctr"/>
-            <a:r>
-              <a:rPr lang="en-US" sz="1600" i="1" dirty="0">
+            <a:r>
+              <a:rPr lang="en-US" sz="1400" dirty="0">
                 <a:solidFill>
                   <a:schemeClr val="tx1">
                     <a:lumMod val="85000"/>
@@ -10531,11 +10560,77 @@
                   </a:schemeClr>
                 </a:solidFill>
               </a:rPr>
-              <a:t>ln -s</a:t>
-            </a:r>
+              <a:t>/</a:t>
+            </a:r>
+            <a:r>
+              <a:rPr lang="en-US" sz="1400" dirty="0" err="1">
+                <a:solidFill>
+                  <a:schemeClr val="tx1">
+                    <a:lumMod val="85000"/>
+                    <a:lumOff val="15000"/>
+                  </a:schemeClr>
+                </a:solidFill>
+              </a:rPr>
+              <a:t>sid-dck</a:t>
+            </a:r>
+            <a:endParaRPr lang="en-US" sz="1400" dirty="0">
+              <a:solidFill>
+                <a:schemeClr val="tx1">
+                  <a:lumMod val="85000"/>
+                  <a:lumOff val="15000"/>
+                </a:schemeClr>
+              </a:solidFill>
+            </a:endParaRPr>
           </a:p>
         </p:txBody>
       </p:sp>
+      <p:cxnSp>
+        <p:nvCxnSpPr>
+          <p:cNvPr id="34" name="Straight Arrow Connector 16">
+            <a:extLst>
+              <a:ext uri="{FF2B5EF4-FFF2-40B4-BE49-F238E27FC236}">
+                <a16:creationId xmlns:a16="http://schemas.microsoft.com/office/drawing/2014/main" id="{BCC0DA20-3DDF-8743-91DB-781757501D5E}"/>
+              </a:ext>
+            </a:extLst>
+          </p:cNvPr>
+          <p:cNvCxnSpPr>
+            <a:cxnSpLocks/>
+            <a:stCxn id="31" idx="2"/>
+            <a:endCxn id="33" idx="1"/>
+          </p:cNvCxnSpPr>
+          <p:nvPr/>
+        </p:nvCxnSpPr>
+        <p:spPr>
+          <a:xfrm rot="16200000" flipH="1">
+            <a:off x="5764630" y="4979323"/>
+            <a:ext cx="243244" cy="217854"/>
+          </a:xfrm>
+          <a:prstGeom prst="bentConnector2">
+            <a:avLst/>
+          </a:prstGeom>
+          <a:ln w="3175">
+            <a:solidFill>
+              <a:schemeClr val="tx1"/>
+            </a:solidFill>
+            <a:tailEnd type="triangle"/>
+          </a:ln>
+          <a:effectLst/>
+        </p:spPr>
+        <p:style>
+          <a:lnRef idx="1">
+            <a:schemeClr val="accent1"/>
+          </a:lnRef>
+          <a:fillRef idx="0">
+            <a:schemeClr val="accent1"/>
+          </a:fillRef>
+          <a:effectRef idx="0">
+            <a:schemeClr val="accent1"/>
+          </a:effectRef>
+          <a:fontRef idx="minor">
+            <a:schemeClr val="tx1"/>
+          </a:fontRef>
+        </p:style>
+      </p:cxnSp>
     </p:spTree>
     <p:extLst>
       <p:ext uri="{BB962C8B-B14F-4D97-AF65-F5344CB8AC3E}">
